--- a/Docs/Presentation.pptx
+++ b/Docs/Presentation.pptx
@@ -5,10 +5,10 @@
     <p:sldMasterId id="2147483696" r:id="rId1"/>
   </p:sldMasterIdLst>
   <p:notesMasterIdLst>
-    <p:notesMasterId r:id="rId19"/>
+    <p:notesMasterId r:id="rId20"/>
   </p:notesMasterIdLst>
   <p:handoutMasterIdLst>
-    <p:handoutMasterId r:id="rId20"/>
+    <p:handoutMasterId r:id="rId21"/>
   </p:handoutMasterIdLst>
   <p:sldIdLst>
     <p:sldId id="257" r:id="rId2"/>
@@ -19,15 +19,16 @@
     <p:sldId id="260" r:id="rId7"/>
     <p:sldId id="273" r:id="rId8"/>
     <p:sldId id="261" r:id="rId9"/>
-    <p:sldId id="262" r:id="rId10"/>
-    <p:sldId id="263" r:id="rId11"/>
-    <p:sldId id="264" r:id="rId12"/>
-    <p:sldId id="265" r:id="rId13"/>
-    <p:sldId id="266" r:id="rId14"/>
-    <p:sldId id="267" r:id="rId15"/>
-    <p:sldId id="268" r:id="rId16"/>
-    <p:sldId id="269" r:id="rId17"/>
-    <p:sldId id="270" r:id="rId18"/>
+    <p:sldId id="274" r:id="rId10"/>
+    <p:sldId id="262" r:id="rId11"/>
+    <p:sldId id="275" r:id="rId12"/>
+    <p:sldId id="276" r:id="rId13"/>
+    <p:sldId id="277" r:id="rId14"/>
+    <p:sldId id="278" r:id="rId15"/>
+    <p:sldId id="265" r:id="rId16"/>
+    <p:sldId id="266" r:id="rId17"/>
+    <p:sldId id="267" r:id="rId18"/>
+    <p:sldId id="279" r:id="rId19"/>
   </p:sldIdLst>
   <p:sldSz cx="12192000" cy="6858000"/>
   <p:notesSz cx="6858000" cy="9144000"/>
@@ -810,10 +811,9 @@
         </p:nvSpPr>
         <p:spPr/>
         <p:txBody>
-          <a:bodyPr rtlCol="0"/>
+          <a:bodyPr/>
           <a:lstStyle/>
           <a:p>
-            <a:pPr rtl="0"/>
             <a:endParaRPr lang="en-GB" dirty="0"/>
           </a:p>
         </p:txBody>
@@ -830,13 +830,13 @@
         </p:nvSpPr>
         <p:spPr/>
         <p:txBody>
-          <a:bodyPr rtlCol="0"/>
+          <a:bodyPr/>
           <a:lstStyle/>
           <a:p>
             <a:pPr rtl="0"/>
-            <a:fld id="{5800B302-F4DC-4547-9C74-CF794137D166}" type="slidenum">
+            <a:fld id="{32674CE4-FBD8-4481-AEFB-CA53E599A745}" type="slidenum">
               <a:rPr lang="en-GB" smtClean="0"/>
-              <a:t>10</a:t>
+              <a:t>11</a:t>
             </a:fld>
             <a:endParaRPr lang="en-GB" dirty="0"/>
           </a:p>
@@ -845,7 +845,7 @@
     </p:spTree>
     <p:extLst>
       <p:ext uri="{BB962C8B-B14F-4D97-AF65-F5344CB8AC3E}">
-        <p14:creationId xmlns:p14="http://schemas.microsoft.com/office/powerpoint/2010/main" val="908655586"/>
+        <p14:creationId xmlns:p14="http://schemas.microsoft.com/office/powerpoint/2010/main" val="376054141"/>
       </p:ext>
     </p:extLst>
   </p:cSld>
@@ -921,7 +921,7 @@
             <a:pPr rtl="0"/>
             <a:fld id="{32674CE4-FBD8-4481-AEFB-CA53E599A745}" type="slidenum">
               <a:rPr lang="en-GB" smtClean="0"/>
-              <a:t>11</a:t>
+              <a:t>12</a:t>
             </a:fld>
             <a:endParaRPr lang="en-GB" dirty="0"/>
           </a:p>
@@ -930,7 +930,7 @@
     </p:spTree>
     <p:extLst>
       <p:ext uri="{BB962C8B-B14F-4D97-AF65-F5344CB8AC3E}">
-        <p14:creationId xmlns:p14="http://schemas.microsoft.com/office/powerpoint/2010/main" val="2000953984"/>
+        <p14:creationId xmlns:p14="http://schemas.microsoft.com/office/powerpoint/2010/main" val="391196353"/>
       </p:ext>
     </p:extLst>
   </p:cSld>
@@ -1006,7 +1006,7 @@
             <a:pPr rtl="0"/>
             <a:fld id="{32674CE4-FBD8-4481-AEFB-CA53E599A745}" type="slidenum">
               <a:rPr lang="en-GB" smtClean="0"/>
-              <a:t>12</a:t>
+              <a:t>13</a:t>
             </a:fld>
             <a:endParaRPr lang="en-GB" dirty="0"/>
           </a:p>
@@ -1015,7 +1015,7 @@
     </p:spTree>
     <p:extLst>
       <p:ext uri="{BB962C8B-B14F-4D97-AF65-F5344CB8AC3E}">
-        <p14:creationId xmlns:p14="http://schemas.microsoft.com/office/powerpoint/2010/main" val="4033686330"/>
+        <p14:creationId xmlns:p14="http://schemas.microsoft.com/office/powerpoint/2010/main" val="431370358"/>
       </p:ext>
     </p:extLst>
   </p:cSld>
@@ -1091,7 +1091,7 @@
             <a:pPr rtl="0"/>
             <a:fld id="{32674CE4-FBD8-4481-AEFB-CA53E599A745}" type="slidenum">
               <a:rPr lang="en-GB" smtClean="0"/>
-              <a:t>13</a:t>
+              <a:t>15</a:t>
             </a:fld>
             <a:endParaRPr lang="en-GB" dirty="0"/>
           </a:p>
@@ -1100,7 +1100,7 @@
     </p:spTree>
     <p:extLst>
       <p:ext uri="{BB962C8B-B14F-4D97-AF65-F5344CB8AC3E}">
-        <p14:creationId xmlns:p14="http://schemas.microsoft.com/office/powerpoint/2010/main" val="2156660334"/>
+        <p14:creationId xmlns:p14="http://schemas.microsoft.com/office/powerpoint/2010/main" val="4033686330"/>
       </p:ext>
     </p:extLst>
   </p:cSld>
@@ -1176,7 +1176,7 @@
             <a:pPr rtl="0"/>
             <a:fld id="{32674CE4-FBD8-4481-AEFB-CA53E599A745}" type="slidenum">
               <a:rPr lang="en-GB" smtClean="0"/>
-              <a:t>14</a:t>
+              <a:t>16</a:t>
             </a:fld>
             <a:endParaRPr lang="en-GB" dirty="0"/>
           </a:p>
@@ -1185,7 +1185,7 @@
     </p:spTree>
     <p:extLst>
       <p:ext uri="{BB962C8B-B14F-4D97-AF65-F5344CB8AC3E}">
-        <p14:creationId xmlns:p14="http://schemas.microsoft.com/office/powerpoint/2010/main" val="325638424"/>
+        <p14:creationId xmlns:p14="http://schemas.microsoft.com/office/powerpoint/2010/main" val="2156660334"/>
       </p:ext>
     </p:extLst>
   </p:cSld>
@@ -1261,7 +1261,7 @@
             <a:pPr rtl="0"/>
             <a:fld id="{32674CE4-FBD8-4481-AEFB-CA53E599A745}" type="slidenum">
               <a:rPr lang="en-GB" smtClean="0"/>
-              <a:t>15</a:t>
+              <a:t>17</a:t>
             </a:fld>
             <a:endParaRPr lang="en-GB" dirty="0"/>
           </a:p>
@@ -1270,177 +1270,7 @@
     </p:spTree>
     <p:extLst>
       <p:ext uri="{BB962C8B-B14F-4D97-AF65-F5344CB8AC3E}">
-        <p14:creationId xmlns:p14="http://schemas.microsoft.com/office/powerpoint/2010/main" val="431484424"/>
-      </p:ext>
-    </p:extLst>
-  </p:cSld>
-  <p:clrMapOvr>
-    <a:masterClrMapping/>
-  </p:clrMapOvr>
-</p:notes>
-</file>
-
-<file path=ppt/notesSlides/notesSlide16.xml><?xml version="1.0" encoding="utf-8"?>
-<p:notes xmlns:a="http://schemas.openxmlformats.org/drawingml/2006/main" xmlns:r="http://schemas.openxmlformats.org/officeDocument/2006/relationships" xmlns:p="http://schemas.openxmlformats.org/presentationml/2006/main">
-  <p:cSld>
-    <p:spTree>
-      <p:nvGrpSpPr>
-        <p:cNvPr id="1" name=""/>
-        <p:cNvGrpSpPr/>
-        <p:nvPr/>
-      </p:nvGrpSpPr>
-      <p:grpSpPr>
-        <a:xfrm>
-          <a:off x="0" y="0"/>
-          <a:ext cx="0" cy="0"/>
-          <a:chOff x="0" y="0"/>
-          <a:chExt cx="0" cy="0"/>
-        </a:xfrm>
-      </p:grpSpPr>
-      <p:sp>
-        <p:nvSpPr>
-          <p:cNvPr id="2" name="Slide Image Placeholder 1"/>
-          <p:cNvSpPr>
-            <a:spLocks noGrp="1" noRot="1" noChangeAspect="1"/>
-          </p:cNvSpPr>
-          <p:nvPr>
-            <p:ph type="sldImg"/>
-          </p:nvPr>
-        </p:nvSpPr>
-        <p:spPr/>
-      </p:sp>
-      <p:sp>
-        <p:nvSpPr>
-          <p:cNvPr id="3" name="Notes Placeholder 2"/>
-          <p:cNvSpPr>
-            <a:spLocks noGrp="1"/>
-          </p:cNvSpPr>
-          <p:nvPr>
-            <p:ph type="body" idx="1"/>
-          </p:nvPr>
-        </p:nvSpPr>
-        <p:spPr/>
-        <p:txBody>
-          <a:bodyPr/>
-          <a:lstStyle/>
-          <a:p>
-            <a:endParaRPr lang="en-GB" dirty="0"/>
-          </a:p>
-        </p:txBody>
-      </p:sp>
-      <p:sp>
-        <p:nvSpPr>
-          <p:cNvPr id="4" name="Slide Number Placeholder 3"/>
-          <p:cNvSpPr>
-            <a:spLocks noGrp="1"/>
-          </p:cNvSpPr>
-          <p:nvPr>
-            <p:ph type="sldNum" sz="quarter" idx="10"/>
-          </p:nvPr>
-        </p:nvSpPr>
-        <p:spPr/>
-        <p:txBody>
-          <a:bodyPr/>
-          <a:lstStyle/>
-          <a:p>
-            <a:pPr rtl="0"/>
-            <a:fld id="{32674CE4-FBD8-4481-AEFB-CA53E599A745}" type="slidenum">
-              <a:rPr lang="en-GB" smtClean="0"/>
-              <a:t>16</a:t>
-            </a:fld>
-            <a:endParaRPr lang="en-GB" dirty="0"/>
-          </a:p>
-        </p:txBody>
-      </p:sp>
-    </p:spTree>
-    <p:extLst>
-      <p:ext uri="{BB962C8B-B14F-4D97-AF65-F5344CB8AC3E}">
-        <p14:creationId xmlns:p14="http://schemas.microsoft.com/office/powerpoint/2010/main" val="3913785803"/>
-      </p:ext>
-    </p:extLst>
-  </p:cSld>
-  <p:clrMapOvr>
-    <a:masterClrMapping/>
-  </p:clrMapOvr>
-</p:notes>
-</file>
-
-<file path=ppt/notesSlides/notesSlide17.xml><?xml version="1.0" encoding="utf-8"?>
-<p:notes xmlns:a="http://schemas.openxmlformats.org/drawingml/2006/main" xmlns:r="http://schemas.openxmlformats.org/officeDocument/2006/relationships" xmlns:p="http://schemas.openxmlformats.org/presentationml/2006/main">
-  <p:cSld>
-    <p:spTree>
-      <p:nvGrpSpPr>
-        <p:cNvPr id="1" name=""/>
-        <p:cNvGrpSpPr/>
-        <p:nvPr/>
-      </p:nvGrpSpPr>
-      <p:grpSpPr>
-        <a:xfrm>
-          <a:off x="0" y="0"/>
-          <a:ext cx="0" cy="0"/>
-          <a:chOff x="0" y="0"/>
-          <a:chExt cx="0" cy="0"/>
-        </a:xfrm>
-      </p:grpSpPr>
-      <p:sp>
-        <p:nvSpPr>
-          <p:cNvPr id="2" name="Slide Image Placeholder 1"/>
-          <p:cNvSpPr>
-            <a:spLocks noGrp="1" noRot="1" noChangeAspect="1"/>
-          </p:cNvSpPr>
-          <p:nvPr>
-            <p:ph type="sldImg"/>
-          </p:nvPr>
-        </p:nvSpPr>
-        <p:spPr/>
-      </p:sp>
-      <p:sp>
-        <p:nvSpPr>
-          <p:cNvPr id="3" name="Notes Placeholder 2"/>
-          <p:cNvSpPr>
-            <a:spLocks noGrp="1"/>
-          </p:cNvSpPr>
-          <p:nvPr>
-            <p:ph type="body" idx="1"/>
-          </p:nvPr>
-        </p:nvSpPr>
-        <p:spPr/>
-        <p:txBody>
-          <a:bodyPr/>
-          <a:lstStyle/>
-          <a:p>
-            <a:endParaRPr lang="en-GB" dirty="0"/>
-          </a:p>
-        </p:txBody>
-      </p:sp>
-      <p:sp>
-        <p:nvSpPr>
-          <p:cNvPr id="4" name="Slide Number Placeholder 3"/>
-          <p:cNvSpPr>
-            <a:spLocks noGrp="1"/>
-          </p:cNvSpPr>
-          <p:nvPr>
-            <p:ph type="sldNum" sz="quarter" idx="10"/>
-          </p:nvPr>
-        </p:nvSpPr>
-        <p:spPr/>
-        <p:txBody>
-          <a:bodyPr/>
-          <a:lstStyle/>
-          <a:p>
-            <a:pPr rtl="0"/>
-            <a:fld id="{32674CE4-FBD8-4481-AEFB-CA53E599A745}" type="slidenum">
-              <a:rPr lang="en-GB" smtClean="0"/>
-              <a:t>17</a:t>
-            </a:fld>
-            <a:endParaRPr lang="en-GB" dirty="0"/>
-          </a:p>
-        </p:txBody>
-      </p:sp>
-    </p:spTree>
-    <p:extLst>
-      <p:ext uri="{BB962C8B-B14F-4D97-AF65-F5344CB8AC3E}">
-        <p14:creationId xmlns:p14="http://schemas.microsoft.com/office/powerpoint/2010/main" val="1036248"/>
+        <p14:creationId xmlns:p14="http://schemas.microsoft.com/office/powerpoint/2010/main" val="325638424"/>
       </p:ext>
     </p:extLst>
   </p:cSld>
@@ -1498,20 +1328,7 @@
               <a:buFont typeface="Arial" panose="020B0604020202020204" pitchFamily="34" charset="0"/>
               <a:buChar char="•"/>
             </a:pPr>
-            <a:r>
-              <a:rPr lang="en-GB" dirty="0"/>
-              <a:t>How presentation will benefit audience: Adult learners are more interested in a subject if they know how or why it is important to them.</a:t>
-            </a:r>
-          </a:p>
-          <a:p>
-            <a:pPr marL="171450" indent="-171450" rtl="0">
-              <a:buFont typeface="Arial" panose="020B0604020202020204" pitchFamily="34" charset="0"/>
-              <a:buChar char="•"/>
-            </a:pPr>
-            <a:r>
-              <a:rPr lang="en-GB" dirty="0"/>
-              <a:t>Presenter’s level of expertise in the subject: Briefly state your credentials in this area, or explain why participants should listen to you.</a:t>
-            </a:r>
+            <a:endParaRPr lang="en-GB" dirty="0"/>
           </a:p>
         </p:txBody>
       </p:sp>
@@ -1597,13 +1414,6 @@
           <a:lstStyle/>
           <a:p>
             <a:pPr rtl="0"/>
-            <a:r>
-              <a:rPr lang="en-GB" dirty="0"/>
-              <a:t>Lesson descriptions should be brief.</a:t>
-            </a:r>
-          </a:p>
-          <a:p>
-            <a:pPr rtl="0"/>
             <a:endParaRPr lang="en-GB" dirty="0"/>
           </a:p>
         </p:txBody>
@@ -1690,13 +1500,6 @@
           <a:lstStyle/>
           <a:p>
             <a:pPr rtl="0"/>
-            <a:r>
-              <a:rPr lang="en-GB" dirty="0"/>
-              <a:t>Lesson descriptions should be brief.</a:t>
-            </a:r>
-          </a:p>
-          <a:p>
-            <a:pPr rtl="0"/>
             <a:endParaRPr lang="en-GB" dirty="0"/>
           </a:p>
         </p:txBody>
@@ -1783,13 +1586,6 @@
           <a:lstStyle/>
           <a:p>
             <a:pPr rtl="0"/>
-            <a:r>
-              <a:rPr lang="en-GB" dirty="0"/>
-              <a:t>Lesson descriptions should be brief.</a:t>
-            </a:r>
-          </a:p>
-          <a:p>
-            <a:pPr rtl="0"/>
             <a:endParaRPr lang="en-GB" dirty="0"/>
           </a:p>
         </p:txBody>
@@ -1876,57 +1672,6 @@
           <a:lstStyle/>
           <a:p>
             <a:pPr rtl="0"/>
-            <a:r>
-              <a:rPr lang="en-GB" b="1" dirty="0"/>
-              <a:t>Example objectives</a:t>
-            </a:r>
-          </a:p>
-          <a:p>
-            <a:pPr marL="0" indent="0" rtl="0">
-              <a:buFont typeface="Arial" panose="020B0604020202020204" pitchFamily="34" charset="0"/>
-              <a:buNone/>
-            </a:pPr>
-            <a:r>
-              <a:rPr lang="en-GB" dirty="0"/>
-              <a:t>At the end of this lesson, you will be able to:</a:t>
-            </a:r>
-          </a:p>
-          <a:p>
-            <a:pPr marL="171450" indent="-171450" rtl="0">
-              <a:buFont typeface="Arial" panose="020B0604020202020204" pitchFamily="34" charset="0"/>
-              <a:buChar char="•"/>
-            </a:pPr>
-            <a:r>
-              <a:rPr lang="en-GB" dirty="0"/>
-              <a:t>Save files to the team Web server.</a:t>
-            </a:r>
-          </a:p>
-          <a:p>
-            <a:pPr marL="171450" indent="-171450" rtl="0">
-              <a:buFont typeface="Arial" panose="020B0604020202020204" pitchFamily="34" charset="0"/>
-              <a:buChar char="•"/>
-            </a:pPr>
-            <a:r>
-              <a:rPr lang="en-GB" dirty="0"/>
-              <a:t>Move files to different locations on the team Web server.</a:t>
-            </a:r>
-          </a:p>
-          <a:p>
-            <a:pPr marL="171450" indent="-171450" rtl="0">
-              <a:buFont typeface="Arial" panose="020B0604020202020204" pitchFamily="34" charset="0"/>
-              <a:buChar char="•"/>
-            </a:pPr>
-            <a:r>
-              <a:rPr lang="en-GB" dirty="0"/>
-              <a:t>Share files on the team Web server.</a:t>
-            </a:r>
-          </a:p>
-          <a:p>
-            <a:pPr rtl="0"/>
-            <a:endParaRPr lang="en-GB" dirty="0"/>
-          </a:p>
-          <a:p>
-            <a:pPr rtl="0"/>
             <a:endParaRPr lang="en-GB" dirty="0"/>
           </a:p>
         </p:txBody>
@@ -2013,57 +1758,6 @@
           <a:lstStyle/>
           <a:p>
             <a:pPr rtl="0"/>
-            <a:r>
-              <a:rPr lang="en-GB" b="1" dirty="0"/>
-              <a:t>Example objectives</a:t>
-            </a:r>
-          </a:p>
-          <a:p>
-            <a:pPr marL="0" indent="0" rtl="0">
-              <a:buFont typeface="Arial" panose="020B0604020202020204" pitchFamily="34" charset="0"/>
-              <a:buNone/>
-            </a:pPr>
-            <a:r>
-              <a:rPr lang="en-GB" dirty="0"/>
-              <a:t>At the end of this lesson, you will be able to:</a:t>
-            </a:r>
-          </a:p>
-          <a:p>
-            <a:pPr marL="171450" indent="-171450" rtl="0">
-              <a:buFont typeface="Arial" panose="020B0604020202020204" pitchFamily="34" charset="0"/>
-              <a:buChar char="•"/>
-            </a:pPr>
-            <a:r>
-              <a:rPr lang="en-GB" dirty="0"/>
-              <a:t>Save files to the team Web server.</a:t>
-            </a:r>
-          </a:p>
-          <a:p>
-            <a:pPr marL="171450" indent="-171450" rtl="0">
-              <a:buFont typeface="Arial" panose="020B0604020202020204" pitchFamily="34" charset="0"/>
-              <a:buChar char="•"/>
-            </a:pPr>
-            <a:r>
-              <a:rPr lang="en-GB" dirty="0"/>
-              <a:t>Move files to different locations on the team Web server.</a:t>
-            </a:r>
-          </a:p>
-          <a:p>
-            <a:pPr marL="171450" indent="-171450" rtl="0">
-              <a:buFont typeface="Arial" panose="020B0604020202020204" pitchFamily="34" charset="0"/>
-              <a:buChar char="•"/>
-            </a:pPr>
-            <a:r>
-              <a:rPr lang="en-GB" dirty="0"/>
-              <a:t>Share files on the team Web server.</a:t>
-            </a:r>
-          </a:p>
-          <a:p>
-            <a:pPr rtl="0"/>
-            <a:endParaRPr lang="en-GB" dirty="0"/>
-          </a:p>
-          <a:p>
-            <a:pPr rtl="0"/>
             <a:endParaRPr lang="en-GB" dirty="0"/>
           </a:p>
         </p:txBody>
@@ -2256,7 +1950,7 @@
             <a:pPr rtl="0"/>
             <a:fld id="{32674CE4-FBD8-4481-AEFB-CA53E599A745}" type="slidenum">
               <a:rPr lang="en-GB" smtClean="0"/>
-              <a:t>9</a:t>
+              <a:t>10</a:t>
             </a:fld>
             <a:endParaRPr lang="en-GB" dirty="0"/>
           </a:p>
@@ -6821,37 +6515,152 @@
             <a:pPr rtl="0"/>
             <a:r>
               <a:rPr lang="en-GB" dirty="0"/>
-              <a:t>Lesson 2: Objectives</a:t>
-            </a:r>
-          </a:p>
-        </p:txBody>
-      </p:sp>
-      <p:sp>
-        <p:nvSpPr>
-          <p:cNvPr id="3" name="Content Placeholder 2"/>
-          <p:cNvSpPr>
-            <a:spLocks noGrp="1"/>
-          </p:cNvSpPr>
+              <a:t>KNN-classifier</a:t>
+            </a:r>
+          </a:p>
+        </p:txBody>
+      </p:sp>
+      <p:pic>
+        <p:nvPicPr>
+          <p:cNvPr id="7" name="Content Placeholder 6" descr="A number on a black background&#10;&#10;Description automatically generated">
+            <a:extLst>
+              <a:ext uri="{FF2B5EF4-FFF2-40B4-BE49-F238E27FC236}">
+                <a16:creationId xmlns:a16="http://schemas.microsoft.com/office/drawing/2014/main" id="{E902FB72-72DA-027D-C4FB-999CCC0ECD45}"/>
+              </a:ext>
+            </a:extLst>
+          </p:cNvPr>
+          <p:cNvPicPr>
+            <a:picLocks noGrp="1" noChangeAspect="1"/>
+          </p:cNvPicPr>
           <p:nvPr>
             <p:ph idx="1"/>
           </p:nvPr>
-        </p:nvSpPr>
-        <p:spPr/>
-        <p:txBody>
-          <a:bodyPr rtlCol="0"/>
+        </p:nvPicPr>
+        <p:blipFill>
+          <a:blip r:embed="rId3">
+            <a:extLst>
+              <a:ext uri="{28A0092B-C50C-407E-A947-70E740481C1C}">
+                <a14:useLocalDpi xmlns:a14="http://schemas.microsoft.com/office/drawing/2010/main" val="0"/>
+              </a:ext>
+            </a:extLst>
+          </a:blip>
+          <a:stretch>
+            <a:fillRect/>
+          </a:stretch>
+        </p:blipFill>
+        <p:spPr>
+          <a:xfrm>
+            <a:off x="1578671" y="5149402"/>
+            <a:ext cx="2692049" cy="433285"/>
+          </a:xfrm>
+        </p:spPr>
+      </p:pic>
+      <p:pic>
+        <p:nvPicPr>
+          <p:cNvPr id="5" name="Picture 4" descr="A screen shot of a computer code&#10;&#10;Description automatically generated">
+            <a:extLst>
+              <a:ext uri="{FF2B5EF4-FFF2-40B4-BE49-F238E27FC236}">
+                <a16:creationId xmlns:a16="http://schemas.microsoft.com/office/drawing/2014/main" id="{F01A3D86-F725-A56E-1210-54F8FCC05F99}"/>
+              </a:ext>
+            </a:extLst>
+          </p:cNvPr>
+          <p:cNvPicPr>
+            <a:picLocks noChangeAspect="1"/>
+          </p:cNvPicPr>
+          <p:nvPr/>
+        </p:nvPicPr>
+        <p:blipFill>
+          <a:blip r:embed="rId4" cstate="print">
+            <a:extLst>
+              <a:ext uri="{28A0092B-C50C-407E-A947-70E740481C1C}">
+                <a14:useLocalDpi xmlns:a14="http://schemas.microsoft.com/office/drawing/2010/main" val="0"/>
+              </a:ext>
+            </a:extLst>
+          </a:blip>
+          <a:stretch>
+            <a:fillRect/>
+          </a:stretch>
+        </p:blipFill>
+        <p:spPr>
+          <a:xfrm>
+            <a:off x="709376" y="2630850"/>
+            <a:ext cx="4487495" cy="2091732"/>
+          </a:xfrm>
+          <a:prstGeom prst="rect">
+            <a:avLst/>
+          </a:prstGeom>
+        </p:spPr>
+      </p:pic>
+      <p:sp>
+        <p:nvSpPr>
+          <p:cNvPr id="10" name="TextBox 9">
+            <a:extLst>
+              <a:ext uri="{FF2B5EF4-FFF2-40B4-BE49-F238E27FC236}">
+                <a16:creationId xmlns:a16="http://schemas.microsoft.com/office/drawing/2014/main" id="{A5B6F391-61D9-B439-3E3B-2693FFB0D5EF}"/>
+              </a:ext>
+            </a:extLst>
+          </p:cNvPr>
+          <p:cNvSpPr txBox="1"/>
+          <p:nvPr/>
+        </p:nvSpPr>
+        <p:spPr>
+          <a:xfrm>
+            <a:off x="6466408" y="2209800"/>
+            <a:ext cx="4010238" cy="2862322"/>
+          </a:xfrm>
+          <a:prstGeom prst="rect">
+            <a:avLst/>
+          </a:prstGeom>
+          <a:noFill/>
+        </p:spPr>
+        <p:txBody>
+          <a:bodyPr wrap="square" rtlCol="0">
+            <a:spAutoFit/>
+          </a:bodyPr>
           <a:lstStyle/>
           <a:p>
-            <a:pPr rtl="0"/>
-            <a:r>
-              <a:rPr lang="en-GB" dirty="0"/>
-              <a:t>List the intended outcomes for this training session.</a:t>
-            </a:r>
-          </a:p>
-          <a:p>
-            <a:pPr rtl="0"/>
-            <a:r>
-              <a:rPr lang="en-GB" dirty="0"/>
-              <a:t>Each objective should be concise, should contain a verb, and should have a measurable result.</a:t>
+            <a:r>
+              <a:rPr lang="en-US" dirty="0"/>
+              <a:t>For what regards the KNN model a range of values from 1 to 80 neighbors has been tested. </a:t>
+            </a:r>
+          </a:p>
+          <a:p>
+            <a:r>
+              <a:rPr lang="en-US" dirty="0"/>
+              <a:t>The best value for the mean f-score has been found for </a:t>
+            </a:r>
+            <a:r>
+              <a:rPr lang="en-US" dirty="0" err="1"/>
+              <a:t>n_neighbors</a:t>
+            </a:r>
+            <a:r>
+              <a:rPr lang="en-US" dirty="0"/>
+              <a:t> equal to 6.</a:t>
+            </a:r>
+          </a:p>
+          <a:p>
+            <a:endParaRPr lang="en-US" dirty="0"/>
+          </a:p>
+          <a:p>
+            <a:r>
+              <a:rPr lang="en-US" dirty="0"/>
+              <a:t>A pipeline is created using that model, </a:t>
+            </a:r>
+            <a:r>
+              <a:rPr lang="en-US" dirty="0" err="1"/>
+              <a:t>RobustScaler</a:t>
+            </a:r>
+            <a:r>
+              <a:rPr lang="en-US" dirty="0"/>
+              <a:t> as scaler and </a:t>
+            </a:r>
+            <a:r>
+              <a:rPr lang="en-US" dirty="0" err="1"/>
+              <a:t>SelectKBest</a:t>
+            </a:r>
+            <a:r>
+              <a:rPr lang="en-US" dirty="0"/>
+              <a:t>(k=2) as feature-selection method.</a:t>
             </a:r>
           </a:p>
         </p:txBody>
@@ -6859,7 +6668,7 @@
     </p:spTree>
     <p:extLst>
       <p:ext uri="{BB962C8B-B14F-4D97-AF65-F5344CB8AC3E}">
-        <p14:creationId xmlns:p14="http://schemas.microsoft.com/office/powerpoint/2010/main" val="3046085847"/>
+        <p14:creationId xmlns:p14="http://schemas.microsoft.com/office/powerpoint/2010/main" val="3514341159"/>
       </p:ext>
     </p:extLst>
   </p:cSld>
@@ -6878,6 +6687,289 @@
       </p:transition>
     </mc:Fallback>
   </mc:AlternateContent>
+  <p:timing>
+    <p:tnLst>
+      <p:par>
+        <p:cTn id="1" dur="indefinite" restart="never" nodeType="tmRoot">
+          <p:childTnLst>
+            <p:seq concurrent="1" nextAc="seek">
+              <p:cTn id="2" dur="indefinite" nodeType="mainSeq">
+                <p:childTnLst>
+                  <p:par>
+                    <p:cTn id="3" fill="hold">
+                      <p:stCondLst>
+                        <p:cond delay="indefinite"/>
+                      </p:stCondLst>
+                      <p:childTnLst>
+                        <p:par>
+                          <p:cTn id="4" fill="hold">
+                            <p:stCondLst>
+                              <p:cond delay="0"/>
+                            </p:stCondLst>
+                            <p:childTnLst>
+                              <p:par>
+                                <p:cTn id="5" presetID="10" presetClass="entr" presetSubtype="0" fill="hold" nodeType="clickEffect">
+                                  <p:stCondLst>
+                                    <p:cond delay="0"/>
+                                  </p:stCondLst>
+                                  <p:childTnLst>
+                                    <p:set>
+                                      <p:cBhvr>
+                                        <p:cTn id="6" dur="1" fill="hold">
+                                          <p:stCondLst>
+                                            <p:cond delay="0"/>
+                                          </p:stCondLst>
+                                        </p:cTn>
+                                        <p:tgtEl>
+                                          <p:spTgt spid="5"/>
+                                        </p:tgtEl>
+                                        <p:attrNameLst>
+                                          <p:attrName>style.visibility</p:attrName>
+                                        </p:attrNameLst>
+                                      </p:cBhvr>
+                                      <p:to>
+                                        <p:strVal val="visible"/>
+                                      </p:to>
+                                    </p:set>
+                                    <p:animEffect transition="in" filter="fade">
+                                      <p:cBhvr>
+                                        <p:cTn id="7" dur="500"/>
+                                        <p:tgtEl>
+                                          <p:spTgt spid="5"/>
+                                        </p:tgtEl>
+                                      </p:cBhvr>
+                                    </p:animEffect>
+                                  </p:childTnLst>
+                                </p:cTn>
+                              </p:par>
+                              <p:par>
+                                <p:cTn id="8" presetID="10" presetClass="entr" presetSubtype="0" fill="hold" nodeType="withEffect">
+                                  <p:stCondLst>
+                                    <p:cond delay="0"/>
+                                  </p:stCondLst>
+                                  <p:childTnLst>
+                                    <p:set>
+                                      <p:cBhvr>
+                                        <p:cTn id="9" dur="1" fill="hold">
+                                          <p:stCondLst>
+                                            <p:cond delay="0"/>
+                                          </p:stCondLst>
+                                        </p:cTn>
+                                        <p:tgtEl>
+                                          <p:spTgt spid="7"/>
+                                        </p:tgtEl>
+                                        <p:attrNameLst>
+                                          <p:attrName>style.visibility</p:attrName>
+                                        </p:attrNameLst>
+                                      </p:cBhvr>
+                                      <p:to>
+                                        <p:strVal val="visible"/>
+                                      </p:to>
+                                    </p:set>
+                                    <p:animEffect transition="in" filter="fade">
+                                      <p:cBhvr>
+                                        <p:cTn id="10" dur="500"/>
+                                        <p:tgtEl>
+                                          <p:spTgt spid="7"/>
+                                        </p:tgtEl>
+                                      </p:cBhvr>
+                                    </p:animEffect>
+                                  </p:childTnLst>
+                                </p:cTn>
+                              </p:par>
+                            </p:childTnLst>
+                          </p:cTn>
+                        </p:par>
+                      </p:childTnLst>
+                    </p:cTn>
+                  </p:par>
+                  <p:par>
+                    <p:cTn id="11" fill="hold">
+                      <p:stCondLst>
+                        <p:cond delay="indefinite"/>
+                      </p:stCondLst>
+                      <p:childTnLst>
+                        <p:par>
+                          <p:cTn id="12" fill="hold">
+                            <p:stCondLst>
+                              <p:cond delay="0"/>
+                            </p:stCondLst>
+                            <p:childTnLst>
+                              <p:par>
+                                <p:cTn id="13" presetID="10" presetClass="entr" presetSubtype="0" fill="hold" nodeType="clickEffect">
+                                  <p:stCondLst>
+                                    <p:cond delay="0"/>
+                                  </p:stCondLst>
+                                  <p:childTnLst>
+                                    <p:set>
+                                      <p:cBhvr>
+                                        <p:cTn id="14" dur="1" fill="hold">
+                                          <p:stCondLst>
+                                            <p:cond delay="0"/>
+                                          </p:stCondLst>
+                                        </p:cTn>
+                                        <p:tgtEl>
+                                          <p:spTgt spid="10">
+                                            <p:txEl>
+                                              <p:pRg st="0" end="0"/>
+                                            </p:txEl>
+                                          </p:spTgt>
+                                        </p:tgtEl>
+                                        <p:attrNameLst>
+                                          <p:attrName>style.visibility</p:attrName>
+                                        </p:attrNameLst>
+                                      </p:cBhvr>
+                                      <p:to>
+                                        <p:strVal val="visible"/>
+                                      </p:to>
+                                    </p:set>
+                                    <p:animEffect transition="in" filter="fade">
+                                      <p:cBhvr>
+                                        <p:cTn id="15" dur="500"/>
+                                        <p:tgtEl>
+                                          <p:spTgt spid="10">
+                                            <p:txEl>
+                                              <p:pRg st="0" end="0"/>
+                                            </p:txEl>
+                                          </p:spTgt>
+                                        </p:tgtEl>
+                                      </p:cBhvr>
+                                    </p:animEffect>
+                                  </p:childTnLst>
+                                </p:cTn>
+                              </p:par>
+                              <p:par>
+                                <p:cTn id="16" presetID="10" presetClass="entr" presetSubtype="0" fill="hold" nodeType="withEffect">
+                                  <p:stCondLst>
+                                    <p:cond delay="0"/>
+                                  </p:stCondLst>
+                                  <p:childTnLst>
+                                    <p:set>
+                                      <p:cBhvr>
+                                        <p:cTn id="17" dur="1" fill="hold">
+                                          <p:stCondLst>
+                                            <p:cond delay="0"/>
+                                          </p:stCondLst>
+                                        </p:cTn>
+                                        <p:tgtEl>
+                                          <p:spTgt spid="10">
+                                            <p:txEl>
+                                              <p:pRg st="1" end="1"/>
+                                            </p:txEl>
+                                          </p:spTgt>
+                                        </p:tgtEl>
+                                        <p:attrNameLst>
+                                          <p:attrName>style.visibility</p:attrName>
+                                        </p:attrNameLst>
+                                      </p:cBhvr>
+                                      <p:to>
+                                        <p:strVal val="visible"/>
+                                      </p:to>
+                                    </p:set>
+                                    <p:animEffect transition="in" filter="fade">
+                                      <p:cBhvr>
+                                        <p:cTn id="18" dur="500"/>
+                                        <p:tgtEl>
+                                          <p:spTgt spid="10">
+                                            <p:txEl>
+                                              <p:pRg st="1" end="1"/>
+                                            </p:txEl>
+                                          </p:spTgt>
+                                        </p:tgtEl>
+                                      </p:cBhvr>
+                                    </p:animEffect>
+                                  </p:childTnLst>
+                                </p:cTn>
+                              </p:par>
+                            </p:childTnLst>
+                          </p:cTn>
+                        </p:par>
+                      </p:childTnLst>
+                    </p:cTn>
+                  </p:par>
+                  <p:par>
+                    <p:cTn id="19" fill="hold">
+                      <p:stCondLst>
+                        <p:cond delay="indefinite"/>
+                      </p:stCondLst>
+                      <p:childTnLst>
+                        <p:par>
+                          <p:cTn id="20" fill="hold">
+                            <p:stCondLst>
+                              <p:cond delay="0"/>
+                            </p:stCondLst>
+                            <p:childTnLst>
+                              <p:par>
+                                <p:cTn id="21" presetID="10" presetClass="entr" presetSubtype="0" fill="hold" nodeType="clickEffect">
+                                  <p:stCondLst>
+                                    <p:cond delay="0"/>
+                                  </p:stCondLst>
+                                  <p:childTnLst>
+                                    <p:set>
+                                      <p:cBhvr>
+                                        <p:cTn id="22" dur="1" fill="hold">
+                                          <p:stCondLst>
+                                            <p:cond delay="0"/>
+                                          </p:stCondLst>
+                                        </p:cTn>
+                                        <p:tgtEl>
+                                          <p:spTgt spid="10">
+                                            <p:txEl>
+                                              <p:pRg st="3" end="3"/>
+                                            </p:txEl>
+                                          </p:spTgt>
+                                        </p:tgtEl>
+                                        <p:attrNameLst>
+                                          <p:attrName>style.visibility</p:attrName>
+                                        </p:attrNameLst>
+                                      </p:cBhvr>
+                                      <p:to>
+                                        <p:strVal val="visible"/>
+                                      </p:to>
+                                    </p:set>
+                                    <p:animEffect transition="in" filter="fade">
+                                      <p:cBhvr>
+                                        <p:cTn id="23" dur="500"/>
+                                        <p:tgtEl>
+                                          <p:spTgt spid="10">
+                                            <p:txEl>
+                                              <p:pRg st="3" end="3"/>
+                                            </p:txEl>
+                                          </p:spTgt>
+                                        </p:tgtEl>
+                                      </p:cBhvr>
+                                    </p:animEffect>
+                                  </p:childTnLst>
+                                </p:cTn>
+                              </p:par>
+                            </p:childTnLst>
+                          </p:cTn>
+                        </p:par>
+                      </p:childTnLst>
+                    </p:cTn>
+                  </p:par>
+                </p:childTnLst>
+              </p:cTn>
+              <p:prevCondLst>
+                <p:cond evt="onPrev" delay="0">
+                  <p:tgtEl>
+                    <p:sldTgt/>
+                  </p:tgtEl>
+                </p:cond>
+              </p:prevCondLst>
+              <p:nextCondLst>
+                <p:cond evt="onNext" delay="0">
+                  <p:tgtEl>
+                    <p:sldTgt/>
+                  </p:tgtEl>
+                </p:cond>
+              </p:nextCondLst>
+            </p:seq>
+          </p:childTnLst>
+        </p:cTn>
+      </p:par>
+    </p:tnLst>
+  </p:timing>
 </p:sld>
 </file>
 
@@ -6916,94 +7008,502 @@
             <a:pPr rtl="0"/>
             <a:r>
               <a:rPr lang="en-GB" dirty="0"/>
-              <a:t>Lesson 2: Content</a:t>
-            </a:r>
-          </a:p>
-        </p:txBody>
-      </p:sp>
-      <p:sp>
-        <p:nvSpPr>
-          <p:cNvPr id="4" name="Text Placeholder 3"/>
-          <p:cNvSpPr>
-            <a:spLocks noGrp="1"/>
-          </p:cNvSpPr>
-          <p:nvPr>
-            <p:ph sz="half" idx="1"/>
-          </p:nvPr>
-        </p:nvSpPr>
-        <p:spPr/>
-        <p:txBody>
-          <a:bodyPr rtlCol="0"/>
+              <a:t>RF-classifier</a:t>
+            </a:r>
+          </a:p>
+        </p:txBody>
+      </p:sp>
+      <p:sp>
+        <p:nvSpPr>
+          <p:cNvPr id="10" name="TextBox 9">
+            <a:extLst>
+              <a:ext uri="{FF2B5EF4-FFF2-40B4-BE49-F238E27FC236}">
+                <a16:creationId xmlns:a16="http://schemas.microsoft.com/office/drawing/2014/main" id="{A5B6F391-61D9-B439-3E3B-2693FFB0D5EF}"/>
+              </a:ext>
+            </a:extLst>
+          </p:cNvPr>
+          <p:cNvSpPr txBox="1"/>
+          <p:nvPr/>
+        </p:nvSpPr>
+        <p:spPr>
+          <a:xfrm>
+            <a:off x="1701687" y="4648201"/>
+            <a:ext cx="9718063" cy="1754326"/>
+          </a:xfrm>
+          <a:prstGeom prst="rect">
+            <a:avLst/>
+          </a:prstGeom>
+          <a:noFill/>
+        </p:spPr>
+        <p:txBody>
+          <a:bodyPr wrap="square" rtlCol="0">
+            <a:spAutoFit/>
+          </a:bodyPr>
           <a:lstStyle/>
           <a:p>
-            <a:pPr rtl="0"/>
-            <a:r>
-              <a:rPr lang="en-GB" dirty="0"/>
-              <a:t>Add text here. </a:t>
-            </a:r>
-          </a:p>
-          <a:p>
-            <a:pPr rtl="0"/>
-            <a:r>
-              <a:rPr lang="en-GB" dirty="0"/>
-              <a:t>To add a picture, chart or other content in the right column, click the appropriate icon.</a:t>
-            </a:r>
-          </a:p>
-          <a:p>
-            <a:pPr rtl="0"/>
-            <a:r>
-              <a:rPr lang="en-GB" dirty="0"/>
-              <a:t>To add a slide, click New Slide on the Insert menu, or press CTRL+M.</a:t>
-            </a:r>
-          </a:p>
-          <a:p>
-            <a:pPr rtl="0"/>
-            <a:endParaRPr lang="en-GB" dirty="0"/>
-          </a:p>
-        </p:txBody>
-      </p:sp>
-      <p:sp>
-        <p:nvSpPr>
-          <p:cNvPr id="5" name="Content Placeholder 4"/>
-          <p:cNvSpPr>
-            <a:spLocks noGrp="1"/>
-          </p:cNvSpPr>
-          <p:nvPr>
-            <p:ph sz="half" idx="2"/>
-          </p:nvPr>
-        </p:nvSpPr>
-        <p:spPr/>
-        <p:txBody>
-          <a:bodyPr rtlCol="0"/>
-          <a:lstStyle/>
-          <a:p>
-            <a:pPr rtl="0"/>
-            <a:endParaRPr lang="en-GB" dirty="0"/>
-          </a:p>
-        </p:txBody>
-      </p:sp>
+            <a:r>
+              <a:rPr lang="en-US" dirty="0"/>
+              <a:t>For what regards the RF, different sets of values of </a:t>
+            </a:r>
+            <a:r>
+              <a:rPr lang="en-US" dirty="0" err="1"/>
+              <a:t>n_estimators</a:t>
+            </a:r>
+            <a:r>
+              <a:rPr lang="en-US" dirty="0"/>
+              <a:t>, </a:t>
+            </a:r>
+            <a:r>
+              <a:rPr lang="en-US" dirty="0" err="1"/>
+              <a:t>min_samples_split</a:t>
+            </a:r>
+            <a:r>
+              <a:rPr lang="en-US" dirty="0"/>
+              <a:t> and </a:t>
+            </a:r>
+            <a:r>
+              <a:rPr lang="en-US" dirty="0" err="1"/>
+              <a:t>min_samples_leaf</a:t>
+            </a:r>
+            <a:r>
+              <a:rPr lang="en-US" dirty="0"/>
+              <a:t> have been tested, obtaining the best results when </a:t>
+            </a:r>
+            <a:r>
+              <a:rPr lang="en-US" dirty="0" err="1"/>
+              <a:t>n_estimators</a:t>
+            </a:r>
+            <a:r>
+              <a:rPr lang="en-US" dirty="0"/>
+              <a:t> = 61, </a:t>
+            </a:r>
+            <a:r>
+              <a:rPr lang="en-US" dirty="0" err="1"/>
+              <a:t>min_samples_split</a:t>
+            </a:r>
+            <a:r>
+              <a:rPr lang="en-US" dirty="0"/>
+              <a:t> = 30 and </a:t>
+            </a:r>
+            <a:r>
+              <a:rPr lang="en-US" dirty="0" err="1"/>
+              <a:t>min_samples_leaf</a:t>
+            </a:r>
+            <a:r>
+              <a:rPr lang="en-US" dirty="0"/>
+              <a:t> = 1.</a:t>
+            </a:r>
+          </a:p>
+          <a:p>
+            <a:endParaRPr lang="en-US" dirty="0"/>
+          </a:p>
+          <a:p>
+            <a:r>
+              <a:rPr lang="en-US" dirty="0"/>
+              <a:t>A pipeline is created using that model, </a:t>
+            </a:r>
+            <a:r>
+              <a:rPr lang="en-US" dirty="0" err="1"/>
+              <a:t>RobustScaler</a:t>
+            </a:r>
+            <a:r>
+              <a:rPr lang="en-US" dirty="0"/>
+              <a:t> as scaler and </a:t>
+            </a:r>
+            <a:r>
+              <a:rPr lang="en-US" dirty="0" err="1"/>
+              <a:t>SelectKBest</a:t>
+            </a:r>
+            <a:r>
+              <a:rPr lang="en-US" dirty="0"/>
+              <a:t>(k=2) as </a:t>
+            </a:r>
+          </a:p>
+          <a:p>
+            <a:r>
+              <a:rPr lang="en-US" dirty="0"/>
+              <a:t>feature-selection method.</a:t>
+            </a:r>
+          </a:p>
+        </p:txBody>
+      </p:sp>
+      <p:pic>
+        <p:nvPicPr>
+          <p:cNvPr id="11" name="Picture 10" descr="A black screen with colorful text&#10;&#10;Description automatically generated">
+            <a:extLst>
+              <a:ext uri="{FF2B5EF4-FFF2-40B4-BE49-F238E27FC236}">
+                <a16:creationId xmlns:a16="http://schemas.microsoft.com/office/drawing/2014/main" id="{6B033525-2094-4067-476B-CE50987AB95D}"/>
+              </a:ext>
+            </a:extLst>
+          </p:cNvPr>
+          <p:cNvPicPr>
+            <a:picLocks noChangeAspect="1"/>
+          </p:cNvPicPr>
+          <p:nvPr/>
+        </p:nvPicPr>
+        <p:blipFill>
+          <a:blip r:embed="rId3">
+            <a:extLst>
+              <a:ext uri="{28A0092B-C50C-407E-A947-70E740481C1C}">
+                <a14:useLocalDpi xmlns:a14="http://schemas.microsoft.com/office/drawing/2010/main" val="0"/>
+              </a:ext>
+            </a:extLst>
+          </a:blip>
+          <a:stretch>
+            <a:fillRect/>
+          </a:stretch>
+        </p:blipFill>
+        <p:spPr>
+          <a:xfrm>
+            <a:off x="377240" y="2280009"/>
+            <a:ext cx="7372665" cy="2095850"/>
+          </a:xfrm>
+          <a:prstGeom prst="rect">
+            <a:avLst/>
+          </a:prstGeom>
+        </p:spPr>
+      </p:pic>
+      <p:pic>
+        <p:nvPicPr>
+          <p:cNvPr id="12" name="Picture 11" descr="A black background with white numbers&#10;&#10;Description automatically generated">
+            <a:extLst>
+              <a:ext uri="{FF2B5EF4-FFF2-40B4-BE49-F238E27FC236}">
+                <a16:creationId xmlns:a16="http://schemas.microsoft.com/office/drawing/2014/main" id="{A3E75A46-9D31-FC30-8CAF-FF81C3C1B7B4}"/>
+              </a:ext>
+            </a:extLst>
+          </p:cNvPr>
+          <p:cNvPicPr>
+            <a:picLocks noChangeAspect="1"/>
+          </p:cNvPicPr>
+          <p:nvPr/>
+        </p:nvPicPr>
+        <p:blipFill>
+          <a:blip r:embed="rId4">
+            <a:extLst>
+              <a:ext uri="{28A0092B-C50C-407E-A947-70E740481C1C}">
+                <a14:useLocalDpi xmlns:a14="http://schemas.microsoft.com/office/drawing/2010/main" val="0"/>
+              </a:ext>
+            </a:extLst>
+          </a:blip>
+          <a:stretch>
+            <a:fillRect/>
+          </a:stretch>
+        </p:blipFill>
+        <p:spPr>
+          <a:xfrm>
+            <a:off x="8410019" y="3055604"/>
+            <a:ext cx="2702873" cy="544660"/>
+          </a:xfrm>
+          <a:prstGeom prst="rect">
+            <a:avLst/>
+          </a:prstGeom>
+        </p:spPr>
+      </p:pic>
     </p:spTree>
     <p:extLst>
       <p:ext uri="{BB962C8B-B14F-4D97-AF65-F5344CB8AC3E}">
-        <p14:creationId xmlns:p14="http://schemas.microsoft.com/office/powerpoint/2010/main" val="411993636"/>
+        <p14:creationId xmlns:p14="http://schemas.microsoft.com/office/powerpoint/2010/main" val="2001305609"/>
       </p:ext>
     </p:extLst>
   </p:cSld>
   <p:clrMapOvr>
     <a:masterClrMapping/>
   </p:clrMapOvr>
-  <mc:AlternateContent xmlns:mc="http://schemas.openxmlformats.org/markup-compatibility/2006" xmlns:p14="http://schemas.microsoft.com/office/powerpoint/2010/main">
-    <mc:Choice Requires="p14">
+  <mc:AlternateContent xmlns:mc="http://schemas.openxmlformats.org/markup-compatibility/2006">
+    <mc:Choice xmlns:p14="http://schemas.microsoft.com/office/powerpoint/2010/main" Requires="p14">
       <p:transition spd="med" p14:dur="700">
         <p:fade/>
       </p:transition>
     </mc:Choice>
-    <mc:Fallback xmlns="">
+    <mc:Fallback>
       <p:transition spd="med">
         <p:fade/>
       </p:transition>
     </mc:Fallback>
   </mc:AlternateContent>
+  <p:timing>
+    <p:tnLst>
+      <p:par>
+        <p:cTn id="1" dur="indefinite" restart="never" nodeType="tmRoot">
+          <p:childTnLst>
+            <p:seq concurrent="1" nextAc="seek">
+              <p:cTn id="2" dur="indefinite" nodeType="mainSeq">
+                <p:childTnLst>
+                  <p:par>
+                    <p:cTn id="3" fill="hold">
+                      <p:stCondLst>
+                        <p:cond delay="indefinite"/>
+                      </p:stCondLst>
+                      <p:childTnLst>
+                        <p:par>
+                          <p:cTn id="4" fill="hold">
+                            <p:stCondLst>
+                              <p:cond delay="0"/>
+                            </p:stCondLst>
+                            <p:childTnLst>
+                              <p:par>
+                                <p:cTn id="5" presetID="10" presetClass="entr" presetSubtype="0" fill="hold" nodeType="clickEffect">
+                                  <p:stCondLst>
+                                    <p:cond delay="0"/>
+                                  </p:stCondLst>
+                                  <p:childTnLst>
+                                    <p:set>
+                                      <p:cBhvr>
+                                        <p:cTn id="6" dur="1" fill="hold">
+                                          <p:stCondLst>
+                                            <p:cond delay="0"/>
+                                          </p:stCondLst>
+                                        </p:cTn>
+                                        <p:tgtEl>
+                                          <p:spTgt spid="11"/>
+                                        </p:tgtEl>
+                                        <p:attrNameLst>
+                                          <p:attrName>style.visibility</p:attrName>
+                                        </p:attrNameLst>
+                                      </p:cBhvr>
+                                      <p:to>
+                                        <p:strVal val="visible"/>
+                                      </p:to>
+                                    </p:set>
+                                    <p:animEffect transition="in" filter="fade">
+                                      <p:cBhvr>
+                                        <p:cTn id="7" dur="500"/>
+                                        <p:tgtEl>
+                                          <p:spTgt spid="11"/>
+                                        </p:tgtEl>
+                                      </p:cBhvr>
+                                    </p:animEffect>
+                                  </p:childTnLst>
+                                </p:cTn>
+                              </p:par>
+                              <p:par>
+                                <p:cTn id="8" presetID="10" presetClass="entr" presetSubtype="0" fill="hold" nodeType="withEffect">
+                                  <p:stCondLst>
+                                    <p:cond delay="0"/>
+                                  </p:stCondLst>
+                                  <p:childTnLst>
+                                    <p:set>
+                                      <p:cBhvr>
+                                        <p:cTn id="9" dur="1" fill="hold">
+                                          <p:stCondLst>
+                                            <p:cond delay="0"/>
+                                          </p:stCondLst>
+                                        </p:cTn>
+                                        <p:tgtEl>
+                                          <p:spTgt spid="12"/>
+                                        </p:tgtEl>
+                                        <p:attrNameLst>
+                                          <p:attrName>style.visibility</p:attrName>
+                                        </p:attrNameLst>
+                                      </p:cBhvr>
+                                      <p:to>
+                                        <p:strVal val="visible"/>
+                                      </p:to>
+                                    </p:set>
+                                    <p:animEffect transition="in" filter="fade">
+                                      <p:cBhvr>
+                                        <p:cTn id="10" dur="500"/>
+                                        <p:tgtEl>
+                                          <p:spTgt spid="12"/>
+                                        </p:tgtEl>
+                                      </p:cBhvr>
+                                    </p:animEffect>
+                                  </p:childTnLst>
+                                </p:cTn>
+                              </p:par>
+                            </p:childTnLst>
+                          </p:cTn>
+                        </p:par>
+                      </p:childTnLst>
+                    </p:cTn>
+                  </p:par>
+                  <p:par>
+                    <p:cTn id="11" fill="hold">
+                      <p:stCondLst>
+                        <p:cond delay="indefinite"/>
+                      </p:stCondLst>
+                      <p:childTnLst>
+                        <p:par>
+                          <p:cTn id="12" fill="hold">
+                            <p:stCondLst>
+                              <p:cond delay="0"/>
+                            </p:stCondLst>
+                            <p:childTnLst>
+                              <p:par>
+                                <p:cTn id="13" presetID="10" presetClass="entr" presetSubtype="0" fill="hold" nodeType="clickEffect">
+                                  <p:stCondLst>
+                                    <p:cond delay="0"/>
+                                  </p:stCondLst>
+                                  <p:childTnLst>
+                                    <p:set>
+                                      <p:cBhvr>
+                                        <p:cTn id="14" dur="1" fill="hold">
+                                          <p:stCondLst>
+                                            <p:cond delay="0"/>
+                                          </p:stCondLst>
+                                        </p:cTn>
+                                        <p:tgtEl>
+                                          <p:spTgt spid="10">
+                                            <p:txEl>
+                                              <p:pRg st="0" end="0"/>
+                                            </p:txEl>
+                                          </p:spTgt>
+                                        </p:tgtEl>
+                                        <p:attrNameLst>
+                                          <p:attrName>style.visibility</p:attrName>
+                                        </p:attrNameLst>
+                                      </p:cBhvr>
+                                      <p:to>
+                                        <p:strVal val="visible"/>
+                                      </p:to>
+                                    </p:set>
+                                    <p:animEffect transition="in" filter="fade">
+                                      <p:cBhvr>
+                                        <p:cTn id="15" dur="500"/>
+                                        <p:tgtEl>
+                                          <p:spTgt spid="10">
+                                            <p:txEl>
+                                              <p:pRg st="0" end="0"/>
+                                            </p:txEl>
+                                          </p:spTgt>
+                                        </p:tgtEl>
+                                      </p:cBhvr>
+                                    </p:animEffect>
+                                  </p:childTnLst>
+                                </p:cTn>
+                              </p:par>
+                            </p:childTnLst>
+                          </p:cTn>
+                        </p:par>
+                      </p:childTnLst>
+                    </p:cTn>
+                  </p:par>
+                  <p:par>
+                    <p:cTn id="16" fill="hold">
+                      <p:stCondLst>
+                        <p:cond delay="indefinite"/>
+                      </p:stCondLst>
+                      <p:childTnLst>
+                        <p:par>
+                          <p:cTn id="17" fill="hold">
+                            <p:stCondLst>
+                              <p:cond delay="0"/>
+                            </p:stCondLst>
+                            <p:childTnLst>
+                              <p:par>
+                                <p:cTn id="18" presetID="10" presetClass="entr" presetSubtype="0" fill="hold" nodeType="clickEffect">
+                                  <p:stCondLst>
+                                    <p:cond delay="0"/>
+                                  </p:stCondLst>
+                                  <p:childTnLst>
+                                    <p:set>
+                                      <p:cBhvr>
+                                        <p:cTn id="19" dur="1" fill="hold">
+                                          <p:stCondLst>
+                                            <p:cond delay="0"/>
+                                          </p:stCondLst>
+                                        </p:cTn>
+                                        <p:tgtEl>
+                                          <p:spTgt spid="10">
+                                            <p:txEl>
+                                              <p:pRg st="2" end="2"/>
+                                            </p:txEl>
+                                          </p:spTgt>
+                                        </p:tgtEl>
+                                        <p:attrNameLst>
+                                          <p:attrName>style.visibility</p:attrName>
+                                        </p:attrNameLst>
+                                      </p:cBhvr>
+                                      <p:to>
+                                        <p:strVal val="visible"/>
+                                      </p:to>
+                                    </p:set>
+                                    <p:animEffect transition="in" filter="fade">
+                                      <p:cBhvr>
+                                        <p:cTn id="20" dur="500"/>
+                                        <p:tgtEl>
+                                          <p:spTgt spid="10">
+                                            <p:txEl>
+                                              <p:pRg st="2" end="2"/>
+                                            </p:txEl>
+                                          </p:spTgt>
+                                        </p:tgtEl>
+                                      </p:cBhvr>
+                                    </p:animEffect>
+                                  </p:childTnLst>
+                                </p:cTn>
+                              </p:par>
+                              <p:par>
+                                <p:cTn id="21" presetID="10" presetClass="entr" presetSubtype="0" fill="hold" nodeType="withEffect">
+                                  <p:stCondLst>
+                                    <p:cond delay="0"/>
+                                  </p:stCondLst>
+                                  <p:childTnLst>
+                                    <p:set>
+                                      <p:cBhvr>
+                                        <p:cTn id="22" dur="1" fill="hold">
+                                          <p:stCondLst>
+                                            <p:cond delay="0"/>
+                                          </p:stCondLst>
+                                        </p:cTn>
+                                        <p:tgtEl>
+                                          <p:spTgt spid="10">
+                                            <p:txEl>
+                                              <p:pRg st="3" end="3"/>
+                                            </p:txEl>
+                                          </p:spTgt>
+                                        </p:tgtEl>
+                                        <p:attrNameLst>
+                                          <p:attrName>style.visibility</p:attrName>
+                                        </p:attrNameLst>
+                                      </p:cBhvr>
+                                      <p:to>
+                                        <p:strVal val="visible"/>
+                                      </p:to>
+                                    </p:set>
+                                    <p:animEffect transition="in" filter="fade">
+                                      <p:cBhvr>
+                                        <p:cTn id="23" dur="500"/>
+                                        <p:tgtEl>
+                                          <p:spTgt spid="10">
+                                            <p:txEl>
+                                              <p:pRg st="3" end="3"/>
+                                            </p:txEl>
+                                          </p:spTgt>
+                                        </p:tgtEl>
+                                      </p:cBhvr>
+                                    </p:animEffect>
+                                  </p:childTnLst>
+                                </p:cTn>
+                              </p:par>
+                            </p:childTnLst>
+                          </p:cTn>
+                        </p:par>
+                      </p:childTnLst>
+                    </p:cTn>
+                  </p:par>
+                </p:childTnLst>
+              </p:cTn>
+              <p:prevCondLst>
+                <p:cond evt="onPrev" delay="0">
+                  <p:tgtEl>
+                    <p:sldTgt/>
+                  </p:tgtEl>
+                </p:cond>
+              </p:prevCondLst>
+              <p:nextCondLst>
+                <p:cond evt="onNext" delay="0">
+                  <p:tgtEl>
+                    <p:sldTgt/>
+                  </p:tgtEl>
+                </p:cond>
+              </p:nextCondLst>
+            </p:seq>
+          </p:childTnLst>
+        </p:cTn>
+      </p:par>
+    </p:tnLst>
+  </p:timing>
 </p:sld>
 </file>
 
@@ -7042,7 +7542,1337 @@
             <a:pPr rtl="0"/>
             <a:r>
               <a:rPr lang="en-GB" dirty="0"/>
-              <a:t>Lesson 2: Wrap-up</a:t>
+              <a:t>AdaBoost-classifier</a:t>
+            </a:r>
+          </a:p>
+        </p:txBody>
+      </p:sp>
+      <p:sp>
+        <p:nvSpPr>
+          <p:cNvPr id="10" name="TextBox 9">
+            <a:extLst>
+              <a:ext uri="{FF2B5EF4-FFF2-40B4-BE49-F238E27FC236}">
+                <a16:creationId xmlns:a16="http://schemas.microsoft.com/office/drawing/2014/main" id="{A5B6F391-61D9-B439-3E3B-2693FFB0D5EF}"/>
+              </a:ext>
+            </a:extLst>
+          </p:cNvPr>
+          <p:cNvSpPr txBox="1"/>
+          <p:nvPr/>
+        </p:nvSpPr>
+        <p:spPr>
+          <a:xfrm>
+            <a:off x="1701687" y="4648201"/>
+            <a:ext cx="9718063" cy="1477328"/>
+          </a:xfrm>
+          <a:prstGeom prst="rect">
+            <a:avLst/>
+          </a:prstGeom>
+          <a:noFill/>
+        </p:spPr>
+        <p:txBody>
+          <a:bodyPr wrap="square" rtlCol="0">
+            <a:spAutoFit/>
+          </a:bodyPr>
+          <a:lstStyle/>
+          <a:p>
+            <a:r>
+              <a:rPr lang="en-US" dirty="0"/>
+              <a:t>As </a:t>
+            </a:r>
+            <a:r>
+              <a:rPr lang="en-US" dirty="0" err="1"/>
+              <a:t>adaboost</a:t>
+            </a:r>
+            <a:r>
+              <a:rPr lang="en-US" dirty="0"/>
+              <a:t> classifier estimator a series of 83 random forest classifier is chosen. The parameters of the random forest classifiers are chosen as before.</a:t>
+            </a:r>
+          </a:p>
+          <a:p>
+            <a:endParaRPr lang="en-US" dirty="0"/>
+          </a:p>
+          <a:p>
+            <a:r>
+              <a:rPr lang="en-US" dirty="0"/>
+              <a:t>A pipeline is created using that model, </a:t>
+            </a:r>
+            <a:r>
+              <a:rPr lang="en-US" dirty="0" err="1"/>
+              <a:t>RobustScaler</a:t>
+            </a:r>
+            <a:r>
+              <a:rPr lang="en-US" dirty="0"/>
+              <a:t> as scaler and </a:t>
+            </a:r>
+            <a:r>
+              <a:rPr lang="en-US" dirty="0" err="1"/>
+              <a:t>SelectKBest</a:t>
+            </a:r>
+            <a:r>
+              <a:rPr lang="en-US" dirty="0"/>
+              <a:t>(k=2) as </a:t>
+            </a:r>
+          </a:p>
+          <a:p>
+            <a:r>
+              <a:rPr lang="en-US" dirty="0"/>
+              <a:t>feature-selection method.</a:t>
+            </a:r>
+          </a:p>
+        </p:txBody>
+      </p:sp>
+      <p:pic>
+        <p:nvPicPr>
+          <p:cNvPr id="14" name="Picture 13" descr="A black screen with many colorful text&#10;&#10;Description automatically generated">
+            <a:extLst>
+              <a:ext uri="{FF2B5EF4-FFF2-40B4-BE49-F238E27FC236}">
+                <a16:creationId xmlns:a16="http://schemas.microsoft.com/office/drawing/2014/main" id="{DF26D484-DB8D-3339-5FF0-49AD8C20FB87}"/>
+              </a:ext>
+            </a:extLst>
+          </p:cNvPr>
+          <p:cNvPicPr>
+            <a:picLocks noChangeAspect="1"/>
+          </p:cNvPicPr>
+          <p:nvPr/>
+        </p:nvPicPr>
+        <p:blipFill>
+          <a:blip r:embed="rId3" cstate="print">
+            <a:extLst>
+              <a:ext uri="{28A0092B-C50C-407E-A947-70E740481C1C}">
+                <a14:useLocalDpi xmlns:a14="http://schemas.microsoft.com/office/drawing/2010/main" val="0"/>
+              </a:ext>
+            </a:extLst>
+          </a:blip>
+          <a:stretch>
+            <a:fillRect/>
+          </a:stretch>
+        </p:blipFill>
+        <p:spPr>
+          <a:xfrm>
+            <a:off x="512556" y="2394648"/>
+            <a:ext cx="8080745" cy="2068702"/>
+          </a:xfrm>
+          <a:prstGeom prst="rect">
+            <a:avLst/>
+          </a:prstGeom>
+        </p:spPr>
+      </p:pic>
+      <p:pic>
+        <p:nvPicPr>
+          <p:cNvPr id="16" name="Picture 15" descr="A black background with white numbers&#10;&#10;Description automatically generated">
+            <a:extLst>
+              <a:ext uri="{FF2B5EF4-FFF2-40B4-BE49-F238E27FC236}">
+                <a16:creationId xmlns:a16="http://schemas.microsoft.com/office/drawing/2014/main" id="{AA4CD5BE-3C08-5A7E-D5B8-BBFFE7A9D24D}"/>
+              </a:ext>
+            </a:extLst>
+          </p:cNvPr>
+          <p:cNvPicPr>
+            <a:picLocks noChangeAspect="1"/>
+          </p:cNvPicPr>
+          <p:nvPr/>
+        </p:nvPicPr>
+        <p:blipFill>
+          <a:blip r:embed="rId4">
+            <a:extLst>
+              <a:ext uri="{28A0092B-C50C-407E-A947-70E740481C1C}">
+                <a14:useLocalDpi xmlns:a14="http://schemas.microsoft.com/office/drawing/2010/main" val="0"/>
+              </a:ext>
+            </a:extLst>
+          </a:blip>
+          <a:stretch>
+            <a:fillRect/>
+          </a:stretch>
+        </p:blipFill>
+        <p:spPr>
+          <a:xfrm>
+            <a:off x="8895821" y="3199915"/>
+            <a:ext cx="2899233" cy="458169"/>
+          </a:xfrm>
+          <a:prstGeom prst="rect">
+            <a:avLst/>
+          </a:prstGeom>
+        </p:spPr>
+      </p:pic>
+    </p:spTree>
+    <p:extLst>
+      <p:ext uri="{BB962C8B-B14F-4D97-AF65-F5344CB8AC3E}">
+        <p14:creationId xmlns:p14="http://schemas.microsoft.com/office/powerpoint/2010/main" val="4071003770"/>
+      </p:ext>
+    </p:extLst>
+  </p:cSld>
+  <p:clrMapOvr>
+    <a:masterClrMapping/>
+  </p:clrMapOvr>
+  <mc:AlternateContent xmlns:mc="http://schemas.openxmlformats.org/markup-compatibility/2006">
+    <mc:Choice xmlns:p14="http://schemas.microsoft.com/office/powerpoint/2010/main" Requires="p14">
+      <p:transition spd="med" p14:dur="700">
+        <p:fade/>
+      </p:transition>
+    </mc:Choice>
+    <mc:Fallback>
+      <p:transition spd="med">
+        <p:fade/>
+      </p:transition>
+    </mc:Fallback>
+  </mc:AlternateContent>
+  <p:timing>
+    <p:tnLst>
+      <p:par>
+        <p:cTn id="1" dur="indefinite" restart="never" nodeType="tmRoot">
+          <p:childTnLst>
+            <p:seq concurrent="1" nextAc="seek">
+              <p:cTn id="2" dur="indefinite" nodeType="mainSeq">
+                <p:childTnLst>
+                  <p:par>
+                    <p:cTn id="3" fill="hold">
+                      <p:stCondLst>
+                        <p:cond delay="indefinite"/>
+                      </p:stCondLst>
+                      <p:childTnLst>
+                        <p:par>
+                          <p:cTn id="4" fill="hold">
+                            <p:stCondLst>
+                              <p:cond delay="0"/>
+                            </p:stCondLst>
+                            <p:childTnLst>
+                              <p:par>
+                                <p:cTn id="5" presetID="10" presetClass="entr" presetSubtype="0" fill="hold" nodeType="clickEffect">
+                                  <p:stCondLst>
+                                    <p:cond delay="0"/>
+                                  </p:stCondLst>
+                                  <p:childTnLst>
+                                    <p:set>
+                                      <p:cBhvr>
+                                        <p:cTn id="6" dur="1" fill="hold">
+                                          <p:stCondLst>
+                                            <p:cond delay="0"/>
+                                          </p:stCondLst>
+                                        </p:cTn>
+                                        <p:tgtEl>
+                                          <p:spTgt spid="14"/>
+                                        </p:tgtEl>
+                                        <p:attrNameLst>
+                                          <p:attrName>style.visibility</p:attrName>
+                                        </p:attrNameLst>
+                                      </p:cBhvr>
+                                      <p:to>
+                                        <p:strVal val="visible"/>
+                                      </p:to>
+                                    </p:set>
+                                    <p:animEffect transition="in" filter="fade">
+                                      <p:cBhvr>
+                                        <p:cTn id="7" dur="500"/>
+                                        <p:tgtEl>
+                                          <p:spTgt spid="14"/>
+                                        </p:tgtEl>
+                                      </p:cBhvr>
+                                    </p:animEffect>
+                                  </p:childTnLst>
+                                </p:cTn>
+                              </p:par>
+                              <p:par>
+                                <p:cTn id="8" presetID="10" presetClass="entr" presetSubtype="0" fill="hold" nodeType="withEffect">
+                                  <p:stCondLst>
+                                    <p:cond delay="0"/>
+                                  </p:stCondLst>
+                                  <p:childTnLst>
+                                    <p:set>
+                                      <p:cBhvr>
+                                        <p:cTn id="9" dur="1" fill="hold">
+                                          <p:stCondLst>
+                                            <p:cond delay="0"/>
+                                          </p:stCondLst>
+                                        </p:cTn>
+                                        <p:tgtEl>
+                                          <p:spTgt spid="16"/>
+                                        </p:tgtEl>
+                                        <p:attrNameLst>
+                                          <p:attrName>style.visibility</p:attrName>
+                                        </p:attrNameLst>
+                                      </p:cBhvr>
+                                      <p:to>
+                                        <p:strVal val="visible"/>
+                                      </p:to>
+                                    </p:set>
+                                    <p:animEffect transition="in" filter="fade">
+                                      <p:cBhvr>
+                                        <p:cTn id="10" dur="500"/>
+                                        <p:tgtEl>
+                                          <p:spTgt spid="16"/>
+                                        </p:tgtEl>
+                                      </p:cBhvr>
+                                    </p:animEffect>
+                                  </p:childTnLst>
+                                </p:cTn>
+                              </p:par>
+                            </p:childTnLst>
+                          </p:cTn>
+                        </p:par>
+                      </p:childTnLst>
+                    </p:cTn>
+                  </p:par>
+                  <p:par>
+                    <p:cTn id="11" fill="hold">
+                      <p:stCondLst>
+                        <p:cond delay="indefinite"/>
+                      </p:stCondLst>
+                      <p:childTnLst>
+                        <p:par>
+                          <p:cTn id="12" fill="hold">
+                            <p:stCondLst>
+                              <p:cond delay="0"/>
+                            </p:stCondLst>
+                            <p:childTnLst>
+                              <p:par>
+                                <p:cTn id="13" presetID="10" presetClass="entr" presetSubtype="0" fill="hold" nodeType="clickEffect">
+                                  <p:stCondLst>
+                                    <p:cond delay="0"/>
+                                  </p:stCondLst>
+                                  <p:childTnLst>
+                                    <p:set>
+                                      <p:cBhvr>
+                                        <p:cTn id="14" dur="1" fill="hold">
+                                          <p:stCondLst>
+                                            <p:cond delay="0"/>
+                                          </p:stCondLst>
+                                        </p:cTn>
+                                        <p:tgtEl>
+                                          <p:spTgt spid="10">
+                                            <p:txEl>
+                                              <p:pRg st="0" end="0"/>
+                                            </p:txEl>
+                                          </p:spTgt>
+                                        </p:tgtEl>
+                                        <p:attrNameLst>
+                                          <p:attrName>style.visibility</p:attrName>
+                                        </p:attrNameLst>
+                                      </p:cBhvr>
+                                      <p:to>
+                                        <p:strVal val="visible"/>
+                                      </p:to>
+                                    </p:set>
+                                    <p:animEffect transition="in" filter="fade">
+                                      <p:cBhvr>
+                                        <p:cTn id="15" dur="500"/>
+                                        <p:tgtEl>
+                                          <p:spTgt spid="10">
+                                            <p:txEl>
+                                              <p:pRg st="0" end="0"/>
+                                            </p:txEl>
+                                          </p:spTgt>
+                                        </p:tgtEl>
+                                      </p:cBhvr>
+                                    </p:animEffect>
+                                  </p:childTnLst>
+                                </p:cTn>
+                              </p:par>
+                            </p:childTnLst>
+                          </p:cTn>
+                        </p:par>
+                      </p:childTnLst>
+                    </p:cTn>
+                  </p:par>
+                  <p:par>
+                    <p:cTn id="16" fill="hold">
+                      <p:stCondLst>
+                        <p:cond delay="indefinite"/>
+                      </p:stCondLst>
+                      <p:childTnLst>
+                        <p:par>
+                          <p:cTn id="17" fill="hold">
+                            <p:stCondLst>
+                              <p:cond delay="0"/>
+                            </p:stCondLst>
+                            <p:childTnLst>
+                              <p:par>
+                                <p:cTn id="18" presetID="10" presetClass="entr" presetSubtype="0" fill="hold" nodeType="clickEffect">
+                                  <p:stCondLst>
+                                    <p:cond delay="0"/>
+                                  </p:stCondLst>
+                                  <p:childTnLst>
+                                    <p:set>
+                                      <p:cBhvr>
+                                        <p:cTn id="19" dur="1" fill="hold">
+                                          <p:stCondLst>
+                                            <p:cond delay="0"/>
+                                          </p:stCondLst>
+                                        </p:cTn>
+                                        <p:tgtEl>
+                                          <p:spTgt spid="10">
+                                            <p:txEl>
+                                              <p:pRg st="2" end="2"/>
+                                            </p:txEl>
+                                          </p:spTgt>
+                                        </p:tgtEl>
+                                        <p:attrNameLst>
+                                          <p:attrName>style.visibility</p:attrName>
+                                        </p:attrNameLst>
+                                      </p:cBhvr>
+                                      <p:to>
+                                        <p:strVal val="visible"/>
+                                      </p:to>
+                                    </p:set>
+                                    <p:animEffect transition="in" filter="fade">
+                                      <p:cBhvr>
+                                        <p:cTn id="20" dur="500"/>
+                                        <p:tgtEl>
+                                          <p:spTgt spid="10">
+                                            <p:txEl>
+                                              <p:pRg st="2" end="2"/>
+                                            </p:txEl>
+                                          </p:spTgt>
+                                        </p:tgtEl>
+                                      </p:cBhvr>
+                                    </p:animEffect>
+                                  </p:childTnLst>
+                                </p:cTn>
+                              </p:par>
+                              <p:par>
+                                <p:cTn id="21" presetID="10" presetClass="entr" presetSubtype="0" fill="hold" nodeType="withEffect">
+                                  <p:stCondLst>
+                                    <p:cond delay="0"/>
+                                  </p:stCondLst>
+                                  <p:childTnLst>
+                                    <p:set>
+                                      <p:cBhvr>
+                                        <p:cTn id="22" dur="1" fill="hold">
+                                          <p:stCondLst>
+                                            <p:cond delay="0"/>
+                                          </p:stCondLst>
+                                        </p:cTn>
+                                        <p:tgtEl>
+                                          <p:spTgt spid="10">
+                                            <p:txEl>
+                                              <p:pRg st="3" end="3"/>
+                                            </p:txEl>
+                                          </p:spTgt>
+                                        </p:tgtEl>
+                                        <p:attrNameLst>
+                                          <p:attrName>style.visibility</p:attrName>
+                                        </p:attrNameLst>
+                                      </p:cBhvr>
+                                      <p:to>
+                                        <p:strVal val="visible"/>
+                                      </p:to>
+                                    </p:set>
+                                    <p:animEffect transition="in" filter="fade">
+                                      <p:cBhvr>
+                                        <p:cTn id="23" dur="500"/>
+                                        <p:tgtEl>
+                                          <p:spTgt spid="10">
+                                            <p:txEl>
+                                              <p:pRg st="3" end="3"/>
+                                            </p:txEl>
+                                          </p:spTgt>
+                                        </p:tgtEl>
+                                      </p:cBhvr>
+                                    </p:animEffect>
+                                  </p:childTnLst>
+                                </p:cTn>
+                              </p:par>
+                            </p:childTnLst>
+                          </p:cTn>
+                        </p:par>
+                      </p:childTnLst>
+                    </p:cTn>
+                  </p:par>
+                </p:childTnLst>
+              </p:cTn>
+              <p:prevCondLst>
+                <p:cond evt="onPrev" delay="0">
+                  <p:tgtEl>
+                    <p:sldTgt/>
+                  </p:tgtEl>
+                </p:cond>
+              </p:prevCondLst>
+              <p:nextCondLst>
+                <p:cond evt="onNext" delay="0">
+                  <p:tgtEl>
+                    <p:sldTgt/>
+                  </p:tgtEl>
+                </p:cond>
+              </p:nextCondLst>
+            </p:seq>
+          </p:childTnLst>
+        </p:cTn>
+      </p:par>
+    </p:tnLst>
+  </p:timing>
+</p:sld>
+</file>
+
+<file path=ppt/slides/slide13.xml><?xml version="1.0" encoding="utf-8"?>
+<p:sld xmlns:a="http://schemas.openxmlformats.org/drawingml/2006/main" xmlns:r="http://schemas.openxmlformats.org/officeDocument/2006/relationships" xmlns:p="http://schemas.openxmlformats.org/presentationml/2006/main">
+  <p:cSld>
+    <p:spTree>
+      <p:nvGrpSpPr>
+        <p:cNvPr id="1" name=""/>
+        <p:cNvGrpSpPr/>
+        <p:nvPr/>
+      </p:nvGrpSpPr>
+      <p:grpSpPr>
+        <a:xfrm>
+          <a:off x="0" y="0"/>
+          <a:ext cx="0" cy="0"/>
+          <a:chOff x="0" y="0"/>
+          <a:chExt cx="0" cy="0"/>
+        </a:xfrm>
+      </p:grpSpPr>
+      <p:sp>
+        <p:nvSpPr>
+          <p:cNvPr id="2" name="Title 1"/>
+          <p:cNvSpPr>
+            <a:spLocks noGrp="1"/>
+          </p:cNvSpPr>
+          <p:nvPr>
+            <p:ph type="title"/>
+          </p:nvPr>
+        </p:nvSpPr>
+        <p:spPr/>
+        <p:txBody>
+          <a:bodyPr rtlCol="0"/>
+          <a:lstStyle/>
+          <a:p>
+            <a:pPr rtl="0"/>
+            <a:r>
+              <a:rPr lang="en-GB" dirty="0"/>
+              <a:t>Other Models</a:t>
+            </a:r>
+          </a:p>
+        </p:txBody>
+      </p:sp>
+      <p:sp>
+        <p:nvSpPr>
+          <p:cNvPr id="3" name="TextBox 2">
+            <a:extLst>
+              <a:ext uri="{FF2B5EF4-FFF2-40B4-BE49-F238E27FC236}">
+                <a16:creationId xmlns:a16="http://schemas.microsoft.com/office/drawing/2014/main" id="{2DCD8115-E1C7-779F-A6FF-C29F4989C282}"/>
+              </a:ext>
+            </a:extLst>
+          </p:cNvPr>
+          <p:cNvSpPr txBox="1"/>
+          <p:nvPr/>
+        </p:nvSpPr>
+        <p:spPr>
+          <a:xfrm>
+            <a:off x="709378" y="2288050"/>
+            <a:ext cx="11116315" cy="2031325"/>
+          </a:xfrm>
+          <a:prstGeom prst="rect">
+            <a:avLst/>
+          </a:prstGeom>
+          <a:noFill/>
+        </p:spPr>
+        <p:txBody>
+          <a:bodyPr wrap="square" rtlCol="0">
+            <a:spAutoFit/>
+          </a:bodyPr>
+          <a:lstStyle/>
+          <a:p>
+            <a:r>
+              <a:rPr lang="en-US" dirty="0"/>
+              <a:t>Other models were tested, such as:</a:t>
+            </a:r>
+          </a:p>
+          <a:p>
+            <a:pPr marL="742950" lvl="1" indent="-285750">
+              <a:buFont typeface="Arial" panose="020B0604020202020204" pitchFamily="34" charset="0"/>
+              <a:buChar char="•"/>
+            </a:pPr>
+            <a:r>
+              <a:rPr lang="en-GB" sz="1800" b="0" i="0" dirty="0">
+                <a:solidFill>
+                  <a:srgbClr val="000000"/>
+                </a:solidFill>
+                <a:effectLst/>
+                <a:latin typeface="SFRM1200"/>
+              </a:rPr>
+              <a:t>SVC</a:t>
+            </a:r>
+          </a:p>
+          <a:p>
+            <a:pPr marL="742950" lvl="1" indent="-285750">
+              <a:buFont typeface="Arial" panose="020B0604020202020204" pitchFamily="34" charset="0"/>
+              <a:buChar char="•"/>
+            </a:pPr>
+            <a:r>
+              <a:rPr lang="en-GB" sz="1800" b="0" i="0" dirty="0" err="1">
+                <a:solidFill>
+                  <a:srgbClr val="000000"/>
+                </a:solidFill>
+                <a:effectLst/>
+                <a:latin typeface="SFRM1200"/>
+              </a:rPr>
+              <a:t>GradientBoosting</a:t>
+            </a:r>
+            <a:endParaRPr lang="en-GB" dirty="0">
+              <a:solidFill>
+                <a:srgbClr val="000000"/>
+              </a:solidFill>
+              <a:latin typeface="SFRM1200"/>
+            </a:endParaRPr>
+          </a:p>
+          <a:p>
+            <a:pPr marL="742950" lvl="1" indent="-285750">
+              <a:buFont typeface="Arial" panose="020B0604020202020204" pitchFamily="34" charset="0"/>
+              <a:buChar char="•"/>
+            </a:pPr>
+            <a:r>
+              <a:rPr lang="en-GB" sz="1800" b="0" i="0" dirty="0">
+                <a:solidFill>
+                  <a:srgbClr val="000000"/>
+                </a:solidFill>
+                <a:effectLst/>
+                <a:latin typeface="SFRM1200"/>
+              </a:rPr>
+              <a:t>SGD </a:t>
+            </a:r>
+          </a:p>
+          <a:p>
+            <a:pPr marL="742950" lvl="1" indent="-285750">
+              <a:buFont typeface="Arial" panose="020B0604020202020204" pitchFamily="34" charset="0"/>
+              <a:buChar char="•"/>
+            </a:pPr>
+            <a:r>
+              <a:rPr lang="en-GB" sz="1800" b="0" i="0" dirty="0">
+                <a:solidFill>
+                  <a:srgbClr val="000000"/>
+                </a:solidFill>
+                <a:effectLst/>
+                <a:latin typeface="SFRM1200"/>
+              </a:rPr>
+              <a:t>SGD with </a:t>
+            </a:r>
+            <a:r>
+              <a:rPr lang="en-GB" sz="1800" b="0" i="0" dirty="0" err="1">
+                <a:solidFill>
+                  <a:srgbClr val="000000"/>
+                </a:solidFill>
+                <a:effectLst/>
+                <a:latin typeface="SFRM1200"/>
+              </a:rPr>
+              <a:t>RBFSampler</a:t>
+            </a:r>
+            <a:endParaRPr lang="en-GB" sz="1800" b="0" i="0" dirty="0">
+              <a:solidFill>
+                <a:srgbClr val="000000"/>
+              </a:solidFill>
+              <a:effectLst/>
+              <a:latin typeface="SFRM1200"/>
+            </a:endParaRPr>
+          </a:p>
+          <a:p>
+            <a:pPr lvl="1"/>
+            <a:r>
+              <a:rPr lang="en-GB" dirty="0">
+                <a:solidFill>
+                  <a:srgbClr val="000000"/>
+                </a:solidFill>
+                <a:latin typeface="SFRM1200"/>
+              </a:rPr>
+              <a:t>	</a:t>
+            </a:r>
+            <a:br>
+              <a:rPr lang="en-GB" dirty="0"/>
+            </a:br>
+            <a:endParaRPr lang="en-US" dirty="0"/>
+          </a:p>
+        </p:txBody>
+      </p:sp>
+      <p:sp>
+        <p:nvSpPr>
+          <p:cNvPr id="5" name="TextBox 4">
+            <a:extLst>
+              <a:ext uri="{FF2B5EF4-FFF2-40B4-BE49-F238E27FC236}">
+                <a16:creationId xmlns:a16="http://schemas.microsoft.com/office/drawing/2014/main" id="{D834418A-E80B-108A-7D57-0BE8027A47E8}"/>
+              </a:ext>
+            </a:extLst>
+          </p:cNvPr>
+          <p:cNvSpPr txBox="1"/>
+          <p:nvPr/>
+        </p:nvSpPr>
+        <p:spPr>
+          <a:xfrm>
+            <a:off x="709378" y="4375178"/>
+            <a:ext cx="10136308" cy="369332"/>
+          </a:xfrm>
+          <a:prstGeom prst="rect">
+            <a:avLst/>
+          </a:prstGeom>
+          <a:noFill/>
+        </p:spPr>
+        <p:txBody>
+          <a:bodyPr wrap="square" rtlCol="0">
+            <a:spAutoFit/>
+          </a:bodyPr>
+          <a:lstStyle/>
+          <a:p>
+            <a:r>
+              <a:rPr lang="en-GB" dirty="0"/>
+              <a:t>However, these models performed worse than the three previously shown, so they were discarded.</a:t>
+            </a:r>
+            <a:endParaRPr lang="en-US" dirty="0"/>
+          </a:p>
+        </p:txBody>
+      </p:sp>
+    </p:spTree>
+    <p:extLst>
+      <p:ext uri="{BB962C8B-B14F-4D97-AF65-F5344CB8AC3E}">
+        <p14:creationId xmlns:p14="http://schemas.microsoft.com/office/powerpoint/2010/main" val="1008266518"/>
+      </p:ext>
+    </p:extLst>
+  </p:cSld>
+  <p:clrMapOvr>
+    <a:masterClrMapping/>
+  </p:clrMapOvr>
+  <mc:AlternateContent xmlns:mc="http://schemas.openxmlformats.org/markup-compatibility/2006">
+    <mc:Choice xmlns:p14="http://schemas.microsoft.com/office/powerpoint/2010/main" Requires="p14">
+      <p:transition spd="med" p14:dur="700">
+        <p:fade/>
+      </p:transition>
+    </mc:Choice>
+    <mc:Fallback>
+      <p:transition spd="med">
+        <p:fade/>
+      </p:transition>
+    </mc:Fallback>
+  </mc:AlternateContent>
+  <p:timing>
+    <p:tnLst>
+      <p:par>
+        <p:cTn id="1" dur="indefinite" restart="never" nodeType="tmRoot">
+          <p:childTnLst>
+            <p:seq concurrent="1" nextAc="seek">
+              <p:cTn id="2" dur="indefinite" nodeType="mainSeq">
+                <p:childTnLst>
+                  <p:par>
+                    <p:cTn id="3" fill="hold">
+                      <p:stCondLst>
+                        <p:cond delay="indefinite"/>
+                      </p:stCondLst>
+                      <p:childTnLst>
+                        <p:par>
+                          <p:cTn id="4" fill="hold">
+                            <p:stCondLst>
+                              <p:cond delay="0"/>
+                            </p:stCondLst>
+                            <p:childTnLst>
+                              <p:par>
+                                <p:cTn id="5" presetID="10" presetClass="entr" presetSubtype="0" fill="hold" grpId="0" nodeType="clickEffect">
+                                  <p:stCondLst>
+                                    <p:cond delay="0"/>
+                                  </p:stCondLst>
+                                  <p:childTnLst>
+                                    <p:set>
+                                      <p:cBhvr>
+                                        <p:cTn id="6" dur="1" fill="hold">
+                                          <p:stCondLst>
+                                            <p:cond delay="0"/>
+                                          </p:stCondLst>
+                                        </p:cTn>
+                                        <p:tgtEl>
+                                          <p:spTgt spid="3"/>
+                                        </p:tgtEl>
+                                        <p:attrNameLst>
+                                          <p:attrName>style.visibility</p:attrName>
+                                        </p:attrNameLst>
+                                      </p:cBhvr>
+                                      <p:to>
+                                        <p:strVal val="visible"/>
+                                      </p:to>
+                                    </p:set>
+                                    <p:animEffect transition="in" filter="fade">
+                                      <p:cBhvr>
+                                        <p:cTn id="7" dur="500"/>
+                                        <p:tgtEl>
+                                          <p:spTgt spid="3"/>
+                                        </p:tgtEl>
+                                      </p:cBhvr>
+                                    </p:animEffect>
+                                  </p:childTnLst>
+                                </p:cTn>
+                              </p:par>
+                              <p:par>
+                                <p:cTn id="8" presetID="10" presetClass="entr" presetSubtype="0" fill="hold" grpId="0" nodeType="withEffect">
+                                  <p:stCondLst>
+                                    <p:cond delay="0"/>
+                                  </p:stCondLst>
+                                  <p:childTnLst>
+                                    <p:set>
+                                      <p:cBhvr>
+                                        <p:cTn id="9" dur="1" fill="hold">
+                                          <p:stCondLst>
+                                            <p:cond delay="0"/>
+                                          </p:stCondLst>
+                                        </p:cTn>
+                                        <p:tgtEl>
+                                          <p:spTgt spid="5"/>
+                                        </p:tgtEl>
+                                        <p:attrNameLst>
+                                          <p:attrName>style.visibility</p:attrName>
+                                        </p:attrNameLst>
+                                      </p:cBhvr>
+                                      <p:to>
+                                        <p:strVal val="visible"/>
+                                      </p:to>
+                                    </p:set>
+                                    <p:animEffect transition="in" filter="fade">
+                                      <p:cBhvr>
+                                        <p:cTn id="10" dur="500"/>
+                                        <p:tgtEl>
+                                          <p:spTgt spid="5"/>
+                                        </p:tgtEl>
+                                      </p:cBhvr>
+                                    </p:animEffect>
+                                  </p:childTnLst>
+                                </p:cTn>
+                              </p:par>
+                            </p:childTnLst>
+                          </p:cTn>
+                        </p:par>
+                      </p:childTnLst>
+                    </p:cTn>
+                  </p:par>
+                </p:childTnLst>
+              </p:cTn>
+              <p:prevCondLst>
+                <p:cond evt="onPrev" delay="0">
+                  <p:tgtEl>
+                    <p:sldTgt/>
+                  </p:tgtEl>
+                </p:cond>
+              </p:prevCondLst>
+              <p:nextCondLst>
+                <p:cond evt="onNext" delay="0">
+                  <p:tgtEl>
+                    <p:sldTgt/>
+                  </p:tgtEl>
+                </p:cond>
+              </p:nextCondLst>
+            </p:seq>
+          </p:childTnLst>
+        </p:cTn>
+      </p:par>
+    </p:tnLst>
+    <p:bldLst>
+      <p:bldP spid="3" grpId="0"/>
+      <p:bldP spid="5" grpId="0"/>
+    </p:bldLst>
+  </p:timing>
+</p:sld>
+</file>
+
+<file path=ppt/slides/slide14.xml><?xml version="1.0" encoding="utf-8"?>
+<p:sld xmlns:a="http://schemas.openxmlformats.org/drawingml/2006/main" xmlns:r="http://schemas.openxmlformats.org/officeDocument/2006/relationships" xmlns:p="http://schemas.openxmlformats.org/presentationml/2006/main">
+  <p:cSld>
+    <p:spTree>
+      <p:nvGrpSpPr>
+        <p:cNvPr id="1" name=""/>
+        <p:cNvGrpSpPr/>
+        <p:nvPr/>
+      </p:nvGrpSpPr>
+      <p:grpSpPr>
+        <a:xfrm>
+          <a:off x="0" y="0"/>
+          <a:ext cx="0" cy="0"/>
+          <a:chOff x="0" y="0"/>
+          <a:chExt cx="0" cy="0"/>
+        </a:xfrm>
+      </p:grpSpPr>
+      <p:sp>
+        <p:nvSpPr>
+          <p:cNvPr id="2" name="Title 1">
+            <a:extLst>
+              <a:ext uri="{FF2B5EF4-FFF2-40B4-BE49-F238E27FC236}">
+                <a16:creationId xmlns:a16="http://schemas.microsoft.com/office/drawing/2014/main" id="{38AE9F91-8E17-7FDA-985D-78124BA33CE1}"/>
+              </a:ext>
+            </a:extLst>
+          </p:cNvPr>
+          <p:cNvSpPr>
+            <a:spLocks noGrp="1"/>
+          </p:cNvSpPr>
+          <p:nvPr>
+            <p:ph type="title"/>
+          </p:nvPr>
+        </p:nvSpPr>
+        <p:spPr/>
+        <p:txBody>
+          <a:bodyPr/>
+          <a:lstStyle/>
+          <a:p>
+            <a:r>
+              <a:rPr lang="en-US" dirty="0"/>
+              <a:t>Model Results</a:t>
+            </a:r>
+          </a:p>
+        </p:txBody>
+      </p:sp>
+      <p:sp>
+        <p:nvSpPr>
+          <p:cNvPr id="3" name="Content Placeholder 2">
+            <a:extLst>
+              <a:ext uri="{FF2B5EF4-FFF2-40B4-BE49-F238E27FC236}">
+                <a16:creationId xmlns:a16="http://schemas.microsoft.com/office/drawing/2014/main" id="{9B83E3C6-E356-8AC7-D77E-0A0654B9A685}"/>
+              </a:ext>
+            </a:extLst>
+          </p:cNvPr>
+          <p:cNvSpPr>
+            <a:spLocks noGrp="1"/>
+          </p:cNvSpPr>
+          <p:nvPr>
+            <p:ph idx="1"/>
+          </p:nvPr>
+        </p:nvSpPr>
+        <p:spPr/>
+        <p:txBody>
+          <a:bodyPr/>
+          <a:lstStyle/>
+          <a:p>
+            <a:pPr marL="109728" indent="0">
+              <a:buNone/>
+            </a:pPr>
+            <a:r>
+              <a:rPr lang="en-US" dirty="0"/>
+              <a:t>The mean f-scores are all slightly less than 0.75, even if the performances are not constant between testers.</a:t>
+            </a:r>
+          </a:p>
+          <a:p>
+            <a:pPr marL="109728" indent="0">
+              <a:buNone/>
+            </a:pPr>
+            <a:r>
+              <a:rPr lang="en-US" dirty="0"/>
+              <a:t>There are always some testers the perform well and the other that don’t do that.</a:t>
+            </a:r>
+          </a:p>
+        </p:txBody>
+      </p:sp>
+      <p:pic>
+        <p:nvPicPr>
+          <p:cNvPr id="5" name="Picture 4" descr="A screenshot of a computer code&#10;&#10;Description automatically generated">
+            <a:extLst>
+              <a:ext uri="{FF2B5EF4-FFF2-40B4-BE49-F238E27FC236}">
+                <a16:creationId xmlns:a16="http://schemas.microsoft.com/office/drawing/2014/main" id="{F90A96CC-C1A5-B2AB-6B31-5ED12C0EC0DB}"/>
+              </a:ext>
+            </a:extLst>
+          </p:cNvPr>
+          <p:cNvPicPr>
+            <a:picLocks noChangeAspect="1"/>
+          </p:cNvPicPr>
+          <p:nvPr/>
+        </p:nvPicPr>
+        <p:blipFill>
+          <a:blip r:embed="rId2">
+            <a:extLst>
+              <a:ext uri="{28A0092B-C50C-407E-A947-70E740481C1C}">
+                <a14:useLocalDpi xmlns:a14="http://schemas.microsoft.com/office/drawing/2010/main" val="0"/>
+              </a:ext>
+            </a:extLst>
+          </a:blip>
+          <a:stretch>
+            <a:fillRect/>
+          </a:stretch>
+        </p:blipFill>
+        <p:spPr>
+          <a:xfrm>
+            <a:off x="7747781" y="4400589"/>
+            <a:ext cx="2676921" cy="1163135"/>
+          </a:xfrm>
+          <a:prstGeom prst="rect">
+            <a:avLst/>
+          </a:prstGeom>
+        </p:spPr>
+      </p:pic>
+      <p:pic>
+        <p:nvPicPr>
+          <p:cNvPr id="7" name="Picture 6" descr="A black screen with white numbers and symbols&#10;&#10;Description automatically generated">
+            <a:extLst>
+              <a:ext uri="{FF2B5EF4-FFF2-40B4-BE49-F238E27FC236}">
+                <a16:creationId xmlns:a16="http://schemas.microsoft.com/office/drawing/2014/main" id="{252AFB2D-BFD8-DE28-C691-84DD7B51B786}"/>
+              </a:ext>
+            </a:extLst>
+          </p:cNvPr>
+          <p:cNvPicPr>
+            <a:picLocks noChangeAspect="1"/>
+          </p:cNvPicPr>
+          <p:nvPr/>
+        </p:nvPicPr>
+        <p:blipFill>
+          <a:blip r:embed="rId3">
+            <a:extLst>
+              <a:ext uri="{28A0092B-C50C-407E-A947-70E740481C1C}">
+                <a14:useLocalDpi xmlns:a14="http://schemas.microsoft.com/office/drawing/2010/main" val="0"/>
+              </a:ext>
+            </a:extLst>
+          </a:blip>
+          <a:stretch>
+            <a:fillRect/>
+          </a:stretch>
+        </p:blipFill>
+        <p:spPr>
+          <a:xfrm>
+            <a:off x="1226518" y="4400590"/>
+            <a:ext cx="2684609" cy="1171919"/>
+          </a:xfrm>
+          <a:prstGeom prst="rect">
+            <a:avLst/>
+          </a:prstGeom>
+        </p:spPr>
+      </p:pic>
+      <p:pic>
+        <p:nvPicPr>
+          <p:cNvPr id="9" name="Picture 8" descr="A black screen with white numbers&#10;&#10;Description automatically generated">
+            <a:extLst>
+              <a:ext uri="{FF2B5EF4-FFF2-40B4-BE49-F238E27FC236}">
+                <a16:creationId xmlns:a16="http://schemas.microsoft.com/office/drawing/2014/main" id="{DAF82EEA-50F6-B25F-D334-10C5E594D5AC}"/>
+              </a:ext>
+            </a:extLst>
+          </p:cNvPr>
+          <p:cNvPicPr>
+            <a:picLocks noChangeAspect="1"/>
+          </p:cNvPicPr>
+          <p:nvPr/>
+        </p:nvPicPr>
+        <p:blipFill>
+          <a:blip r:embed="rId4">
+            <a:extLst>
+              <a:ext uri="{28A0092B-C50C-407E-A947-70E740481C1C}">
+                <a14:useLocalDpi xmlns:a14="http://schemas.microsoft.com/office/drawing/2010/main" val="0"/>
+              </a:ext>
+            </a:extLst>
+          </a:blip>
+          <a:stretch>
+            <a:fillRect/>
+          </a:stretch>
+        </p:blipFill>
+        <p:spPr>
+          <a:xfrm>
+            <a:off x="4528044" y="4409374"/>
+            <a:ext cx="2602820" cy="1163135"/>
+          </a:xfrm>
+          <a:prstGeom prst="rect">
+            <a:avLst/>
+          </a:prstGeom>
+        </p:spPr>
+      </p:pic>
+    </p:spTree>
+    <p:extLst>
+      <p:ext uri="{BB962C8B-B14F-4D97-AF65-F5344CB8AC3E}">
+        <p14:creationId xmlns:p14="http://schemas.microsoft.com/office/powerpoint/2010/main" val="3772343835"/>
+      </p:ext>
+    </p:extLst>
+  </p:cSld>
+  <p:clrMapOvr>
+    <a:masterClrMapping/>
+  </p:clrMapOvr>
+  <mc:AlternateContent xmlns:mc="http://schemas.openxmlformats.org/markup-compatibility/2006" xmlns:p14="http://schemas.microsoft.com/office/powerpoint/2010/main">
+    <mc:Choice Requires="p14">
+      <p:transition spd="med" p14:dur="700">
+        <p:fade/>
+      </p:transition>
+    </mc:Choice>
+    <mc:Fallback xmlns="">
+      <p:transition spd="med">
+        <p:fade/>
+      </p:transition>
+    </mc:Fallback>
+  </mc:AlternateContent>
+  <p:timing>
+    <p:tnLst>
+      <p:par>
+        <p:cTn id="1" dur="indefinite" restart="never" nodeType="tmRoot">
+          <p:childTnLst>
+            <p:seq concurrent="1" nextAc="seek">
+              <p:cTn id="2" dur="indefinite" nodeType="mainSeq">
+                <p:childTnLst>
+                  <p:par>
+                    <p:cTn id="3" fill="hold">
+                      <p:stCondLst>
+                        <p:cond delay="indefinite"/>
+                      </p:stCondLst>
+                      <p:childTnLst>
+                        <p:par>
+                          <p:cTn id="4" fill="hold">
+                            <p:stCondLst>
+                              <p:cond delay="0"/>
+                            </p:stCondLst>
+                            <p:childTnLst>
+                              <p:par>
+                                <p:cTn id="5" presetID="10" presetClass="entr" presetSubtype="0" fill="hold" nodeType="clickEffect">
+                                  <p:stCondLst>
+                                    <p:cond delay="0"/>
+                                  </p:stCondLst>
+                                  <p:childTnLst>
+                                    <p:set>
+                                      <p:cBhvr>
+                                        <p:cTn id="6" dur="1" fill="hold">
+                                          <p:stCondLst>
+                                            <p:cond delay="0"/>
+                                          </p:stCondLst>
+                                        </p:cTn>
+                                        <p:tgtEl>
+                                          <p:spTgt spid="3">
+                                            <p:txEl>
+                                              <p:pRg st="0" end="0"/>
+                                            </p:txEl>
+                                          </p:spTgt>
+                                        </p:tgtEl>
+                                        <p:attrNameLst>
+                                          <p:attrName>style.visibility</p:attrName>
+                                        </p:attrNameLst>
+                                      </p:cBhvr>
+                                      <p:to>
+                                        <p:strVal val="visible"/>
+                                      </p:to>
+                                    </p:set>
+                                    <p:animEffect transition="in" filter="fade">
+                                      <p:cBhvr>
+                                        <p:cTn id="7" dur="500"/>
+                                        <p:tgtEl>
+                                          <p:spTgt spid="3">
+                                            <p:txEl>
+                                              <p:pRg st="0" end="0"/>
+                                            </p:txEl>
+                                          </p:spTgt>
+                                        </p:tgtEl>
+                                      </p:cBhvr>
+                                    </p:animEffect>
+                                  </p:childTnLst>
+                                </p:cTn>
+                              </p:par>
+                              <p:par>
+                                <p:cTn id="8" presetID="10" presetClass="entr" presetSubtype="0" fill="hold" nodeType="withEffect">
+                                  <p:stCondLst>
+                                    <p:cond delay="0"/>
+                                  </p:stCondLst>
+                                  <p:childTnLst>
+                                    <p:set>
+                                      <p:cBhvr>
+                                        <p:cTn id="9" dur="1" fill="hold">
+                                          <p:stCondLst>
+                                            <p:cond delay="0"/>
+                                          </p:stCondLst>
+                                        </p:cTn>
+                                        <p:tgtEl>
+                                          <p:spTgt spid="3">
+                                            <p:txEl>
+                                              <p:pRg st="1" end="1"/>
+                                            </p:txEl>
+                                          </p:spTgt>
+                                        </p:tgtEl>
+                                        <p:attrNameLst>
+                                          <p:attrName>style.visibility</p:attrName>
+                                        </p:attrNameLst>
+                                      </p:cBhvr>
+                                      <p:to>
+                                        <p:strVal val="visible"/>
+                                      </p:to>
+                                    </p:set>
+                                    <p:animEffect transition="in" filter="fade">
+                                      <p:cBhvr>
+                                        <p:cTn id="10" dur="500"/>
+                                        <p:tgtEl>
+                                          <p:spTgt spid="3">
+                                            <p:txEl>
+                                              <p:pRg st="1" end="1"/>
+                                            </p:txEl>
+                                          </p:spTgt>
+                                        </p:tgtEl>
+                                      </p:cBhvr>
+                                    </p:animEffect>
+                                  </p:childTnLst>
+                                </p:cTn>
+                              </p:par>
+                            </p:childTnLst>
+                          </p:cTn>
+                        </p:par>
+                      </p:childTnLst>
+                    </p:cTn>
+                  </p:par>
+                  <p:par>
+                    <p:cTn id="11" fill="hold">
+                      <p:stCondLst>
+                        <p:cond delay="indefinite"/>
+                      </p:stCondLst>
+                      <p:childTnLst>
+                        <p:par>
+                          <p:cTn id="12" fill="hold">
+                            <p:stCondLst>
+                              <p:cond delay="0"/>
+                            </p:stCondLst>
+                            <p:childTnLst>
+                              <p:par>
+                                <p:cTn id="13" presetID="10" presetClass="entr" presetSubtype="0" fill="hold" nodeType="clickEffect">
+                                  <p:stCondLst>
+                                    <p:cond delay="0"/>
+                                  </p:stCondLst>
+                                  <p:childTnLst>
+                                    <p:set>
+                                      <p:cBhvr>
+                                        <p:cTn id="14" dur="1" fill="hold">
+                                          <p:stCondLst>
+                                            <p:cond delay="0"/>
+                                          </p:stCondLst>
+                                        </p:cTn>
+                                        <p:tgtEl>
+                                          <p:spTgt spid="7"/>
+                                        </p:tgtEl>
+                                        <p:attrNameLst>
+                                          <p:attrName>style.visibility</p:attrName>
+                                        </p:attrNameLst>
+                                      </p:cBhvr>
+                                      <p:to>
+                                        <p:strVal val="visible"/>
+                                      </p:to>
+                                    </p:set>
+                                    <p:animEffect transition="in" filter="fade">
+                                      <p:cBhvr>
+                                        <p:cTn id="15" dur="500"/>
+                                        <p:tgtEl>
+                                          <p:spTgt spid="7"/>
+                                        </p:tgtEl>
+                                      </p:cBhvr>
+                                    </p:animEffect>
+                                  </p:childTnLst>
+                                </p:cTn>
+                              </p:par>
+                              <p:par>
+                                <p:cTn id="16" presetID="10" presetClass="entr" presetSubtype="0" fill="hold" nodeType="withEffect">
+                                  <p:stCondLst>
+                                    <p:cond delay="0"/>
+                                  </p:stCondLst>
+                                  <p:childTnLst>
+                                    <p:set>
+                                      <p:cBhvr>
+                                        <p:cTn id="17" dur="1" fill="hold">
+                                          <p:stCondLst>
+                                            <p:cond delay="0"/>
+                                          </p:stCondLst>
+                                        </p:cTn>
+                                        <p:tgtEl>
+                                          <p:spTgt spid="9"/>
+                                        </p:tgtEl>
+                                        <p:attrNameLst>
+                                          <p:attrName>style.visibility</p:attrName>
+                                        </p:attrNameLst>
+                                      </p:cBhvr>
+                                      <p:to>
+                                        <p:strVal val="visible"/>
+                                      </p:to>
+                                    </p:set>
+                                    <p:animEffect transition="in" filter="fade">
+                                      <p:cBhvr>
+                                        <p:cTn id="18" dur="500"/>
+                                        <p:tgtEl>
+                                          <p:spTgt spid="9"/>
+                                        </p:tgtEl>
+                                      </p:cBhvr>
+                                    </p:animEffect>
+                                  </p:childTnLst>
+                                </p:cTn>
+                              </p:par>
+                              <p:par>
+                                <p:cTn id="19" presetID="10" presetClass="entr" presetSubtype="0" fill="hold" nodeType="withEffect">
+                                  <p:stCondLst>
+                                    <p:cond delay="0"/>
+                                  </p:stCondLst>
+                                  <p:childTnLst>
+                                    <p:set>
+                                      <p:cBhvr>
+                                        <p:cTn id="20" dur="1" fill="hold">
+                                          <p:stCondLst>
+                                            <p:cond delay="0"/>
+                                          </p:stCondLst>
+                                        </p:cTn>
+                                        <p:tgtEl>
+                                          <p:spTgt spid="5"/>
+                                        </p:tgtEl>
+                                        <p:attrNameLst>
+                                          <p:attrName>style.visibility</p:attrName>
+                                        </p:attrNameLst>
+                                      </p:cBhvr>
+                                      <p:to>
+                                        <p:strVal val="visible"/>
+                                      </p:to>
+                                    </p:set>
+                                    <p:animEffect transition="in" filter="fade">
+                                      <p:cBhvr>
+                                        <p:cTn id="21" dur="500"/>
+                                        <p:tgtEl>
+                                          <p:spTgt spid="5"/>
+                                        </p:tgtEl>
+                                      </p:cBhvr>
+                                    </p:animEffect>
+                                  </p:childTnLst>
+                                </p:cTn>
+                              </p:par>
+                            </p:childTnLst>
+                          </p:cTn>
+                        </p:par>
+                      </p:childTnLst>
+                    </p:cTn>
+                  </p:par>
+                </p:childTnLst>
+              </p:cTn>
+              <p:prevCondLst>
+                <p:cond evt="onPrev" delay="0">
+                  <p:tgtEl>
+                    <p:sldTgt/>
+                  </p:tgtEl>
+                </p:cond>
+              </p:prevCondLst>
+              <p:nextCondLst>
+                <p:cond evt="onNext" delay="0">
+                  <p:tgtEl>
+                    <p:sldTgt/>
+                  </p:tgtEl>
+                </p:cond>
+              </p:nextCondLst>
+            </p:seq>
+          </p:childTnLst>
+        </p:cTn>
+      </p:par>
+    </p:tnLst>
+  </p:timing>
+</p:sld>
+</file>
+
+<file path=ppt/slides/slide15.xml><?xml version="1.0" encoding="utf-8"?>
+<p:sld xmlns:a="http://schemas.openxmlformats.org/drawingml/2006/main" xmlns:r="http://schemas.openxmlformats.org/officeDocument/2006/relationships" xmlns:p="http://schemas.openxmlformats.org/presentationml/2006/main">
+  <p:cSld>
+    <p:spTree>
+      <p:nvGrpSpPr>
+        <p:cNvPr id="1" name=""/>
+        <p:cNvGrpSpPr/>
+        <p:nvPr/>
+      </p:nvGrpSpPr>
+      <p:grpSpPr>
+        <a:xfrm>
+          <a:off x="0" y="0"/>
+          <a:ext cx="0" cy="0"/>
+          <a:chOff x="0" y="0"/>
+          <a:chExt cx="0" cy="0"/>
+        </a:xfrm>
+      </p:grpSpPr>
+      <p:sp>
+        <p:nvSpPr>
+          <p:cNvPr id="2" name="Title 1"/>
+          <p:cNvSpPr>
+            <a:spLocks noGrp="1"/>
+          </p:cNvSpPr>
+          <p:nvPr>
+            <p:ph type="title"/>
+          </p:nvPr>
+        </p:nvSpPr>
+        <p:spPr/>
+        <p:txBody>
+          <a:bodyPr rtlCol="0"/>
+          <a:lstStyle/>
+          <a:p>
+            <a:pPr rtl="0"/>
+            <a:r>
+              <a:rPr lang="en-GB" dirty="0"/>
+              <a:t>Performance evaluation (I)</a:t>
             </a:r>
           </a:p>
         </p:txBody>
@@ -7062,21 +8892,61 @@
           <a:bodyPr rtlCol="0"/>
           <a:lstStyle/>
           <a:p>
-            <a:pPr rtl="0"/>
+            <a:pPr marL="109728" indent="0" rtl="0">
+              <a:buNone/>
+            </a:pPr>
             <a:r>
               <a:rPr lang="en-GB" dirty="0"/>
-              <a:t>Summarise important points.</a:t>
-            </a:r>
-          </a:p>
-          <a:p>
-            <a:pPr rtl="0"/>
+              <a:t>The evaluation of the model was carried out using the Wilcoxon signed rank test. </a:t>
+            </a:r>
+          </a:p>
+          <a:p>
+            <a:pPr marL="109728" indent="0" rtl="0">
+              <a:buNone/>
+            </a:pPr>
             <a:r>
               <a:rPr lang="en-GB" dirty="0"/>
-              <a:t>Allow time for questions.</a:t>
-            </a:r>
-          </a:p>
-        </p:txBody>
-      </p:sp>
+              <a:t>The inputs for the test are the results of 200 iteration of each one of the best models (KNN, Random Forest, AdaBoost with Random Forest). This results in a total of 800 values for each model.</a:t>
+            </a:r>
+          </a:p>
+        </p:txBody>
+      </p:sp>
+      <p:pic>
+        <p:nvPicPr>
+          <p:cNvPr id="5" name="Picture 4" descr="A diagram of a graph&#10;&#10;Description automatically generated with medium confidence">
+            <a:extLst>
+              <a:ext uri="{FF2B5EF4-FFF2-40B4-BE49-F238E27FC236}">
+                <a16:creationId xmlns:a16="http://schemas.microsoft.com/office/drawing/2014/main" id="{A1943F25-120A-8A4E-124D-A567B5EA12E4}"/>
+              </a:ext>
+            </a:extLst>
+          </p:cNvPr>
+          <p:cNvPicPr>
+            <a:picLocks noChangeAspect="1"/>
+          </p:cNvPicPr>
+          <p:nvPr/>
+        </p:nvPicPr>
+        <p:blipFill>
+          <a:blip r:embed="rId3">
+            <a:extLst>
+              <a:ext uri="{28A0092B-C50C-407E-A947-70E740481C1C}">
+                <a14:useLocalDpi xmlns:a14="http://schemas.microsoft.com/office/drawing/2010/main" val="0"/>
+              </a:ext>
+            </a:extLst>
+          </a:blip>
+          <a:stretch>
+            <a:fillRect/>
+          </a:stretch>
+        </p:blipFill>
+        <p:spPr>
+          <a:xfrm>
+            <a:off x="4895818" y="4542341"/>
+            <a:ext cx="2400363" cy="2177200"/>
+          </a:xfrm>
+          <a:prstGeom prst="rect">
+            <a:avLst/>
+          </a:prstGeom>
+        </p:spPr>
+      </p:pic>
     </p:spTree>
     <p:extLst>
       <p:ext uri="{BB962C8B-B14F-4D97-AF65-F5344CB8AC3E}">
@@ -7099,10 +8969,197 @@
       </p:transition>
     </mc:Fallback>
   </mc:AlternateContent>
+  <p:timing>
+    <p:tnLst>
+      <p:par>
+        <p:cTn id="1" dur="indefinite" restart="never" nodeType="tmRoot">
+          <p:childTnLst>
+            <p:seq concurrent="1" nextAc="seek">
+              <p:cTn id="2" dur="indefinite" nodeType="mainSeq">
+                <p:childTnLst>
+                  <p:par>
+                    <p:cTn id="3" fill="hold">
+                      <p:stCondLst>
+                        <p:cond delay="indefinite"/>
+                      </p:stCondLst>
+                      <p:childTnLst>
+                        <p:par>
+                          <p:cTn id="4" fill="hold">
+                            <p:stCondLst>
+                              <p:cond delay="0"/>
+                            </p:stCondLst>
+                            <p:childTnLst>
+                              <p:par>
+                                <p:cTn id="5" presetID="10" presetClass="entr" presetSubtype="0" fill="hold" nodeType="clickEffect">
+                                  <p:stCondLst>
+                                    <p:cond delay="0"/>
+                                  </p:stCondLst>
+                                  <p:childTnLst>
+                                    <p:set>
+                                      <p:cBhvr>
+                                        <p:cTn id="6" dur="1" fill="hold">
+                                          <p:stCondLst>
+                                            <p:cond delay="0"/>
+                                          </p:stCondLst>
+                                        </p:cTn>
+                                        <p:tgtEl>
+                                          <p:spTgt spid="3">
+                                            <p:txEl>
+                                              <p:pRg st="0" end="0"/>
+                                            </p:txEl>
+                                          </p:spTgt>
+                                        </p:tgtEl>
+                                        <p:attrNameLst>
+                                          <p:attrName>style.visibility</p:attrName>
+                                        </p:attrNameLst>
+                                      </p:cBhvr>
+                                      <p:to>
+                                        <p:strVal val="visible"/>
+                                      </p:to>
+                                    </p:set>
+                                    <p:animEffect transition="in" filter="fade">
+                                      <p:cBhvr>
+                                        <p:cTn id="7" dur="500"/>
+                                        <p:tgtEl>
+                                          <p:spTgt spid="3">
+                                            <p:txEl>
+                                              <p:pRg st="0" end="0"/>
+                                            </p:txEl>
+                                          </p:spTgt>
+                                        </p:tgtEl>
+                                      </p:cBhvr>
+                                    </p:animEffect>
+                                  </p:childTnLst>
+                                </p:cTn>
+                              </p:par>
+                              <p:par>
+                                <p:cTn id="8" presetID="10" presetClass="entr" presetSubtype="0" fill="hold" nodeType="withEffect">
+                                  <p:stCondLst>
+                                    <p:cond delay="0"/>
+                                  </p:stCondLst>
+                                  <p:childTnLst>
+                                    <p:set>
+                                      <p:cBhvr>
+                                        <p:cTn id="9" dur="1" fill="hold">
+                                          <p:stCondLst>
+                                            <p:cond delay="0"/>
+                                          </p:stCondLst>
+                                        </p:cTn>
+                                        <p:tgtEl>
+                                          <p:spTgt spid="3">
+                                            <p:txEl>
+                                              <p:pRg st="1" end="1"/>
+                                            </p:txEl>
+                                          </p:spTgt>
+                                        </p:tgtEl>
+                                        <p:attrNameLst>
+                                          <p:attrName>style.visibility</p:attrName>
+                                        </p:attrNameLst>
+                                      </p:cBhvr>
+                                      <p:to>
+                                        <p:strVal val="visible"/>
+                                      </p:to>
+                                    </p:set>
+                                    <p:animEffect transition="in" filter="fade">
+                                      <p:cBhvr>
+                                        <p:cTn id="10" dur="500"/>
+                                        <p:tgtEl>
+                                          <p:spTgt spid="3">
+                                            <p:txEl>
+                                              <p:pRg st="1" end="1"/>
+                                            </p:txEl>
+                                          </p:spTgt>
+                                        </p:tgtEl>
+                                      </p:cBhvr>
+                                    </p:animEffect>
+                                  </p:childTnLst>
+                                </p:cTn>
+                              </p:par>
+                            </p:childTnLst>
+                          </p:cTn>
+                        </p:par>
+                      </p:childTnLst>
+                    </p:cTn>
+                  </p:par>
+                  <p:par>
+                    <p:cTn id="11" fill="hold">
+                      <p:stCondLst>
+                        <p:cond delay="indefinite"/>
+                      </p:stCondLst>
+                      <p:childTnLst>
+                        <p:par>
+                          <p:cTn id="12" fill="hold">
+                            <p:stCondLst>
+                              <p:cond delay="0"/>
+                            </p:stCondLst>
+                            <p:childTnLst>
+                              <p:par>
+                                <p:cTn id="13" presetID="10" presetClass="entr" presetSubtype="0" fill="hold" nodeType="clickEffect">
+                                  <p:stCondLst>
+                                    <p:cond delay="0"/>
+                                  </p:stCondLst>
+                                  <p:childTnLst>
+                                    <p:set>
+                                      <p:cBhvr>
+                                        <p:cTn id="14" dur="1" fill="hold">
+                                          <p:stCondLst>
+                                            <p:cond delay="0"/>
+                                          </p:stCondLst>
+                                        </p:cTn>
+                                        <p:tgtEl>
+                                          <p:spTgt spid="5"/>
+                                        </p:tgtEl>
+                                        <p:attrNameLst>
+                                          <p:attrName>style.visibility</p:attrName>
+                                        </p:attrNameLst>
+                                      </p:cBhvr>
+                                      <p:to>
+                                        <p:strVal val="visible"/>
+                                      </p:to>
+                                    </p:set>
+                                    <p:animEffect transition="in" filter="fade">
+                                      <p:cBhvr>
+                                        <p:cTn id="15" dur="500"/>
+                                        <p:tgtEl>
+                                          <p:spTgt spid="5"/>
+                                        </p:tgtEl>
+                                      </p:cBhvr>
+                                    </p:animEffect>
+                                  </p:childTnLst>
+                                </p:cTn>
+                              </p:par>
+                            </p:childTnLst>
+                          </p:cTn>
+                        </p:par>
+                      </p:childTnLst>
+                    </p:cTn>
+                  </p:par>
+                </p:childTnLst>
+              </p:cTn>
+              <p:prevCondLst>
+                <p:cond evt="onPrev" delay="0">
+                  <p:tgtEl>
+                    <p:sldTgt/>
+                  </p:tgtEl>
+                </p:cond>
+              </p:prevCondLst>
+              <p:nextCondLst>
+                <p:cond evt="onNext" delay="0">
+                  <p:tgtEl>
+                    <p:sldTgt/>
+                  </p:tgtEl>
+                </p:cond>
+              </p:nextCondLst>
+            </p:seq>
+          </p:childTnLst>
+        </p:cTn>
+      </p:par>
+    </p:tnLst>
+  </p:timing>
 </p:sld>
 </file>
 
-<file path=ppt/slides/slide13.xml><?xml version="1.0" encoding="utf-8"?>
+<file path=ppt/slides/slide16.xml><?xml version="1.0" encoding="utf-8"?>
 <p:sld xmlns:a="http://schemas.openxmlformats.org/drawingml/2006/main" xmlns:r="http://schemas.openxmlformats.org/officeDocument/2006/relationships" xmlns:p="http://schemas.openxmlformats.org/presentationml/2006/main">
   <p:cSld>
     <p:spTree>
@@ -7137,38 +9194,229 @@
             <a:pPr rtl="0"/>
             <a:r>
               <a:rPr lang="en-GB" dirty="0"/>
-              <a:t>Lesson 3: Objectives</a:t>
-            </a:r>
-          </a:p>
-        </p:txBody>
-      </p:sp>
-      <p:sp>
-        <p:nvSpPr>
-          <p:cNvPr id="3" name="Content Placeholder 2"/>
-          <p:cNvSpPr>
-            <a:spLocks noGrp="1"/>
-          </p:cNvSpPr>
-          <p:nvPr>
-            <p:ph idx="1"/>
-          </p:nvPr>
-        </p:nvSpPr>
-        <p:spPr/>
-        <p:txBody>
-          <a:bodyPr rtlCol="0"/>
+              <a:t>Performance Evaluation (II)</a:t>
+            </a:r>
+          </a:p>
+        </p:txBody>
+      </p:sp>
+      <p:pic>
+        <p:nvPicPr>
+          <p:cNvPr id="5" name="Picture 4" descr="A black background with white text&#10;&#10;Description automatically generated">
+            <a:extLst>
+              <a:ext uri="{FF2B5EF4-FFF2-40B4-BE49-F238E27FC236}">
+                <a16:creationId xmlns:a16="http://schemas.microsoft.com/office/drawing/2014/main" id="{337701B6-4277-BEFF-9584-86D11B4A880A}"/>
+              </a:ext>
+            </a:extLst>
+          </p:cNvPr>
+          <p:cNvPicPr>
+            <a:picLocks noChangeAspect="1"/>
+          </p:cNvPicPr>
+          <p:nvPr/>
+        </p:nvPicPr>
+        <p:blipFill>
+          <a:blip r:embed="rId3">
+            <a:extLst>
+              <a:ext uri="{28A0092B-C50C-407E-A947-70E740481C1C}">
+                <a14:useLocalDpi xmlns:a14="http://schemas.microsoft.com/office/drawing/2010/main" val="0"/>
+              </a:ext>
+            </a:extLst>
+          </a:blip>
+          <a:stretch>
+            <a:fillRect/>
+          </a:stretch>
+        </p:blipFill>
+        <p:spPr>
+          <a:xfrm>
+            <a:off x="790263" y="2457307"/>
+            <a:ext cx="3342989" cy="585984"/>
+          </a:xfrm>
+          <a:prstGeom prst="rect">
+            <a:avLst/>
+          </a:prstGeom>
+        </p:spPr>
+      </p:pic>
+      <p:pic>
+        <p:nvPicPr>
+          <p:cNvPr id="7" name="Picture 6" descr="A black screen with white text&#10;&#10;Description automatically generated">
+            <a:extLst>
+              <a:ext uri="{FF2B5EF4-FFF2-40B4-BE49-F238E27FC236}">
+                <a16:creationId xmlns:a16="http://schemas.microsoft.com/office/drawing/2014/main" id="{BD1E5FEA-F395-B01E-A94F-065B5C85BCC3}"/>
+              </a:ext>
+            </a:extLst>
+          </p:cNvPr>
+          <p:cNvPicPr>
+            <a:picLocks noChangeAspect="1"/>
+          </p:cNvPicPr>
+          <p:nvPr/>
+        </p:nvPicPr>
+        <p:blipFill>
+          <a:blip r:embed="rId4">
+            <a:extLst>
+              <a:ext uri="{28A0092B-C50C-407E-A947-70E740481C1C}">
+                <a14:useLocalDpi xmlns:a14="http://schemas.microsoft.com/office/drawing/2010/main" val="0"/>
+              </a:ext>
+            </a:extLst>
+          </a:blip>
+          <a:stretch>
+            <a:fillRect/>
+          </a:stretch>
+        </p:blipFill>
+        <p:spPr>
+          <a:xfrm>
+            <a:off x="790263" y="4617652"/>
+            <a:ext cx="3521788" cy="602874"/>
+          </a:xfrm>
+          <a:prstGeom prst="rect">
+            <a:avLst/>
+          </a:prstGeom>
+        </p:spPr>
+      </p:pic>
+      <p:pic>
+        <p:nvPicPr>
+          <p:cNvPr id="9" name="Picture 8" descr="A black background with white text&#10;&#10;Description automatically generated">
+            <a:extLst>
+              <a:ext uri="{FF2B5EF4-FFF2-40B4-BE49-F238E27FC236}">
+                <a16:creationId xmlns:a16="http://schemas.microsoft.com/office/drawing/2014/main" id="{E31DE1CB-FAAC-14FD-02A1-F25125588419}"/>
+              </a:ext>
+            </a:extLst>
+          </p:cNvPr>
+          <p:cNvPicPr>
+            <a:picLocks noChangeAspect="1"/>
+          </p:cNvPicPr>
+          <p:nvPr/>
+        </p:nvPicPr>
+        <p:blipFill>
+          <a:blip r:embed="rId5">
+            <a:extLst>
+              <a:ext uri="{28A0092B-C50C-407E-A947-70E740481C1C}">
+                <a14:useLocalDpi xmlns:a14="http://schemas.microsoft.com/office/drawing/2010/main" val="0"/>
+              </a:ext>
+            </a:extLst>
+          </a:blip>
+          <a:stretch>
+            <a:fillRect/>
+          </a:stretch>
+        </p:blipFill>
+        <p:spPr>
+          <a:xfrm>
+            <a:off x="790263" y="5487538"/>
+            <a:ext cx="3521788" cy="623237"/>
+          </a:xfrm>
+          <a:prstGeom prst="rect">
+            <a:avLst/>
+          </a:prstGeom>
+        </p:spPr>
+      </p:pic>
+      <p:pic>
+        <p:nvPicPr>
+          <p:cNvPr id="11" name="Picture 10" descr="A number on a black background&#10;&#10;Description automatically generated">
+            <a:extLst>
+              <a:ext uri="{FF2B5EF4-FFF2-40B4-BE49-F238E27FC236}">
+                <a16:creationId xmlns:a16="http://schemas.microsoft.com/office/drawing/2014/main" id="{80C6E976-D0AC-5777-D69B-FE89C75651FC}"/>
+              </a:ext>
+            </a:extLst>
+          </p:cNvPr>
+          <p:cNvPicPr>
+            <a:picLocks noChangeAspect="1"/>
+          </p:cNvPicPr>
+          <p:nvPr/>
+        </p:nvPicPr>
+        <p:blipFill>
+          <a:blip r:embed="rId6">
+            <a:extLst>
+              <a:ext uri="{28A0092B-C50C-407E-A947-70E740481C1C}">
+                <a14:useLocalDpi xmlns:a14="http://schemas.microsoft.com/office/drawing/2010/main" val="0"/>
+              </a:ext>
+            </a:extLst>
+          </a:blip>
+          <a:stretch>
+            <a:fillRect/>
+          </a:stretch>
+        </p:blipFill>
+        <p:spPr>
+          <a:xfrm>
+            <a:off x="1285929" y="3186638"/>
+            <a:ext cx="2351656" cy="393053"/>
+          </a:xfrm>
+          <a:prstGeom prst="rect">
+            <a:avLst/>
+          </a:prstGeom>
+        </p:spPr>
+      </p:pic>
+      <p:sp>
+        <p:nvSpPr>
+          <p:cNvPr id="12" name="TextBox 11">
+            <a:extLst>
+              <a:ext uri="{FF2B5EF4-FFF2-40B4-BE49-F238E27FC236}">
+                <a16:creationId xmlns:a16="http://schemas.microsoft.com/office/drawing/2014/main" id="{65C977C7-850C-07F8-28CC-98891822F4CC}"/>
+              </a:ext>
+            </a:extLst>
+          </p:cNvPr>
+          <p:cNvSpPr txBox="1"/>
+          <p:nvPr/>
+        </p:nvSpPr>
+        <p:spPr>
+          <a:xfrm>
+            <a:off x="5203767" y="2443126"/>
+            <a:ext cx="6475615" cy="1200329"/>
+          </a:xfrm>
+          <a:prstGeom prst="rect">
+            <a:avLst/>
+          </a:prstGeom>
+          <a:noFill/>
+        </p:spPr>
+        <p:txBody>
+          <a:bodyPr wrap="square" rtlCol="0">
+            <a:spAutoFit/>
+          </a:bodyPr>
           <a:lstStyle/>
           <a:p>
-            <a:pPr rtl="0"/>
+            <a:r>
+              <a:rPr lang="en-US" dirty="0"/>
+              <a:t>The Wilcoxon test tells that the difference between the performances AdaBoost and Random Forest is significant. Given that the mean value of AdaBoost is higher than the one of Random Forest we can conclude that the first model is better.</a:t>
+            </a:r>
+          </a:p>
+        </p:txBody>
+      </p:sp>
+      <p:sp>
+        <p:nvSpPr>
+          <p:cNvPr id="13" name="TextBox 12">
+            <a:extLst>
+              <a:ext uri="{FF2B5EF4-FFF2-40B4-BE49-F238E27FC236}">
+                <a16:creationId xmlns:a16="http://schemas.microsoft.com/office/drawing/2014/main" id="{8BD4491A-727A-5232-3ED1-8340C0DCFF55}"/>
+              </a:ext>
+            </a:extLst>
+          </p:cNvPr>
+          <p:cNvSpPr txBox="1"/>
+          <p:nvPr/>
+        </p:nvSpPr>
+        <p:spPr>
+          <a:xfrm>
+            <a:off x="5203767" y="5068669"/>
+            <a:ext cx="6306726" cy="646331"/>
+          </a:xfrm>
+          <a:prstGeom prst="rect">
+            <a:avLst/>
+          </a:prstGeom>
+          <a:noFill/>
+        </p:spPr>
+        <p:txBody>
+          <a:bodyPr wrap="none" rtlCol="0">
+            <a:spAutoFit/>
+          </a:bodyPr>
+          <a:lstStyle/>
+          <a:p>
             <a:r>
               <a:rPr lang="en-GB" dirty="0"/>
-              <a:t>List the intended outcomes for this training session.</a:t>
-            </a:r>
-          </a:p>
-          <a:p>
-            <a:pPr rtl="0"/>
+              <a:t>As for the comparison with KNN, neither test provides significant </a:t>
+            </a:r>
+          </a:p>
+          <a:p>
             <a:r>
               <a:rPr lang="en-GB" dirty="0"/>
-              <a:t>Each objective should be concise, should contain a verb, and should have a measurable result.</a:t>
-            </a:r>
+              <a:t>Results. So the null hypothesis cannot be rejected. </a:t>
+            </a:r>
+            <a:endParaRPr lang="en-US" dirty="0"/>
           </a:p>
         </p:txBody>
       </p:sp>
@@ -7194,10 +9442,290 @@
       </p:transition>
     </mc:Fallback>
   </mc:AlternateContent>
+  <p:timing>
+    <p:tnLst>
+      <p:par>
+        <p:cTn id="1" dur="indefinite" restart="never" nodeType="tmRoot">
+          <p:childTnLst>
+            <p:seq concurrent="1" nextAc="seek">
+              <p:cTn id="2" dur="indefinite" nodeType="mainSeq">
+                <p:childTnLst>
+                  <p:par>
+                    <p:cTn id="3" fill="hold">
+                      <p:stCondLst>
+                        <p:cond delay="indefinite"/>
+                      </p:stCondLst>
+                      <p:childTnLst>
+                        <p:par>
+                          <p:cTn id="4" fill="hold">
+                            <p:stCondLst>
+                              <p:cond delay="0"/>
+                            </p:stCondLst>
+                            <p:childTnLst>
+                              <p:par>
+                                <p:cTn id="5" presetID="10" presetClass="entr" presetSubtype="0" fill="hold" grpId="0" nodeType="clickEffect">
+                                  <p:stCondLst>
+                                    <p:cond delay="0"/>
+                                  </p:stCondLst>
+                                  <p:childTnLst>
+                                    <p:set>
+                                      <p:cBhvr>
+                                        <p:cTn id="6" dur="1" fill="hold">
+                                          <p:stCondLst>
+                                            <p:cond delay="0"/>
+                                          </p:stCondLst>
+                                        </p:cTn>
+                                        <p:tgtEl>
+                                          <p:spTgt spid="12"/>
+                                        </p:tgtEl>
+                                        <p:attrNameLst>
+                                          <p:attrName>style.visibility</p:attrName>
+                                        </p:attrNameLst>
+                                      </p:cBhvr>
+                                      <p:to>
+                                        <p:strVal val="visible"/>
+                                      </p:to>
+                                    </p:set>
+                                    <p:animEffect transition="in" filter="fade">
+                                      <p:cBhvr>
+                                        <p:cTn id="7" dur="500"/>
+                                        <p:tgtEl>
+                                          <p:spTgt spid="12"/>
+                                        </p:tgtEl>
+                                      </p:cBhvr>
+                                    </p:animEffect>
+                                  </p:childTnLst>
+                                </p:cTn>
+                              </p:par>
+                              <p:par>
+                                <p:cTn id="8" presetID="10" presetClass="entr" presetSubtype="0" fill="hold" nodeType="withEffect">
+                                  <p:stCondLst>
+                                    <p:cond delay="0"/>
+                                  </p:stCondLst>
+                                  <p:childTnLst>
+                                    <p:set>
+                                      <p:cBhvr>
+                                        <p:cTn id="9" dur="1" fill="hold">
+                                          <p:stCondLst>
+                                            <p:cond delay="0"/>
+                                          </p:stCondLst>
+                                        </p:cTn>
+                                        <p:tgtEl>
+                                          <p:spTgt spid="5"/>
+                                        </p:tgtEl>
+                                        <p:attrNameLst>
+                                          <p:attrName>style.visibility</p:attrName>
+                                        </p:attrNameLst>
+                                      </p:cBhvr>
+                                      <p:to>
+                                        <p:strVal val="visible"/>
+                                      </p:to>
+                                    </p:set>
+                                    <p:animEffect transition="in" filter="fade">
+                                      <p:cBhvr>
+                                        <p:cTn id="10" dur="500"/>
+                                        <p:tgtEl>
+                                          <p:spTgt spid="5"/>
+                                        </p:tgtEl>
+                                      </p:cBhvr>
+                                    </p:animEffect>
+                                  </p:childTnLst>
+                                </p:cTn>
+                              </p:par>
+                              <p:par>
+                                <p:cTn id="11" presetID="10" presetClass="entr" presetSubtype="0" fill="hold" nodeType="withEffect">
+                                  <p:stCondLst>
+                                    <p:cond delay="0"/>
+                                  </p:stCondLst>
+                                  <p:childTnLst>
+                                    <p:set>
+                                      <p:cBhvr>
+                                        <p:cTn id="12" dur="1" fill="hold">
+                                          <p:stCondLst>
+                                            <p:cond delay="0"/>
+                                          </p:stCondLst>
+                                        </p:cTn>
+                                        <p:tgtEl>
+                                          <p:spTgt spid="11"/>
+                                        </p:tgtEl>
+                                        <p:attrNameLst>
+                                          <p:attrName>style.visibility</p:attrName>
+                                        </p:attrNameLst>
+                                      </p:cBhvr>
+                                      <p:to>
+                                        <p:strVal val="visible"/>
+                                      </p:to>
+                                    </p:set>
+                                    <p:animEffect transition="in" filter="fade">
+                                      <p:cBhvr>
+                                        <p:cTn id="13" dur="500"/>
+                                        <p:tgtEl>
+                                          <p:spTgt spid="11"/>
+                                        </p:tgtEl>
+                                      </p:cBhvr>
+                                    </p:animEffect>
+                                  </p:childTnLst>
+                                </p:cTn>
+                              </p:par>
+                            </p:childTnLst>
+                          </p:cTn>
+                        </p:par>
+                      </p:childTnLst>
+                    </p:cTn>
+                  </p:par>
+                  <p:par>
+                    <p:cTn id="14" fill="hold">
+                      <p:stCondLst>
+                        <p:cond delay="indefinite"/>
+                      </p:stCondLst>
+                      <p:childTnLst>
+                        <p:par>
+                          <p:cTn id="15" fill="hold">
+                            <p:stCondLst>
+                              <p:cond delay="0"/>
+                            </p:stCondLst>
+                            <p:childTnLst>
+                              <p:par>
+                                <p:cTn id="16" presetID="10" presetClass="entr" presetSubtype="0" fill="hold" grpId="0" nodeType="clickEffect">
+                                  <p:stCondLst>
+                                    <p:cond delay="0"/>
+                                  </p:stCondLst>
+                                  <p:childTnLst>
+                                    <p:set>
+                                      <p:cBhvr>
+                                        <p:cTn id="17" dur="1" fill="hold">
+                                          <p:stCondLst>
+                                            <p:cond delay="0"/>
+                                          </p:stCondLst>
+                                        </p:cTn>
+                                        <p:tgtEl>
+                                          <p:spTgt spid="13"/>
+                                        </p:tgtEl>
+                                        <p:attrNameLst>
+                                          <p:attrName>style.visibility</p:attrName>
+                                        </p:attrNameLst>
+                                      </p:cBhvr>
+                                      <p:to>
+                                        <p:strVal val="visible"/>
+                                      </p:to>
+                                    </p:set>
+                                    <p:animEffect transition="in" filter="fade">
+                                      <p:cBhvr>
+                                        <p:cTn id="18" dur="500"/>
+                                        <p:tgtEl>
+                                          <p:spTgt spid="13"/>
+                                        </p:tgtEl>
+                                      </p:cBhvr>
+                                    </p:animEffect>
+                                  </p:childTnLst>
+                                </p:cTn>
+                              </p:par>
+                              <p:par>
+                                <p:cTn id="19" presetID="10" presetClass="entr" presetSubtype="0" fill="hold" nodeType="withEffect">
+                                  <p:stCondLst>
+                                    <p:cond delay="0"/>
+                                  </p:stCondLst>
+                                  <p:childTnLst>
+                                    <p:set>
+                                      <p:cBhvr>
+                                        <p:cTn id="20" dur="1" fill="hold">
+                                          <p:stCondLst>
+                                            <p:cond delay="0"/>
+                                          </p:stCondLst>
+                                        </p:cTn>
+                                        <p:tgtEl>
+                                          <p:spTgt spid="7"/>
+                                        </p:tgtEl>
+                                        <p:attrNameLst>
+                                          <p:attrName>style.visibility</p:attrName>
+                                        </p:attrNameLst>
+                                      </p:cBhvr>
+                                      <p:to>
+                                        <p:strVal val="visible"/>
+                                      </p:to>
+                                    </p:set>
+                                    <p:animEffect transition="in" filter="fade">
+                                      <p:cBhvr>
+                                        <p:cTn id="21" dur="500"/>
+                                        <p:tgtEl>
+                                          <p:spTgt spid="7"/>
+                                        </p:tgtEl>
+                                      </p:cBhvr>
+                                    </p:animEffect>
+                                  </p:childTnLst>
+                                </p:cTn>
+                              </p:par>
+                              <p:par>
+                                <p:cTn id="22" presetID="10" presetClass="entr" presetSubtype="0" fill="hold" nodeType="withEffect">
+                                  <p:stCondLst>
+                                    <p:cond delay="0"/>
+                                  </p:stCondLst>
+                                  <p:childTnLst>
+                                    <p:set>
+                                      <p:cBhvr>
+                                        <p:cTn id="23" dur="1" fill="hold">
+                                          <p:stCondLst>
+                                            <p:cond delay="0"/>
+                                          </p:stCondLst>
+                                        </p:cTn>
+                                        <p:tgtEl>
+                                          <p:spTgt spid="9"/>
+                                        </p:tgtEl>
+                                        <p:attrNameLst>
+                                          <p:attrName>style.visibility</p:attrName>
+                                        </p:attrNameLst>
+                                      </p:cBhvr>
+                                      <p:to>
+                                        <p:strVal val="visible"/>
+                                      </p:to>
+                                    </p:set>
+                                    <p:animEffect transition="in" filter="fade">
+                                      <p:cBhvr>
+                                        <p:cTn id="24" dur="500"/>
+                                        <p:tgtEl>
+                                          <p:spTgt spid="9"/>
+                                        </p:tgtEl>
+                                      </p:cBhvr>
+                                    </p:animEffect>
+                                  </p:childTnLst>
+                                </p:cTn>
+                              </p:par>
+                            </p:childTnLst>
+                          </p:cTn>
+                        </p:par>
+                      </p:childTnLst>
+                    </p:cTn>
+                  </p:par>
+                </p:childTnLst>
+              </p:cTn>
+              <p:prevCondLst>
+                <p:cond evt="onPrev" delay="0">
+                  <p:tgtEl>
+                    <p:sldTgt/>
+                  </p:tgtEl>
+                </p:cond>
+              </p:prevCondLst>
+              <p:nextCondLst>
+                <p:cond evt="onNext" delay="0">
+                  <p:tgtEl>
+                    <p:sldTgt/>
+                  </p:tgtEl>
+                </p:cond>
+              </p:nextCondLst>
+            </p:seq>
+          </p:childTnLst>
+        </p:cTn>
+      </p:par>
+    </p:tnLst>
+    <p:bldLst>
+      <p:bldP spid="12" grpId="0"/>
+      <p:bldP spid="13" grpId="0"/>
+    </p:bldLst>
+  </p:timing>
 </p:sld>
 </file>
 
-<file path=ppt/slides/slide14.xml><?xml version="1.0" encoding="utf-8"?>
+<file path=ppt/slides/slide17.xml><?xml version="1.0" encoding="utf-8"?>
 <p:sld xmlns:a="http://schemas.openxmlformats.org/drawingml/2006/main" xmlns:r="http://schemas.openxmlformats.org/officeDocument/2006/relationships" xmlns:p="http://schemas.openxmlformats.org/presentationml/2006/main">
   <p:cSld>
     <p:spTree>
@@ -7232,44 +9760,7 @@
             <a:pPr rtl="0"/>
             <a:r>
               <a:rPr lang="en-GB" dirty="0"/>
-              <a:t>Lesson 3: Content</a:t>
-            </a:r>
-          </a:p>
-        </p:txBody>
-      </p:sp>
-      <p:sp>
-        <p:nvSpPr>
-          <p:cNvPr id="4" name="Text Placeholder 3"/>
-          <p:cNvSpPr>
-            <a:spLocks noGrp="1"/>
-          </p:cNvSpPr>
-          <p:nvPr>
-            <p:ph sz="half" idx="1"/>
-          </p:nvPr>
-        </p:nvSpPr>
-        <p:spPr/>
-        <p:txBody>
-          <a:bodyPr rtlCol="0"/>
-          <a:lstStyle/>
-          <a:p>
-            <a:pPr rtl="0"/>
-            <a:r>
-              <a:rPr lang="en-GB" dirty="0"/>
-              <a:t>Add text here. </a:t>
-            </a:r>
-          </a:p>
-          <a:p>
-            <a:pPr rtl="0"/>
-            <a:r>
-              <a:rPr lang="en-GB" dirty="0"/>
-              <a:t>To add a picture, chart or other content in the right column, click the appropriate icon.</a:t>
-            </a:r>
-          </a:p>
-          <a:p>
-            <a:pPr rtl="0"/>
-            <a:r>
-              <a:rPr lang="en-GB" dirty="0"/>
-              <a:t>To add a slide, click New Slide on the Insert menu, or press CTRL+M.</a:t>
+              <a:t>Rule analysis</a:t>
             </a:r>
           </a:p>
         </p:txBody>
@@ -7284,16 +9775,1774 @@
             <p:ph sz="half" idx="2"/>
           </p:nvPr>
         </p:nvSpPr>
-        <p:spPr/>
+        <p:spPr>
+          <a:xfrm>
+            <a:off x="609600" y="2249425"/>
+            <a:ext cx="10972800" cy="4341875"/>
+          </a:xfrm>
+        </p:spPr>
         <p:txBody>
           <a:bodyPr rtlCol="0"/>
           <a:lstStyle/>
           <a:p>
-            <a:pPr rtl="0"/>
-            <a:endParaRPr lang="en-GB" dirty="0"/>
-          </a:p>
-        </p:txBody>
-      </p:sp>
+            <a:pPr marL="109728" indent="0" rtl="0">
+              <a:buNone/>
+            </a:pPr>
+            <a:r>
+              <a:rPr lang="en-GB" dirty="0"/>
+              <a:t>It is possible to extract from the AdaBoost classifier the trees that it is composed of to understand why the performances for some testers are not good.</a:t>
+            </a:r>
+          </a:p>
+        </p:txBody>
+      </p:sp>
+      <p:grpSp>
+        <p:nvGrpSpPr>
+          <p:cNvPr id="65" name="Group 64">
+            <a:extLst>
+              <a:ext uri="{FF2B5EF4-FFF2-40B4-BE49-F238E27FC236}">
+                <a16:creationId xmlns:a16="http://schemas.microsoft.com/office/drawing/2014/main" id="{8C6968D6-D9CB-5BBD-FAF2-185E9DE47F9D}"/>
+              </a:ext>
+            </a:extLst>
+          </p:cNvPr>
+          <p:cNvGrpSpPr/>
+          <p:nvPr/>
+        </p:nvGrpSpPr>
+        <p:grpSpPr>
+          <a:xfrm>
+            <a:off x="1233062" y="3054620"/>
+            <a:ext cx="2556369" cy="3180928"/>
+            <a:chOff x="1538344" y="3064586"/>
+            <a:chExt cx="2556369" cy="3180928"/>
+          </a:xfrm>
+        </p:grpSpPr>
+        <p:pic>
+          <p:nvPicPr>
+            <p:cNvPr id="23" name="Picture 22">
+              <a:extLst>
+                <a:ext uri="{FF2B5EF4-FFF2-40B4-BE49-F238E27FC236}">
+                  <a16:creationId xmlns:a16="http://schemas.microsoft.com/office/drawing/2014/main" id="{84A0B93F-0F12-288B-30C6-AB565A427E56}"/>
+                </a:ext>
+              </a:extLst>
+            </p:cNvPr>
+            <p:cNvPicPr>
+              <a:picLocks noChangeAspect="1"/>
+            </p:cNvPicPr>
+            <p:nvPr/>
+          </p:nvPicPr>
+          <p:blipFill>
+            <a:blip r:embed="rId3">
+              <a:extLst>
+                <a:ext uri="{28A0092B-C50C-407E-A947-70E740481C1C}">
+                  <a14:useLocalDpi xmlns:a14="http://schemas.microsoft.com/office/drawing/2010/main" val="0"/>
+                </a:ext>
+              </a:extLst>
+            </a:blip>
+            <a:stretch>
+              <a:fillRect/>
+            </a:stretch>
+          </p:blipFill>
+          <p:spPr>
+            <a:xfrm>
+              <a:off x="1538344" y="3064586"/>
+              <a:ext cx="2556369" cy="3099037"/>
+            </a:xfrm>
+            <a:prstGeom prst="rect">
+              <a:avLst/>
+            </a:prstGeom>
+          </p:spPr>
+        </p:pic>
+        <p:sp>
+          <p:nvSpPr>
+            <p:cNvPr id="25" name="TextBox 24">
+              <a:extLst>
+                <a:ext uri="{FF2B5EF4-FFF2-40B4-BE49-F238E27FC236}">
+                  <a16:creationId xmlns:a16="http://schemas.microsoft.com/office/drawing/2014/main" id="{C58EACA0-B38B-1008-6BC0-2750D5CDDA51}"/>
+                </a:ext>
+              </a:extLst>
+            </p:cNvPr>
+            <p:cNvSpPr txBox="1"/>
+            <p:nvPr/>
+          </p:nvSpPr>
+          <p:spPr>
+            <a:xfrm>
+              <a:off x="2267687" y="3367729"/>
+              <a:ext cx="223414" cy="276999"/>
+            </a:xfrm>
+            <a:prstGeom prst="rect">
+              <a:avLst/>
+            </a:prstGeom>
+            <a:noFill/>
+          </p:spPr>
+          <p:txBody>
+            <a:bodyPr wrap="square" rtlCol="0">
+              <a:spAutoFit/>
+            </a:bodyPr>
+            <a:lstStyle/>
+            <a:p>
+              <a:pPr algn="ctr"/>
+              <a:r>
+                <a:rPr lang="en-US" sz="1200" dirty="0">
+                  <a:solidFill>
+                    <a:srgbClr val="FFC000"/>
+                  </a:solidFill>
+                </a:rPr>
+                <a:t>1</a:t>
+              </a:r>
+            </a:p>
+          </p:txBody>
+        </p:sp>
+        <p:sp>
+          <p:nvSpPr>
+            <p:cNvPr id="32" name="TextBox 31">
+              <a:extLst>
+                <a:ext uri="{FF2B5EF4-FFF2-40B4-BE49-F238E27FC236}">
+                  <a16:creationId xmlns:a16="http://schemas.microsoft.com/office/drawing/2014/main" id="{9FAFFE68-3447-9676-460B-5C49277A2A7C}"/>
+                </a:ext>
+              </a:extLst>
+            </p:cNvPr>
+            <p:cNvSpPr txBox="1"/>
+            <p:nvPr/>
+          </p:nvSpPr>
+          <p:spPr>
+            <a:xfrm>
+              <a:off x="2267687" y="3616678"/>
+              <a:ext cx="286657" cy="276999"/>
+            </a:xfrm>
+            <a:prstGeom prst="rect">
+              <a:avLst/>
+            </a:prstGeom>
+            <a:noFill/>
+          </p:spPr>
+          <p:txBody>
+            <a:bodyPr wrap="square">
+              <a:spAutoFit/>
+            </a:bodyPr>
+            <a:lstStyle/>
+            <a:p>
+              <a:r>
+                <a:rPr lang="en-US" sz="1200" dirty="0">
+                  <a:solidFill>
+                    <a:srgbClr val="FFC000"/>
+                  </a:solidFill>
+                </a:rPr>
+                <a:t>2</a:t>
+              </a:r>
+            </a:p>
+          </p:txBody>
+        </p:sp>
+        <p:sp>
+          <p:nvSpPr>
+            <p:cNvPr id="36" name="TextBox 35">
+              <a:extLst>
+                <a:ext uri="{FF2B5EF4-FFF2-40B4-BE49-F238E27FC236}">
+                  <a16:creationId xmlns:a16="http://schemas.microsoft.com/office/drawing/2014/main" id="{DFF13D09-7A7E-8AC9-41A9-7BD2C4629015}"/>
+                </a:ext>
+              </a:extLst>
+            </p:cNvPr>
+            <p:cNvSpPr txBox="1"/>
+            <p:nvPr/>
+          </p:nvSpPr>
+          <p:spPr>
+            <a:xfrm>
+              <a:off x="2267687" y="3989610"/>
+              <a:ext cx="286657" cy="276999"/>
+            </a:xfrm>
+            <a:prstGeom prst="rect">
+              <a:avLst/>
+            </a:prstGeom>
+            <a:noFill/>
+          </p:spPr>
+          <p:txBody>
+            <a:bodyPr wrap="square">
+              <a:spAutoFit/>
+            </a:bodyPr>
+            <a:lstStyle/>
+            <a:p>
+              <a:r>
+                <a:rPr lang="en-US" sz="1200" dirty="0">
+                  <a:solidFill>
+                    <a:srgbClr val="FFC000"/>
+                  </a:solidFill>
+                </a:rPr>
+                <a:t>3</a:t>
+              </a:r>
+            </a:p>
+          </p:txBody>
+        </p:sp>
+        <p:sp>
+          <p:nvSpPr>
+            <p:cNvPr id="44" name="TextBox 43">
+              <a:extLst>
+                <a:ext uri="{FF2B5EF4-FFF2-40B4-BE49-F238E27FC236}">
+                  <a16:creationId xmlns:a16="http://schemas.microsoft.com/office/drawing/2014/main" id="{73797223-809C-6BFE-39A7-7E992BAFA65E}"/>
+                </a:ext>
+              </a:extLst>
+            </p:cNvPr>
+            <p:cNvSpPr txBox="1"/>
+            <p:nvPr/>
+          </p:nvSpPr>
+          <p:spPr>
+            <a:xfrm>
+              <a:off x="2491101" y="4482024"/>
+              <a:ext cx="286657" cy="276999"/>
+            </a:xfrm>
+            <a:prstGeom prst="rect">
+              <a:avLst/>
+            </a:prstGeom>
+            <a:noFill/>
+          </p:spPr>
+          <p:txBody>
+            <a:bodyPr wrap="square">
+              <a:spAutoFit/>
+            </a:bodyPr>
+            <a:lstStyle/>
+            <a:p>
+              <a:r>
+                <a:rPr lang="en-US" sz="1200" dirty="0">
+                  <a:solidFill>
+                    <a:srgbClr val="FFC000"/>
+                  </a:solidFill>
+                </a:rPr>
+                <a:t>4</a:t>
+              </a:r>
+            </a:p>
+          </p:txBody>
+        </p:sp>
+        <p:sp>
+          <p:nvSpPr>
+            <p:cNvPr id="47" name="TextBox 46">
+              <a:extLst>
+                <a:ext uri="{FF2B5EF4-FFF2-40B4-BE49-F238E27FC236}">
+                  <a16:creationId xmlns:a16="http://schemas.microsoft.com/office/drawing/2014/main" id="{8B13C341-01AF-0A44-F603-D6B36C052CBE}"/>
+                </a:ext>
+              </a:extLst>
+            </p:cNvPr>
+            <p:cNvSpPr txBox="1"/>
+            <p:nvPr/>
+          </p:nvSpPr>
+          <p:spPr>
+            <a:xfrm>
+              <a:off x="2482806" y="4740824"/>
+              <a:ext cx="286657" cy="276999"/>
+            </a:xfrm>
+            <a:prstGeom prst="rect">
+              <a:avLst/>
+            </a:prstGeom>
+            <a:noFill/>
+          </p:spPr>
+          <p:txBody>
+            <a:bodyPr wrap="square">
+              <a:spAutoFit/>
+            </a:bodyPr>
+            <a:lstStyle/>
+            <a:p>
+              <a:r>
+                <a:rPr lang="en-US" sz="1200" dirty="0">
+                  <a:solidFill>
+                    <a:srgbClr val="FFC000"/>
+                  </a:solidFill>
+                </a:rPr>
+                <a:t>5</a:t>
+              </a:r>
+            </a:p>
+          </p:txBody>
+        </p:sp>
+        <p:sp>
+          <p:nvSpPr>
+            <p:cNvPr id="50" name="TextBox 49">
+              <a:extLst>
+                <a:ext uri="{FF2B5EF4-FFF2-40B4-BE49-F238E27FC236}">
+                  <a16:creationId xmlns:a16="http://schemas.microsoft.com/office/drawing/2014/main" id="{040390EA-74D0-EFED-0DF8-54BF15DFACB5}"/>
+                </a:ext>
+              </a:extLst>
+            </p:cNvPr>
+            <p:cNvSpPr txBox="1"/>
+            <p:nvPr/>
+          </p:nvSpPr>
+          <p:spPr>
+            <a:xfrm>
+              <a:off x="2369579" y="4974438"/>
+              <a:ext cx="286657" cy="276999"/>
+            </a:xfrm>
+            <a:prstGeom prst="rect">
+              <a:avLst/>
+            </a:prstGeom>
+            <a:noFill/>
+          </p:spPr>
+          <p:txBody>
+            <a:bodyPr wrap="square">
+              <a:spAutoFit/>
+            </a:bodyPr>
+            <a:lstStyle/>
+            <a:p>
+              <a:r>
+                <a:rPr lang="en-US" sz="1200" dirty="0">
+                  <a:solidFill>
+                    <a:srgbClr val="FFC000"/>
+                  </a:solidFill>
+                </a:rPr>
+                <a:t>6</a:t>
+              </a:r>
+            </a:p>
+          </p:txBody>
+        </p:sp>
+        <p:sp>
+          <p:nvSpPr>
+            <p:cNvPr id="57" name="TextBox 56">
+              <a:extLst>
+                <a:ext uri="{FF2B5EF4-FFF2-40B4-BE49-F238E27FC236}">
+                  <a16:creationId xmlns:a16="http://schemas.microsoft.com/office/drawing/2014/main" id="{6204B382-282F-12DA-73C6-2AFCDEA928F6}"/>
+                </a:ext>
+              </a:extLst>
+            </p:cNvPr>
+            <p:cNvSpPr txBox="1"/>
+            <p:nvPr/>
+          </p:nvSpPr>
+          <p:spPr>
+            <a:xfrm>
+              <a:off x="2180440" y="5344687"/>
+              <a:ext cx="286657" cy="276999"/>
+            </a:xfrm>
+            <a:prstGeom prst="rect">
+              <a:avLst/>
+            </a:prstGeom>
+            <a:noFill/>
+          </p:spPr>
+          <p:txBody>
+            <a:bodyPr wrap="square">
+              <a:spAutoFit/>
+            </a:bodyPr>
+            <a:lstStyle/>
+            <a:p>
+              <a:r>
+                <a:rPr lang="en-US" sz="1200" dirty="0">
+                  <a:solidFill>
+                    <a:srgbClr val="FFC000"/>
+                  </a:solidFill>
+                </a:rPr>
+                <a:t>7</a:t>
+              </a:r>
+            </a:p>
+          </p:txBody>
+        </p:sp>
+        <p:sp>
+          <p:nvSpPr>
+            <p:cNvPr id="58" name="TextBox 57">
+              <a:extLst>
+                <a:ext uri="{FF2B5EF4-FFF2-40B4-BE49-F238E27FC236}">
+                  <a16:creationId xmlns:a16="http://schemas.microsoft.com/office/drawing/2014/main" id="{C8B6B625-999F-51B5-417C-A27724F25C7C}"/>
+                </a:ext>
+              </a:extLst>
+            </p:cNvPr>
+            <p:cNvSpPr txBox="1"/>
+            <p:nvPr/>
+          </p:nvSpPr>
+          <p:spPr>
+            <a:xfrm>
+              <a:off x="2281133" y="5732944"/>
+              <a:ext cx="286657" cy="276999"/>
+            </a:xfrm>
+            <a:prstGeom prst="rect">
+              <a:avLst/>
+            </a:prstGeom>
+            <a:noFill/>
+          </p:spPr>
+          <p:txBody>
+            <a:bodyPr wrap="square">
+              <a:spAutoFit/>
+            </a:bodyPr>
+            <a:lstStyle/>
+            <a:p>
+              <a:r>
+                <a:rPr lang="en-US" sz="1200" dirty="0">
+                  <a:solidFill>
+                    <a:srgbClr val="FFC000"/>
+                  </a:solidFill>
+                </a:rPr>
+                <a:t>8</a:t>
+              </a:r>
+            </a:p>
+          </p:txBody>
+        </p:sp>
+        <p:sp>
+          <p:nvSpPr>
+            <p:cNvPr id="59" name="TextBox 58">
+              <a:extLst>
+                <a:ext uri="{FF2B5EF4-FFF2-40B4-BE49-F238E27FC236}">
+                  <a16:creationId xmlns:a16="http://schemas.microsoft.com/office/drawing/2014/main" id="{0BB09AA0-898F-22DF-AC9F-D181A0937A7E}"/>
+                </a:ext>
+              </a:extLst>
+            </p:cNvPr>
+            <p:cNvSpPr txBox="1"/>
+            <p:nvPr/>
+          </p:nvSpPr>
+          <p:spPr>
+            <a:xfrm>
+              <a:off x="2281133" y="5968515"/>
+              <a:ext cx="286657" cy="276999"/>
+            </a:xfrm>
+            <a:prstGeom prst="rect">
+              <a:avLst/>
+            </a:prstGeom>
+            <a:noFill/>
+          </p:spPr>
+          <p:txBody>
+            <a:bodyPr wrap="square">
+              <a:spAutoFit/>
+            </a:bodyPr>
+            <a:lstStyle/>
+            <a:p>
+              <a:r>
+                <a:rPr lang="en-US" sz="1200" dirty="0">
+                  <a:solidFill>
+                    <a:srgbClr val="FFC000"/>
+                  </a:solidFill>
+                </a:rPr>
+                <a:t>9</a:t>
+              </a:r>
+            </a:p>
+          </p:txBody>
+        </p:sp>
+      </p:grpSp>
+      <p:grpSp>
+        <p:nvGrpSpPr>
+          <p:cNvPr id="69" name="Group 68">
+            <a:extLst>
+              <a:ext uri="{FF2B5EF4-FFF2-40B4-BE49-F238E27FC236}">
+                <a16:creationId xmlns:a16="http://schemas.microsoft.com/office/drawing/2014/main" id="{BC2C5F9E-897F-D25D-D1E5-CEED08037DA7}"/>
+              </a:ext>
+            </a:extLst>
+          </p:cNvPr>
+          <p:cNvGrpSpPr/>
+          <p:nvPr/>
+        </p:nvGrpSpPr>
+        <p:grpSpPr>
+          <a:xfrm>
+            <a:off x="4038895" y="3325169"/>
+            <a:ext cx="2373566" cy="2608526"/>
+            <a:chOff x="4092413" y="3454760"/>
+            <a:chExt cx="2373566" cy="2608526"/>
+          </a:xfrm>
+        </p:grpSpPr>
+        <p:sp>
+          <p:nvSpPr>
+            <p:cNvPr id="66" name="TextBox 65">
+              <a:extLst>
+                <a:ext uri="{FF2B5EF4-FFF2-40B4-BE49-F238E27FC236}">
+                  <a16:creationId xmlns:a16="http://schemas.microsoft.com/office/drawing/2014/main" id="{1141E5EA-17CE-4439-E39F-37A1962B9A3A}"/>
+                </a:ext>
+              </a:extLst>
+            </p:cNvPr>
+            <p:cNvSpPr txBox="1"/>
+            <p:nvPr/>
+          </p:nvSpPr>
+          <p:spPr>
+            <a:xfrm rot="16200000">
+              <a:off x="3735264" y="4514278"/>
+              <a:ext cx="975907" cy="261610"/>
+            </a:xfrm>
+            <a:prstGeom prst="rect">
+              <a:avLst/>
+            </a:prstGeom>
+            <a:noFill/>
+          </p:spPr>
+          <p:txBody>
+            <a:bodyPr wrap="square" rtlCol="0">
+              <a:spAutoFit/>
+            </a:bodyPr>
+            <a:lstStyle/>
+            <a:p>
+              <a:pPr algn="ctr"/>
+              <a:r>
+                <a:rPr lang="en-US" sz="1100" dirty="0"/>
+                <a:t>True Class</a:t>
+              </a:r>
+            </a:p>
+          </p:txBody>
+        </p:sp>
+        <p:grpSp>
+          <p:nvGrpSpPr>
+            <p:cNvPr id="68" name="Group 67">
+              <a:extLst>
+                <a:ext uri="{FF2B5EF4-FFF2-40B4-BE49-F238E27FC236}">
+                  <a16:creationId xmlns:a16="http://schemas.microsoft.com/office/drawing/2014/main" id="{07C2922C-F2CC-72E4-D208-D2BD1802B8F6}"/>
+                </a:ext>
+              </a:extLst>
+            </p:cNvPr>
+            <p:cNvGrpSpPr/>
+            <p:nvPr/>
+          </p:nvGrpSpPr>
+          <p:grpSpPr>
+            <a:xfrm>
+              <a:off x="4347160" y="3454760"/>
+              <a:ext cx="2118819" cy="2608526"/>
+              <a:chOff x="4318910" y="3490794"/>
+              <a:chExt cx="2118819" cy="2608526"/>
+            </a:xfrm>
+          </p:grpSpPr>
+          <p:pic>
+            <p:nvPicPr>
+              <p:cNvPr id="63" name="Picture 62" descr="A screenshot of a graph&#10;&#10;Description automatically generated">
+                <a:extLst>
+                  <a:ext uri="{FF2B5EF4-FFF2-40B4-BE49-F238E27FC236}">
+                    <a16:creationId xmlns:a16="http://schemas.microsoft.com/office/drawing/2014/main" id="{FB413CAD-B9C0-FD9D-76D5-B879566C1988}"/>
+                  </a:ext>
+                </a:extLst>
+              </p:cNvPr>
+              <p:cNvPicPr>
+                <a:picLocks noChangeAspect="1"/>
+              </p:cNvPicPr>
+              <p:nvPr/>
+            </p:nvPicPr>
+            <p:blipFill>
+              <a:blip r:embed="rId4" cstate="print">
+                <a:extLst>
+                  <a:ext uri="{28A0092B-C50C-407E-A947-70E740481C1C}">
+                    <a14:useLocalDpi xmlns:a14="http://schemas.microsoft.com/office/drawing/2010/main" val="0"/>
+                  </a:ext>
+                </a:extLst>
+              </a:blip>
+              <a:stretch>
+                <a:fillRect/>
+              </a:stretch>
+            </p:blipFill>
+            <p:spPr>
+              <a:xfrm>
+                <a:off x="4318910" y="3490794"/>
+                <a:ext cx="2118819" cy="2380649"/>
+              </a:xfrm>
+              <a:prstGeom prst="rect">
+                <a:avLst/>
+              </a:prstGeom>
+            </p:spPr>
+          </p:pic>
+          <p:sp>
+            <p:nvSpPr>
+              <p:cNvPr id="67" name="TextBox 66">
+                <a:extLst>
+                  <a:ext uri="{FF2B5EF4-FFF2-40B4-BE49-F238E27FC236}">
+                    <a16:creationId xmlns:a16="http://schemas.microsoft.com/office/drawing/2014/main" id="{F20B700F-D03A-BCA7-CB7E-778C9DEAC45D}"/>
+                  </a:ext>
+                </a:extLst>
+              </p:cNvPr>
+              <p:cNvSpPr txBox="1"/>
+              <p:nvPr/>
+            </p:nvSpPr>
+            <p:spPr>
+              <a:xfrm>
+                <a:off x="4852066" y="5837710"/>
+                <a:ext cx="1211076" cy="261610"/>
+              </a:xfrm>
+              <a:prstGeom prst="rect">
+                <a:avLst/>
+              </a:prstGeom>
+              <a:noFill/>
+            </p:spPr>
+            <p:txBody>
+              <a:bodyPr wrap="square" rtlCol="0">
+                <a:spAutoFit/>
+              </a:bodyPr>
+              <a:lstStyle/>
+              <a:p>
+                <a:pPr algn="ctr"/>
+                <a:r>
+                  <a:rPr lang="en-US" sz="1100" dirty="0"/>
+                  <a:t>Predicted Class</a:t>
+                </a:r>
+              </a:p>
+            </p:txBody>
+          </p:sp>
+        </p:grpSp>
+      </p:grpSp>
+      <p:grpSp>
+        <p:nvGrpSpPr>
+          <p:cNvPr id="73" name="Group 72">
+            <a:extLst>
+              <a:ext uri="{FF2B5EF4-FFF2-40B4-BE49-F238E27FC236}">
+                <a16:creationId xmlns:a16="http://schemas.microsoft.com/office/drawing/2014/main" id="{AFD1CAE8-5464-3935-021C-E62E0FCC1B5F}"/>
+              </a:ext>
+            </a:extLst>
+          </p:cNvPr>
+          <p:cNvGrpSpPr/>
+          <p:nvPr/>
+        </p:nvGrpSpPr>
+        <p:grpSpPr>
+          <a:xfrm>
+            <a:off x="6916672" y="3004237"/>
+            <a:ext cx="4296168" cy="3212639"/>
+            <a:chOff x="6916672" y="3004237"/>
+            <a:chExt cx="4296168" cy="3212639"/>
+          </a:xfrm>
+        </p:grpSpPr>
+        <p:grpSp>
+          <p:nvGrpSpPr>
+            <p:cNvPr id="64" name="Group 63">
+              <a:extLst>
+                <a:ext uri="{FF2B5EF4-FFF2-40B4-BE49-F238E27FC236}">
+                  <a16:creationId xmlns:a16="http://schemas.microsoft.com/office/drawing/2014/main" id="{F6F4FF47-36B3-DE0E-5DCB-D8174447929A}"/>
+                </a:ext>
+              </a:extLst>
+            </p:cNvPr>
+            <p:cNvGrpSpPr/>
+            <p:nvPr/>
+          </p:nvGrpSpPr>
+          <p:grpSpPr>
+            <a:xfrm>
+              <a:off x="6916672" y="3004237"/>
+              <a:ext cx="4296168" cy="3212639"/>
+              <a:chOff x="6661926" y="3050828"/>
+              <a:chExt cx="4296168" cy="3212639"/>
+            </a:xfrm>
+          </p:grpSpPr>
+          <p:pic>
+            <p:nvPicPr>
+              <p:cNvPr id="13" name="Picture 12" descr="A graph with green and blue dots&#10;&#10;Description automatically generated">
+                <a:extLst>
+                  <a:ext uri="{FF2B5EF4-FFF2-40B4-BE49-F238E27FC236}">
+                    <a16:creationId xmlns:a16="http://schemas.microsoft.com/office/drawing/2014/main" id="{EEBD9AB1-11E6-327C-0794-99BBB8F2A0BD}"/>
+                  </a:ext>
+                </a:extLst>
+              </p:cNvPr>
+              <p:cNvPicPr>
+                <a:picLocks noChangeAspect="1"/>
+              </p:cNvPicPr>
+              <p:nvPr/>
+            </p:nvPicPr>
+            <p:blipFill>
+              <a:blip r:embed="rId5">
+                <a:extLst>
+                  <a:ext uri="{28A0092B-C50C-407E-A947-70E740481C1C}">
+                    <a14:useLocalDpi xmlns:a14="http://schemas.microsoft.com/office/drawing/2010/main" val="0"/>
+                  </a:ext>
+                </a:extLst>
+              </a:blip>
+              <a:stretch>
+                <a:fillRect/>
+              </a:stretch>
+            </p:blipFill>
+            <p:spPr>
+              <a:xfrm>
+                <a:off x="6661926" y="3050828"/>
+                <a:ext cx="4103950" cy="3212639"/>
+              </a:xfrm>
+              <a:prstGeom prst="rect">
+                <a:avLst/>
+              </a:prstGeom>
+            </p:spPr>
+          </p:pic>
+          <p:sp>
+            <p:nvSpPr>
+              <p:cNvPr id="24" name="Rectangle 23">
+                <a:extLst>
+                  <a:ext uri="{FF2B5EF4-FFF2-40B4-BE49-F238E27FC236}">
+                    <a16:creationId xmlns:a16="http://schemas.microsoft.com/office/drawing/2014/main" id="{D7D66851-4F5A-D867-B9D5-770C6C95513B}"/>
+                  </a:ext>
+                </a:extLst>
+              </p:cNvPr>
+              <p:cNvSpPr/>
+              <p:nvPr/>
+            </p:nvSpPr>
+            <p:spPr>
+              <a:xfrm>
+                <a:off x="7173684" y="5102524"/>
+                <a:ext cx="878114" cy="805543"/>
+              </a:xfrm>
+              <a:prstGeom prst="rect">
+                <a:avLst/>
+              </a:prstGeom>
+              <a:noFill/>
+              <a:ln>
+                <a:solidFill>
+                  <a:srgbClr val="0070C0"/>
+                </a:solidFill>
+              </a:ln>
+            </p:spPr>
+            <p:style>
+              <a:lnRef idx="2">
+                <a:schemeClr val="accent1">
+                  <a:shade val="15000"/>
+                </a:schemeClr>
+              </a:lnRef>
+              <a:fillRef idx="1">
+                <a:schemeClr val="accent1"/>
+              </a:fillRef>
+              <a:effectRef idx="0">
+                <a:schemeClr val="accent1"/>
+              </a:effectRef>
+              <a:fontRef idx="minor">
+                <a:schemeClr val="lt1"/>
+              </a:fontRef>
+            </p:style>
+            <p:txBody>
+              <a:bodyPr rtlCol="0" anchor="ctr"/>
+              <a:lstStyle/>
+              <a:p>
+                <a:pPr algn="ctr"/>
+                <a:endParaRPr lang="en-US"/>
+              </a:p>
+            </p:txBody>
+          </p:sp>
+          <p:sp>
+            <p:nvSpPr>
+              <p:cNvPr id="28" name="TextBox 27">
+                <a:extLst>
+                  <a:ext uri="{FF2B5EF4-FFF2-40B4-BE49-F238E27FC236}">
+                    <a16:creationId xmlns:a16="http://schemas.microsoft.com/office/drawing/2014/main" id="{6BA99804-9FAC-5C7F-8B43-A6BBEDDE6CC0}"/>
+                  </a:ext>
+                </a:extLst>
+              </p:cNvPr>
+              <p:cNvSpPr txBox="1"/>
+              <p:nvPr/>
+            </p:nvSpPr>
+            <p:spPr>
+              <a:xfrm>
+                <a:off x="7461898" y="5320629"/>
+                <a:ext cx="301686" cy="369332"/>
+              </a:xfrm>
+              <a:prstGeom prst="rect">
+                <a:avLst/>
+              </a:prstGeom>
+              <a:noFill/>
+            </p:spPr>
+            <p:txBody>
+              <a:bodyPr wrap="none" rtlCol="0">
+                <a:spAutoFit/>
+              </a:bodyPr>
+              <a:lstStyle/>
+              <a:p>
+                <a:r>
+                  <a:rPr lang="en-US" dirty="0">
+                    <a:solidFill>
+                      <a:srgbClr val="0070C0"/>
+                    </a:solidFill>
+                  </a:rPr>
+                  <a:t>1</a:t>
+                </a:r>
+              </a:p>
+            </p:txBody>
+          </p:sp>
+          <p:sp>
+            <p:nvSpPr>
+              <p:cNvPr id="29" name="Rectangle 28">
+                <a:extLst>
+                  <a:ext uri="{FF2B5EF4-FFF2-40B4-BE49-F238E27FC236}">
+                    <a16:creationId xmlns:a16="http://schemas.microsoft.com/office/drawing/2014/main" id="{90177FC0-799A-F386-9380-9788520ADF94}"/>
+                  </a:ext>
+                </a:extLst>
+              </p:cNvPr>
+              <p:cNvSpPr/>
+              <p:nvPr/>
+            </p:nvSpPr>
+            <p:spPr>
+              <a:xfrm>
+                <a:off x="8051798" y="5102524"/>
+                <a:ext cx="2659743" cy="805543"/>
+              </a:xfrm>
+              <a:prstGeom prst="rect">
+                <a:avLst/>
+              </a:prstGeom>
+              <a:noFill/>
+              <a:ln>
+                <a:solidFill>
+                  <a:srgbClr val="C00000"/>
+                </a:solidFill>
+              </a:ln>
+            </p:spPr>
+            <p:style>
+              <a:lnRef idx="2">
+                <a:schemeClr val="accent1">
+                  <a:shade val="15000"/>
+                </a:schemeClr>
+              </a:lnRef>
+              <a:fillRef idx="1">
+                <a:schemeClr val="accent1"/>
+              </a:fillRef>
+              <a:effectRef idx="0">
+                <a:schemeClr val="accent1"/>
+              </a:effectRef>
+              <a:fontRef idx="minor">
+                <a:schemeClr val="lt1"/>
+              </a:fontRef>
+            </p:style>
+            <p:txBody>
+              <a:bodyPr rtlCol="0" anchor="ctr"/>
+              <a:lstStyle/>
+              <a:p>
+                <a:pPr algn="ctr"/>
+                <a:endParaRPr lang="en-US"/>
+              </a:p>
+            </p:txBody>
+          </p:sp>
+          <p:sp>
+            <p:nvSpPr>
+              <p:cNvPr id="30" name="TextBox 29">
+                <a:extLst>
+                  <a:ext uri="{FF2B5EF4-FFF2-40B4-BE49-F238E27FC236}">
+                    <a16:creationId xmlns:a16="http://schemas.microsoft.com/office/drawing/2014/main" id="{72633177-579F-03E2-3A50-590D70710FE4}"/>
+                  </a:ext>
+                </a:extLst>
+              </p:cNvPr>
+              <p:cNvSpPr txBox="1"/>
+              <p:nvPr/>
+            </p:nvSpPr>
+            <p:spPr>
+              <a:xfrm>
+                <a:off x="9230826" y="5320629"/>
+                <a:ext cx="301686" cy="369332"/>
+              </a:xfrm>
+              <a:prstGeom prst="rect">
+                <a:avLst/>
+              </a:prstGeom>
+              <a:noFill/>
+            </p:spPr>
+            <p:txBody>
+              <a:bodyPr wrap="none" rtlCol="0">
+                <a:spAutoFit/>
+              </a:bodyPr>
+              <a:lstStyle/>
+              <a:p>
+                <a:r>
+                  <a:rPr lang="en-US" dirty="0">
+                    <a:solidFill>
+                      <a:srgbClr val="C00000"/>
+                    </a:solidFill>
+                  </a:rPr>
+                  <a:t>2</a:t>
+                </a:r>
+              </a:p>
+            </p:txBody>
+          </p:sp>
+          <p:sp>
+            <p:nvSpPr>
+              <p:cNvPr id="33" name="Rectangle 32">
+                <a:extLst>
+                  <a:ext uri="{FF2B5EF4-FFF2-40B4-BE49-F238E27FC236}">
+                    <a16:creationId xmlns:a16="http://schemas.microsoft.com/office/drawing/2014/main" id="{4EA56B2D-9A8C-E0DE-92CE-C5F667181582}"/>
+                  </a:ext>
+                </a:extLst>
+              </p:cNvPr>
+              <p:cNvSpPr/>
+              <p:nvPr/>
+            </p:nvSpPr>
+            <p:spPr>
+              <a:xfrm>
+                <a:off x="7173684" y="4583639"/>
+                <a:ext cx="1218102" cy="518884"/>
+              </a:xfrm>
+              <a:prstGeom prst="rect">
+                <a:avLst/>
+              </a:prstGeom>
+              <a:noFill/>
+              <a:ln>
+                <a:solidFill>
+                  <a:srgbClr val="0070C0"/>
+                </a:solidFill>
+              </a:ln>
+            </p:spPr>
+            <p:style>
+              <a:lnRef idx="2">
+                <a:schemeClr val="accent1">
+                  <a:shade val="15000"/>
+                </a:schemeClr>
+              </a:lnRef>
+              <a:fillRef idx="1">
+                <a:schemeClr val="accent1"/>
+              </a:fillRef>
+              <a:effectRef idx="0">
+                <a:schemeClr val="accent1"/>
+              </a:effectRef>
+              <a:fontRef idx="minor">
+                <a:schemeClr val="lt1"/>
+              </a:fontRef>
+            </p:style>
+            <p:txBody>
+              <a:bodyPr rtlCol="0" anchor="ctr"/>
+              <a:lstStyle/>
+              <a:p>
+                <a:pPr algn="ctr"/>
+                <a:endParaRPr lang="en-US"/>
+              </a:p>
+            </p:txBody>
+          </p:sp>
+          <p:sp>
+            <p:nvSpPr>
+              <p:cNvPr id="35" name="TextBox 34">
+                <a:extLst>
+                  <a:ext uri="{FF2B5EF4-FFF2-40B4-BE49-F238E27FC236}">
+                    <a16:creationId xmlns:a16="http://schemas.microsoft.com/office/drawing/2014/main" id="{24F85B27-85A6-23F1-10CD-0D95CC955599}"/>
+                  </a:ext>
+                </a:extLst>
+              </p:cNvPr>
+              <p:cNvSpPr txBox="1"/>
+              <p:nvPr/>
+            </p:nvSpPr>
+            <p:spPr>
+              <a:xfrm>
+                <a:off x="7628292" y="4657578"/>
+                <a:ext cx="309986" cy="369332"/>
+              </a:xfrm>
+              <a:prstGeom prst="rect">
+                <a:avLst/>
+              </a:prstGeom>
+              <a:noFill/>
+            </p:spPr>
+            <p:txBody>
+              <a:bodyPr wrap="square">
+                <a:spAutoFit/>
+              </a:bodyPr>
+              <a:lstStyle/>
+              <a:p>
+                <a:r>
+                  <a:rPr lang="en-US" dirty="0">
+                    <a:solidFill>
+                      <a:srgbClr val="0070C0"/>
+                    </a:solidFill>
+                  </a:rPr>
+                  <a:t>3</a:t>
+                </a:r>
+              </a:p>
+            </p:txBody>
+          </p:sp>
+          <p:sp>
+            <p:nvSpPr>
+              <p:cNvPr id="37" name="Rectangle 36">
+                <a:extLst>
+                  <a:ext uri="{FF2B5EF4-FFF2-40B4-BE49-F238E27FC236}">
+                    <a16:creationId xmlns:a16="http://schemas.microsoft.com/office/drawing/2014/main" id="{18F9B8DB-372F-B900-1DBD-F725F0010E12}"/>
+                  </a:ext>
+                </a:extLst>
+              </p:cNvPr>
+              <p:cNvSpPr/>
+              <p:nvPr/>
+            </p:nvSpPr>
+            <p:spPr>
+              <a:xfrm>
+                <a:off x="8395412" y="4583639"/>
+                <a:ext cx="617958" cy="518884"/>
+              </a:xfrm>
+              <a:prstGeom prst="rect">
+                <a:avLst/>
+              </a:prstGeom>
+              <a:noFill/>
+              <a:ln>
+                <a:solidFill>
+                  <a:srgbClr val="00B050"/>
+                </a:solidFill>
+              </a:ln>
+            </p:spPr>
+            <p:style>
+              <a:lnRef idx="2">
+                <a:schemeClr val="accent1">
+                  <a:shade val="15000"/>
+                </a:schemeClr>
+              </a:lnRef>
+              <a:fillRef idx="1">
+                <a:schemeClr val="accent1"/>
+              </a:fillRef>
+              <a:effectRef idx="0">
+                <a:schemeClr val="accent1"/>
+              </a:effectRef>
+              <a:fontRef idx="minor">
+                <a:schemeClr val="lt1"/>
+              </a:fontRef>
+            </p:style>
+            <p:txBody>
+              <a:bodyPr rtlCol="0" anchor="ctr"/>
+              <a:lstStyle/>
+              <a:p>
+                <a:pPr algn="ctr"/>
+                <a:endParaRPr lang="en-US"/>
+              </a:p>
+            </p:txBody>
+          </p:sp>
+          <p:sp>
+            <p:nvSpPr>
+              <p:cNvPr id="38" name="Rectangle 37">
+                <a:extLst>
+                  <a:ext uri="{FF2B5EF4-FFF2-40B4-BE49-F238E27FC236}">
+                    <a16:creationId xmlns:a16="http://schemas.microsoft.com/office/drawing/2014/main" id="{58938814-74E3-32A3-63AA-55E3BEF54F1C}"/>
+                  </a:ext>
+                </a:extLst>
+              </p:cNvPr>
+              <p:cNvSpPr/>
+              <p:nvPr/>
+            </p:nvSpPr>
+            <p:spPr>
+              <a:xfrm>
+                <a:off x="10156370" y="5713939"/>
+                <a:ext cx="555170" cy="194128"/>
+              </a:xfrm>
+              <a:prstGeom prst="rect">
+                <a:avLst/>
+              </a:prstGeom>
+            </p:spPr>
+            <p:style>
+              <a:lnRef idx="2">
+                <a:schemeClr val="accent1">
+                  <a:shade val="15000"/>
+                </a:schemeClr>
+              </a:lnRef>
+              <a:fillRef idx="1">
+                <a:schemeClr val="accent1"/>
+              </a:fillRef>
+              <a:effectRef idx="0">
+                <a:schemeClr val="accent1"/>
+              </a:effectRef>
+              <a:fontRef idx="minor">
+                <a:schemeClr val="lt1"/>
+              </a:fontRef>
+            </p:style>
+            <p:txBody>
+              <a:bodyPr rtlCol="0" anchor="ctr"/>
+              <a:lstStyle/>
+              <a:p>
+                <a:pPr algn="ctr"/>
+                <a:endParaRPr lang="en-US"/>
+              </a:p>
+            </p:txBody>
+          </p:sp>
+          <p:sp>
+            <p:nvSpPr>
+              <p:cNvPr id="39" name="Rectangle 38">
+                <a:extLst>
+                  <a:ext uri="{FF2B5EF4-FFF2-40B4-BE49-F238E27FC236}">
+                    <a16:creationId xmlns:a16="http://schemas.microsoft.com/office/drawing/2014/main" id="{12877594-40C5-5387-44DC-88EAB42C17A3}"/>
+                  </a:ext>
+                </a:extLst>
+              </p:cNvPr>
+              <p:cNvSpPr/>
+              <p:nvPr/>
+            </p:nvSpPr>
+            <p:spPr>
+              <a:xfrm>
+                <a:off x="10430327" y="5519811"/>
+                <a:ext cx="281213" cy="194128"/>
+              </a:xfrm>
+              <a:prstGeom prst="rect">
+                <a:avLst/>
+              </a:prstGeom>
+            </p:spPr>
+            <p:style>
+              <a:lnRef idx="2">
+                <a:schemeClr val="accent1">
+                  <a:shade val="15000"/>
+                </a:schemeClr>
+              </a:lnRef>
+              <a:fillRef idx="1">
+                <a:schemeClr val="accent1"/>
+              </a:fillRef>
+              <a:effectRef idx="0">
+                <a:schemeClr val="accent1"/>
+              </a:effectRef>
+              <a:fontRef idx="minor">
+                <a:schemeClr val="lt1"/>
+              </a:fontRef>
+            </p:style>
+            <p:txBody>
+              <a:bodyPr rtlCol="0" anchor="ctr"/>
+              <a:lstStyle/>
+              <a:p>
+                <a:pPr algn="ctr"/>
+                <a:endParaRPr lang="en-US"/>
+              </a:p>
+            </p:txBody>
+          </p:sp>
+          <p:sp>
+            <p:nvSpPr>
+              <p:cNvPr id="40" name="Rectangle 39">
+                <a:extLst>
+                  <a:ext uri="{FF2B5EF4-FFF2-40B4-BE49-F238E27FC236}">
+                    <a16:creationId xmlns:a16="http://schemas.microsoft.com/office/drawing/2014/main" id="{E04567C8-F7E4-9471-CA92-D5D28062055F}"/>
+                  </a:ext>
+                </a:extLst>
+              </p:cNvPr>
+              <p:cNvSpPr/>
+              <p:nvPr/>
+            </p:nvSpPr>
+            <p:spPr>
+              <a:xfrm>
+                <a:off x="10430327" y="5394624"/>
+                <a:ext cx="92529" cy="125186"/>
+              </a:xfrm>
+              <a:prstGeom prst="rect">
+                <a:avLst/>
+              </a:prstGeom>
+            </p:spPr>
+            <p:style>
+              <a:lnRef idx="2">
+                <a:schemeClr val="accent1">
+                  <a:shade val="15000"/>
+                </a:schemeClr>
+              </a:lnRef>
+              <a:fillRef idx="1">
+                <a:schemeClr val="accent1"/>
+              </a:fillRef>
+              <a:effectRef idx="0">
+                <a:schemeClr val="accent1"/>
+              </a:effectRef>
+              <a:fontRef idx="minor">
+                <a:schemeClr val="lt1"/>
+              </a:fontRef>
+            </p:style>
+            <p:txBody>
+              <a:bodyPr rtlCol="0" anchor="ctr"/>
+              <a:lstStyle/>
+              <a:p>
+                <a:pPr algn="ctr"/>
+                <a:endParaRPr lang="en-US"/>
+              </a:p>
+            </p:txBody>
+          </p:sp>
+          <p:sp>
+            <p:nvSpPr>
+              <p:cNvPr id="41" name="Rectangle 40">
+                <a:extLst>
+                  <a:ext uri="{FF2B5EF4-FFF2-40B4-BE49-F238E27FC236}">
+                    <a16:creationId xmlns:a16="http://schemas.microsoft.com/office/drawing/2014/main" id="{CB02E877-290F-BB5B-4288-9CE02A71FD8E}"/>
+                  </a:ext>
+                </a:extLst>
+              </p:cNvPr>
+              <p:cNvSpPr/>
+              <p:nvPr/>
+            </p:nvSpPr>
+            <p:spPr>
+              <a:xfrm>
+                <a:off x="10522856" y="5394624"/>
+                <a:ext cx="92529" cy="125186"/>
+              </a:xfrm>
+              <a:prstGeom prst="rect">
+                <a:avLst/>
+              </a:prstGeom>
+            </p:spPr>
+            <p:style>
+              <a:lnRef idx="2">
+                <a:schemeClr val="accent1">
+                  <a:shade val="15000"/>
+                </a:schemeClr>
+              </a:lnRef>
+              <a:fillRef idx="1">
+                <a:schemeClr val="accent1"/>
+              </a:fillRef>
+              <a:effectRef idx="0">
+                <a:schemeClr val="accent1"/>
+              </a:effectRef>
+              <a:fontRef idx="minor">
+                <a:schemeClr val="lt1"/>
+              </a:fontRef>
+            </p:style>
+            <p:txBody>
+              <a:bodyPr rtlCol="0" anchor="ctr"/>
+              <a:lstStyle/>
+              <a:p>
+                <a:pPr algn="ctr"/>
+                <a:endParaRPr lang="en-US"/>
+              </a:p>
+            </p:txBody>
+          </p:sp>
+          <p:sp>
+            <p:nvSpPr>
+              <p:cNvPr id="42" name="Rectangle 41">
+                <a:extLst>
+                  <a:ext uri="{FF2B5EF4-FFF2-40B4-BE49-F238E27FC236}">
+                    <a16:creationId xmlns:a16="http://schemas.microsoft.com/office/drawing/2014/main" id="{49701699-E90B-6A02-119B-6196C76BA62E}"/>
+                  </a:ext>
+                </a:extLst>
+              </p:cNvPr>
+              <p:cNvSpPr/>
+              <p:nvPr/>
+            </p:nvSpPr>
+            <p:spPr>
+              <a:xfrm>
+                <a:off x="10619011" y="4583638"/>
+                <a:ext cx="92529" cy="518885"/>
+              </a:xfrm>
+              <a:prstGeom prst="rect">
+                <a:avLst/>
+              </a:prstGeom>
+              <a:noFill/>
+              <a:ln>
+                <a:solidFill>
+                  <a:srgbClr val="0070C0"/>
+                </a:solidFill>
+              </a:ln>
+            </p:spPr>
+            <p:style>
+              <a:lnRef idx="2">
+                <a:schemeClr val="accent1">
+                  <a:shade val="15000"/>
+                </a:schemeClr>
+              </a:lnRef>
+              <a:fillRef idx="1">
+                <a:schemeClr val="accent1"/>
+              </a:fillRef>
+              <a:effectRef idx="0">
+                <a:schemeClr val="accent1"/>
+              </a:effectRef>
+              <a:fontRef idx="minor">
+                <a:schemeClr val="lt1"/>
+              </a:fontRef>
+            </p:style>
+            <p:txBody>
+              <a:bodyPr rtlCol="0" anchor="ctr"/>
+              <a:lstStyle/>
+              <a:p>
+                <a:pPr algn="ctr"/>
+                <a:endParaRPr lang="en-US"/>
+              </a:p>
+            </p:txBody>
+          </p:sp>
+          <p:sp>
+            <p:nvSpPr>
+              <p:cNvPr id="43" name="TextBox 42">
+                <a:extLst>
+                  <a:ext uri="{FF2B5EF4-FFF2-40B4-BE49-F238E27FC236}">
+                    <a16:creationId xmlns:a16="http://schemas.microsoft.com/office/drawing/2014/main" id="{89064621-BC8E-3B86-719A-4F5ABC968C13}"/>
+                  </a:ext>
+                </a:extLst>
+              </p:cNvPr>
+              <p:cNvSpPr txBox="1"/>
+              <p:nvPr/>
+            </p:nvSpPr>
+            <p:spPr>
+              <a:xfrm>
+                <a:off x="8548392" y="4654886"/>
+                <a:ext cx="309986" cy="369332"/>
+              </a:xfrm>
+              <a:prstGeom prst="rect">
+                <a:avLst/>
+              </a:prstGeom>
+              <a:noFill/>
+            </p:spPr>
+            <p:txBody>
+              <a:bodyPr wrap="square">
+                <a:spAutoFit/>
+              </a:bodyPr>
+              <a:lstStyle/>
+              <a:p>
+                <a:r>
+                  <a:rPr lang="en-US" dirty="0">
+                    <a:solidFill>
+                      <a:srgbClr val="00B050"/>
+                    </a:solidFill>
+                  </a:rPr>
+                  <a:t>4</a:t>
+                </a:r>
+              </a:p>
+            </p:txBody>
+          </p:sp>
+          <p:sp>
+            <p:nvSpPr>
+              <p:cNvPr id="45" name="Rectangle 44">
+                <a:extLst>
+                  <a:ext uri="{FF2B5EF4-FFF2-40B4-BE49-F238E27FC236}">
+                    <a16:creationId xmlns:a16="http://schemas.microsoft.com/office/drawing/2014/main" id="{0F86F908-528E-EAF4-DAB2-AE954BDBE8C2}"/>
+                  </a:ext>
+                </a:extLst>
+              </p:cNvPr>
+              <p:cNvSpPr/>
+              <p:nvPr/>
+            </p:nvSpPr>
+            <p:spPr>
+              <a:xfrm>
+                <a:off x="9013370" y="4583639"/>
+                <a:ext cx="1602015" cy="518884"/>
+              </a:xfrm>
+              <a:prstGeom prst="rect">
+                <a:avLst/>
+              </a:prstGeom>
+              <a:noFill/>
+              <a:ln>
+                <a:solidFill>
+                  <a:srgbClr val="C00000"/>
+                </a:solidFill>
+              </a:ln>
+            </p:spPr>
+            <p:style>
+              <a:lnRef idx="2">
+                <a:schemeClr val="accent1">
+                  <a:shade val="15000"/>
+                </a:schemeClr>
+              </a:lnRef>
+              <a:fillRef idx="1">
+                <a:schemeClr val="accent1"/>
+              </a:fillRef>
+              <a:effectRef idx="0">
+                <a:schemeClr val="accent1"/>
+              </a:effectRef>
+              <a:fontRef idx="minor">
+                <a:schemeClr val="lt1"/>
+              </a:fontRef>
+            </p:style>
+            <p:txBody>
+              <a:bodyPr rtlCol="0" anchor="ctr"/>
+              <a:lstStyle/>
+              <a:p>
+                <a:pPr algn="ctr"/>
+                <a:endParaRPr lang="en-US"/>
+              </a:p>
+            </p:txBody>
+          </p:sp>
+          <p:sp>
+            <p:nvSpPr>
+              <p:cNvPr id="46" name="TextBox 45">
+                <a:extLst>
+                  <a:ext uri="{FF2B5EF4-FFF2-40B4-BE49-F238E27FC236}">
+                    <a16:creationId xmlns:a16="http://schemas.microsoft.com/office/drawing/2014/main" id="{8C8DF2C3-0247-FC9D-97F3-071AF494324E}"/>
+                  </a:ext>
+                </a:extLst>
+              </p:cNvPr>
+              <p:cNvSpPr txBox="1"/>
+              <p:nvPr/>
+            </p:nvSpPr>
+            <p:spPr>
+              <a:xfrm>
+                <a:off x="9665605" y="4654886"/>
+                <a:ext cx="301686" cy="369332"/>
+              </a:xfrm>
+              <a:prstGeom prst="rect">
+                <a:avLst/>
+              </a:prstGeom>
+              <a:noFill/>
+            </p:spPr>
+            <p:txBody>
+              <a:bodyPr wrap="none" rtlCol="0">
+                <a:spAutoFit/>
+              </a:bodyPr>
+              <a:lstStyle/>
+              <a:p>
+                <a:r>
+                  <a:rPr lang="en-US" dirty="0">
+                    <a:solidFill>
+                      <a:srgbClr val="C00000"/>
+                    </a:solidFill>
+                  </a:rPr>
+                  <a:t>5</a:t>
+                </a:r>
+              </a:p>
+            </p:txBody>
+          </p:sp>
+          <p:sp>
+            <p:nvSpPr>
+              <p:cNvPr id="48" name="TextBox 47">
+                <a:extLst>
+                  <a:ext uri="{FF2B5EF4-FFF2-40B4-BE49-F238E27FC236}">
+                    <a16:creationId xmlns:a16="http://schemas.microsoft.com/office/drawing/2014/main" id="{129F4EBE-5387-7A8D-057F-B129179A289E}"/>
+                  </a:ext>
+                </a:extLst>
+              </p:cNvPr>
+              <p:cNvSpPr txBox="1"/>
+              <p:nvPr/>
+            </p:nvSpPr>
+            <p:spPr>
+              <a:xfrm>
+                <a:off x="10629446" y="4665598"/>
+                <a:ext cx="309986" cy="369332"/>
+              </a:xfrm>
+              <a:prstGeom prst="rect">
+                <a:avLst/>
+              </a:prstGeom>
+              <a:noFill/>
+            </p:spPr>
+            <p:txBody>
+              <a:bodyPr wrap="square">
+                <a:spAutoFit/>
+              </a:bodyPr>
+              <a:lstStyle/>
+              <a:p>
+                <a:r>
+                  <a:rPr lang="en-US" dirty="0">
+                    <a:solidFill>
+                      <a:srgbClr val="0070C0"/>
+                    </a:solidFill>
+                  </a:rPr>
+                  <a:t>6</a:t>
+                </a:r>
+              </a:p>
+            </p:txBody>
+          </p:sp>
+          <p:sp>
+            <p:nvSpPr>
+              <p:cNvPr id="51" name="Rectangle 50">
+                <a:extLst>
+                  <a:ext uri="{FF2B5EF4-FFF2-40B4-BE49-F238E27FC236}">
+                    <a16:creationId xmlns:a16="http://schemas.microsoft.com/office/drawing/2014/main" id="{2F1CE435-27DF-3243-767B-87BDEE334A6A}"/>
+                  </a:ext>
+                </a:extLst>
+              </p:cNvPr>
+              <p:cNvSpPr/>
+              <p:nvPr/>
+            </p:nvSpPr>
+            <p:spPr>
+              <a:xfrm>
+                <a:off x="7173684" y="3800000"/>
+                <a:ext cx="2133470" cy="784781"/>
+              </a:xfrm>
+              <a:prstGeom prst="rect">
+                <a:avLst/>
+              </a:prstGeom>
+              <a:noFill/>
+              <a:ln>
+                <a:solidFill>
+                  <a:srgbClr val="00B050"/>
+                </a:solidFill>
+              </a:ln>
+            </p:spPr>
+            <p:style>
+              <a:lnRef idx="2">
+                <a:schemeClr val="accent1">
+                  <a:shade val="15000"/>
+                </a:schemeClr>
+              </a:lnRef>
+              <a:fillRef idx="1">
+                <a:schemeClr val="accent1"/>
+              </a:fillRef>
+              <a:effectRef idx="0">
+                <a:schemeClr val="accent1"/>
+              </a:effectRef>
+              <a:fontRef idx="minor">
+                <a:schemeClr val="lt1"/>
+              </a:fontRef>
+            </p:style>
+            <p:txBody>
+              <a:bodyPr rtlCol="0" anchor="ctr"/>
+              <a:lstStyle/>
+              <a:p>
+                <a:pPr algn="ctr"/>
+                <a:endParaRPr lang="en-US"/>
+              </a:p>
+            </p:txBody>
+          </p:sp>
+          <p:sp>
+            <p:nvSpPr>
+              <p:cNvPr id="52" name="TextBox 51">
+                <a:extLst>
+                  <a:ext uri="{FF2B5EF4-FFF2-40B4-BE49-F238E27FC236}">
+                    <a16:creationId xmlns:a16="http://schemas.microsoft.com/office/drawing/2014/main" id="{7CAE420D-EDDD-D823-784C-FE4DC31397EE}"/>
+                  </a:ext>
+                </a:extLst>
+              </p:cNvPr>
+              <p:cNvSpPr txBox="1"/>
+              <p:nvPr/>
+            </p:nvSpPr>
+            <p:spPr>
+              <a:xfrm>
+                <a:off x="8085426" y="4010972"/>
+                <a:ext cx="309986" cy="369332"/>
+              </a:xfrm>
+              <a:prstGeom prst="rect">
+                <a:avLst/>
+              </a:prstGeom>
+              <a:noFill/>
+            </p:spPr>
+            <p:txBody>
+              <a:bodyPr wrap="square">
+                <a:spAutoFit/>
+              </a:bodyPr>
+              <a:lstStyle/>
+              <a:p>
+                <a:r>
+                  <a:rPr lang="en-US" dirty="0">
+                    <a:solidFill>
+                      <a:srgbClr val="00B050"/>
+                    </a:solidFill>
+                  </a:rPr>
+                  <a:t>7</a:t>
+                </a:r>
+              </a:p>
+            </p:txBody>
+          </p:sp>
+          <p:sp>
+            <p:nvSpPr>
+              <p:cNvPr id="53" name="Rectangle 52">
+                <a:extLst>
+                  <a:ext uri="{FF2B5EF4-FFF2-40B4-BE49-F238E27FC236}">
+                    <a16:creationId xmlns:a16="http://schemas.microsoft.com/office/drawing/2014/main" id="{1D82A7E8-E3A9-CF8A-DAA8-7845D6557077}"/>
+                  </a:ext>
+                </a:extLst>
+              </p:cNvPr>
+              <p:cNvSpPr/>
+              <p:nvPr/>
+            </p:nvSpPr>
+            <p:spPr>
+              <a:xfrm>
+                <a:off x="9307154" y="3269643"/>
+                <a:ext cx="1322292" cy="1313993"/>
+              </a:xfrm>
+              <a:prstGeom prst="rect">
+                <a:avLst/>
+              </a:prstGeom>
+              <a:noFill/>
+              <a:ln>
+                <a:solidFill>
+                  <a:srgbClr val="C00000"/>
+                </a:solidFill>
+              </a:ln>
+            </p:spPr>
+            <p:style>
+              <a:lnRef idx="2">
+                <a:schemeClr val="accent1">
+                  <a:shade val="15000"/>
+                </a:schemeClr>
+              </a:lnRef>
+              <a:fillRef idx="1">
+                <a:schemeClr val="accent1"/>
+              </a:fillRef>
+              <a:effectRef idx="0">
+                <a:schemeClr val="accent1"/>
+              </a:effectRef>
+              <a:fontRef idx="minor">
+                <a:schemeClr val="lt1"/>
+              </a:fontRef>
+            </p:style>
+            <p:txBody>
+              <a:bodyPr rtlCol="0" anchor="ctr"/>
+              <a:lstStyle/>
+              <a:p>
+                <a:pPr algn="ctr"/>
+                <a:endParaRPr lang="en-US"/>
+              </a:p>
+            </p:txBody>
+          </p:sp>
+          <p:sp>
+            <p:nvSpPr>
+              <p:cNvPr id="54" name="TextBox 53">
+                <a:extLst>
+                  <a:ext uri="{FF2B5EF4-FFF2-40B4-BE49-F238E27FC236}">
+                    <a16:creationId xmlns:a16="http://schemas.microsoft.com/office/drawing/2014/main" id="{BDB376D2-E27C-86C7-4685-5D04BDB7A54D}"/>
+                  </a:ext>
+                </a:extLst>
+              </p:cNvPr>
+              <p:cNvSpPr txBox="1"/>
+              <p:nvPr/>
+            </p:nvSpPr>
+            <p:spPr>
+              <a:xfrm>
+                <a:off x="9885672" y="3741973"/>
+                <a:ext cx="301686" cy="369332"/>
+              </a:xfrm>
+              <a:prstGeom prst="rect">
+                <a:avLst/>
+              </a:prstGeom>
+              <a:noFill/>
+            </p:spPr>
+            <p:txBody>
+              <a:bodyPr wrap="none" rtlCol="0">
+                <a:spAutoFit/>
+              </a:bodyPr>
+              <a:lstStyle/>
+              <a:p>
+                <a:r>
+                  <a:rPr lang="en-US" dirty="0">
+                    <a:solidFill>
+                      <a:srgbClr val="C00000"/>
+                    </a:solidFill>
+                  </a:rPr>
+                  <a:t>8</a:t>
+                </a:r>
+              </a:p>
+            </p:txBody>
+          </p:sp>
+          <p:sp>
+            <p:nvSpPr>
+              <p:cNvPr id="55" name="Rectangle 54">
+                <a:extLst>
+                  <a:ext uri="{FF2B5EF4-FFF2-40B4-BE49-F238E27FC236}">
+                    <a16:creationId xmlns:a16="http://schemas.microsoft.com/office/drawing/2014/main" id="{D6B57DA0-238A-23FD-CFA5-77DC8DF5A92A}"/>
+                  </a:ext>
+                </a:extLst>
+              </p:cNvPr>
+              <p:cNvSpPr/>
+              <p:nvPr/>
+            </p:nvSpPr>
+            <p:spPr>
+              <a:xfrm>
+                <a:off x="10629446" y="3269643"/>
+                <a:ext cx="82094" cy="1313993"/>
+              </a:xfrm>
+              <a:prstGeom prst="rect">
+                <a:avLst/>
+              </a:prstGeom>
+              <a:noFill/>
+              <a:ln>
+                <a:solidFill>
+                  <a:srgbClr val="0070C0"/>
+                </a:solidFill>
+              </a:ln>
+            </p:spPr>
+            <p:style>
+              <a:lnRef idx="2">
+                <a:schemeClr val="accent1">
+                  <a:shade val="15000"/>
+                </a:schemeClr>
+              </a:lnRef>
+              <a:fillRef idx="1">
+                <a:schemeClr val="accent1"/>
+              </a:fillRef>
+              <a:effectRef idx="0">
+                <a:schemeClr val="accent1"/>
+              </a:effectRef>
+              <a:fontRef idx="minor">
+                <a:schemeClr val="lt1"/>
+              </a:fontRef>
+            </p:style>
+            <p:txBody>
+              <a:bodyPr rtlCol="0" anchor="ctr"/>
+              <a:lstStyle/>
+              <a:p>
+                <a:pPr algn="ctr"/>
+                <a:endParaRPr lang="en-US"/>
+              </a:p>
+            </p:txBody>
+          </p:sp>
+          <p:sp>
+            <p:nvSpPr>
+              <p:cNvPr id="56" name="TextBox 55">
+                <a:extLst>
+                  <a:ext uri="{FF2B5EF4-FFF2-40B4-BE49-F238E27FC236}">
+                    <a16:creationId xmlns:a16="http://schemas.microsoft.com/office/drawing/2014/main" id="{3B7EEE9D-A76F-EEF0-4B43-1B7CC266D61C}"/>
+                  </a:ext>
+                </a:extLst>
+              </p:cNvPr>
+              <p:cNvSpPr txBox="1"/>
+              <p:nvPr/>
+            </p:nvSpPr>
+            <p:spPr>
+              <a:xfrm>
+                <a:off x="10648108" y="3676540"/>
+                <a:ext cx="309986" cy="369332"/>
+              </a:xfrm>
+              <a:prstGeom prst="rect">
+                <a:avLst/>
+              </a:prstGeom>
+              <a:noFill/>
+            </p:spPr>
+            <p:txBody>
+              <a:bodyPr wrap="square">
+                <a:spAutoFit/>
+              </a:bodyPr>
+              <a:lstStyle/>
+              <a:p>
+                <a:r>
+                  <a:rPr lang="en-US" dirty="0">
+                    <a:solidFill>
+                      <a:srgbClr val="0070C0"/>
+                    </a:solidFill>
+                  </a:rPr>
+                  <a:t>9</a:t>
+                </a:r>
+              </a:p>
+            </p:txBody>
+          </p:sp>
+        </p:grpSp>
+        <p:sp>
+          <p:nvSpPr>
+            <p:cNvPr id="70" name="TextBox 69">
+              <a:extLst>
+                <a:ext uri="{FF2B5EF4-FFF2-40B4-BE49-F238E27FC236}">
+                  <a16:creationId xmlns:a16="http://schemas.microsoft.com/office/drawing/2014/main" id="{F28FF0C3-3191-DA92-ACB8-87004B5CBEBB}"/>
+                </a:ext>
+              </a:extLst>
+            </p:cNvPr>
+            <p:cNvSpPr txBox="1"/>
+            <p:nvPr/>
+          </p:nvSpPr>
+          <p:spPr>
+            <a:xfrm>
+              <a:off x="7906493" y="3380846"/>
+              <a:ext cx="418357" cy="230832"/>
+            </a:xfrm>
+            <a:prstGeom prst="rect">
+              <a:avLst/>
+            </a:prstGeom>
+            <a:noFill/>
+          </p:spPr>
+          <p:txBody>
+            <a:bodyPr wrap="square" rtlCol="0" anchor="ctr">
+              <a:spAutoFit/>
+            </a:bodyPr>
+            <a:lstStyle/>
+            <a:p>
+              <a:r>
+                <a:rPr lang="en-US" sz="900" dirty="0"/>
+                <a:t>(0)</a:t>
+              </a:r>
+              <a:endParaRPr lang="en-US" dirty="0"/>
+            </a:p>
+          </p:txBody>
+        </p:sp>
+        <p:sp>
+          <p:nvSpPr>
+            <p:cNvPr id="71" name="TextBox 70">
+              <a:extLst>
+                <a:ext uri="{FF2B5EF4-FFF2-40B4-BE49-F238E27FC236}">
+                  <a16:creationId xmlns:a16="http://schemas.microsoft.com/office/drawing/2014/main" id="{6589FB75-A071-0C56-05A1-A526F84C3CC2}"/>
+                </a:ext>
+              </a:extLst>
+            </p:cNvPr>
+            <p:cNvSpPr txBox="1"/>
+            <p:nvPr/>
+          </p:nvSpPr>
+          <p:spPr>
+            <a:xfrm>
+              <a:off x="7993271" y="3528941"/>
+              <a:ext cx="418357" cy="230832"/>
+            </a:xfrm>
+            <a:prstGeom prst="rect">
+              <a:avLst/>
+            </a:prstGeom>
+            <a:noFill/>
+          </p:spPr>
+          <p:txBody>
+            <a:bodyPr wrap="square" rtlCol="0" anchor="ctr">
+              <a:spAutoFit/>
+            </a:bodyPr>
+            <a:lstStyle/>
+            <a:p>
+              <a:r>
+                <a:rPr lang="en-US" sz="900" dirty="0"/>
+                <a:t>(2)</a:t>
+              </a:r>
+              <a:endParaRPr lang="en-US" dirty="0"/>
+            </a:p>
+          </p:txBody>
+        </p:sp>
+        <p:sp>
+          <p:nvSpPr>
+            <p:cNvPr id="72" name="TextBox 71">
+              <a:extLst>
+                <a:ext uri="{FF2B5EF4-FFF2-40B4-BE49-F238E27FC236}">
+                  <a16:creationId xmlns:a16="http://schemas.microsoft.com/office/drawing/2014/main" id="{C6E7D6DE-A672-249C-EF3D-3906470E7E5E}"/>
+                </a:ext>
+              </a:extLst>
+            </p:cNvPr>
+            <p:cNvSpPr txBox="1"/>
+            <p:nvPr/>
+          </p:nvSpPr>
+          <p:spPr>
+            <a:xfrm>
+              <a:off x="8171833" y="3231633"/>
+              <a:ext cx="418357" cy="230832"/>
+            </a:xfrm>
+            <a:prstGeom prst="rect">
+              <a:avLst/>
+            </a:prstGeom>
+            <a:noFill/>
+          </p:spPr>
+          <p:txBody>
+            <a:bodyPr wrap="square" rtlCol="0" anchor="ctr">
+              <a:spAutoFit/>
+            </a:bodyPr>
+            <a:lstStyle/>
+            <a:p>
+              <a:r>
+                <a:rPr lang="en-US" sz="900" dirty="0"/>
+                <a:t>(1)</a:t>
+              </a:r>
+              <a:endParaRPr lang="en-US" dirty="0"/>
+            </a:p>
+          </p:txBody>
+        </p:sp>
+      </p:grpSp>
     </p:spTree>
     <p:extLst>
       <p:ext uri="{BB962C8B-B14F-4D97-AF65-F5344CB8AC3E}">
@@ -7316,10 +11565,227 @@
       </p:transition>
     </mc:Fallback>
   </mc:AlternateContent>
+  <p:timing>
+    <p:tnLst>
+      <p:par>
+        <p:cTn id="1" dur="indefinite" restart="never" nodeType="tmRoot">
+          <p:childTnLst>
+            <p:seq concurrent="1" nextAc="seek">
+              <p:cTn id="2" dur="indefinite" nodeType="mainSeq">
+                <p:childTnLst>
+                  <p:par>
+                    <p:cTn id="3" fill="hold">
+                      <p:stCondLst>
+                        <p:cond delay="indefinite"/>
+                      </p:stCondLst>
+                      <p:childTnLst>
+                        <p:par>
+                          <p:cTn id="4" fill="hold">
+                            <p:stCondLst>
+                              <p:cond delay="0"/>
+                            </p:stCondLst>
+                            <p:childTnLst>
+                              <p:par>
+                                <p:cTn id="5" presetID="10" presetClass="entr" presetSubtype="0" fill="hold" grpId="0" nodeType="clickEffect">
+                                  <p:stCondLst>
+                                    <p:cond delay="0"/>
+                                  </p:stCondLst>
+                                  <p:childTnLst>
+                                    <p:set>
+                                      <p:cBhvr>
+                                        <p:cTn id="6" dur="1" fill="hold">
+                                          <p:stCondLst>
+                                            <p:cond delay="0"/>
+                                          </p:stCondLst>
+                                        </p:cTn>
+                                        <p:tgtEl>
+                                          <p:spTgt spid="5">
+                                            <p:txEl>
+                                              <p:pRg st="0" end="0"/>
+                                            </p:txEl>
+                                          </p:spTgt>
+                                        </p:tgtEl>
+                                        <p:attrNameLst>
+                                          <p:attrName>style.visibility</p:attrName>
+                                        </p:attrNameLst>
+                                      </p:cBhvr>
+                                      <p:to>
+                                        <p:strVal val="visible"/>
+                                      </p:to>
+                                    </p:set>
+                                    <p:animEffect transition="in" filter="fade">
+                                      <p:cBhvr>
+                                        <p:cTn id="7" dur="500"/>
+                                        <p:tgtEl>
+                                          <p:spTgt spid="5">
+                                            <p:txEl>
+                                              <p:pRg st="0" end="0"/>
+                                            </p:txEl>
+                                          </p:spTgt>
+                                        </p:tgtEl>
+                                      </p:cBhvr>
+                                    </p:animEffect>
+                                  </p:childTnLst>
+                                </p:cTn>
+                              </p:par>
+                            </p:childTnLst>
+                          </p:cTn>
+                        </p:par>
+                      </p:childTnLst>
+                    </p:cTn>
+                  </p:par>
+                  <p:par>
+                    <p:cTn id="8" fill="hold">
+                      <p:stCondLst>
+                        <p:cond delay="indefinite"/>
+                      </p:stCondLst>
+                      <p:childTnLst>
+                        <p:par>
+                          <p:cTn id="9" fill="hold">
+                            <p:stCondLst>
+                              <p:cond delay="0"/>
+                            </p:stCondLst>
+                            <p:childTnLst>
+                              <p:par>
+                                <p:cTn id="10" presetID="10" presetClass="entr" presetSubtype="0" fill="hold" nodeType="clickEffect">
+                                  <p:stCondLst>
+                                    <p:cond delay="0"/>
+                                  </p:stCondLst>
+                                  <p:childTnLst>
+                                    <p:set>
+                                      <p:cBhvr>
+                                        <p:cTn id="11" dur="1" fill="hold">
+                                          <p:stCondLst>
+                                            <p:cond delay="0"/>
+                                          </p:stCondLst>
+                                        </p:cTn>
+                                        <p:tgtEl>
+                                          <p:spTgt spid="65"/>
+                                        </p:tgtEl>
+                                        <p:attrNameLst>
+                                          <p:attrName>style.visibility</p:attrName>
+                                        </p:attrNameLst>
+                                      </p:cBhvr>
+                                      <p:to>
+                                        <p:strVal val="visible"/>
+                                      </p:to>
+                                    </p:set>
+                                    <p:animEffect transition="in" filter="fade">
+                                      <p:cBhvr>
+                                        <p:cTn id="12" dur="500"/>
+                                        <p:tgtEl>
+                                          <p:spTgt spid="65"/>
+                                        </p:tgtEl>
+                                      </p:cBhvr>
+                                    </p:animEffect>
+                                  </p:childTnLst>
+                                </p:cTn>
+                              </p:par>
+                              <p:par>
+                                <p:cTn id="13" presetID="10" presetClass="entr" presetSubtype="0" fill="hold" nodeType="withEffect">
+                                  <p:stCondLst>
+                                    <p:cond delay="0"/>
+                                  </p:stCondLst>
+                                  <p:childTnLst>
+                                    <p:set>
+                                      <p:cBhvr>
+                                        <p:cTn id="14" dur="1" fill="hold">
+                                          <p:stCondLst>
+                                            <p:cond delay="0"/>
+                                          </p:stCondLst>
+                                        </p:cTn>
+                                        <p:tgtEl>
+                                          <p:spTgt spid="69"/>
+                                        </p:tgtEl>
+                                        <p:attrNameLst>
+                                          <p:attrName>style.visibility</p:attrName>
+                                        </p:attrNameLst>
+                                      </p:cBhvr>
+                                      <p:to>
+                                        <p:strVal val="visible"/>
+                                      </p:to>
+                                    </p:set>
+                                    <p:animEffect transition="in" filter="fade">
+                                      <p:cBhvr>
+                                        <p:cTn id="15" dur="500"/>
+                                        <p:tgtEl>
+                                          <p:spTgt spid="69"/>
+                                        </p:tgtEl>
+                                      </p:cBhvr>
+                                    </p:animEffect>
+                                  </p:childTnLst>
+                                </p:cTn>
+                              </p:par>
+                              <p:par>
+                                <p:cTn id="16" presetID="10" presetClass="entr" presetSubtype="0" fill="hold" nodeType="withEffect">
+                                  <p:stCondLst>
+                                    <p:cond delay="0"/>
+                                  </p:stCondLst>
+                                  <p:childTnLst>
+                                    <p:set>
+                                      <p:cBhvr>
+                                        <p:cTn id="17" dur="1" fill="hold">
+                                          <p:stCondLst>
+                                            <p:cond delay="0"/>
+                                          </p:stCondLst>
+                                        </p:cTn>
+                                        <p:tgtEl>
+                                          <p:spTgt spid="73"/>
+                                        </p:tgtEl>
+                                        <p:attrNameLst>
+                                          <p:attrName>style.visibility</p:attrName>
+                                        </p:attrNameLst>
+                                      </p:cBhvr>
+                                      <p:to>
+                                        <p:strVal val="visible"/>
+                                      </p:to>
+                                    </p:set>
+                                    <p:animEffect transition="in" filter="fade">
+                                      <p:cBhvr>
+                                        <p:cTn id="18" dur="500"/>
+                                        <p:tgtEl>
+                                          <p:spTgt spid="73"/>
+                                        </p:tgtEl>
+                                      </p:cBhvr>
+                                    </p:animEffect>
+                                  </p:childTnLst>
+                                </p:cTn>
+                              </p:par>
+                            </p:childTnLst>
+                          </p:cTn>
+                        </p:par>
+                      </p:childTnLst>
+                    </p:cTn>
+                  </p:par>
+                </p:childTnLst>
+              </p:cTn>
+              <p:prevCondLst>
+                <p:cond evt="onPrev" delay="0">
+                  <p:tgtEl>
+                    <p:sldTgt/>
+                  </p:tgtEl>
+                </p:cond>
+              </p:prevCondLst>
+              <p:nextCondLst>
+                <p:cond evt="onNext" delay="0">
+                  <p:tgtEl>
+                    <p:sldTgt/>
+                  </p:tgtEl>
+                </p:cond>
+              </p:nextCondLst>
+            </p:seq>
+          </p:childTnLst>
+        </p:cTn>
+      </p:par>
+    </p:tnLst>
+    <p:bldLst>
+      <p:bldP spid="5" grpId="0" build="p"/>
+    </p:bldLst>
+  </p:timing>
 </p:sld>
 </file>
 
-<file path=ppt/slides/slide15.xml><?xml version="1.0" encoding="utf-8"?>
+<file path=ppt/slides/slide18.xml><?xml version="1.0" encoding="utf-8"?>
 <p:sld xmlns:a="http://schemas.openxmlformats.org/drawingml/2006/main" xmlns:r="http://schemas.openxmlformats.org/officeDocument/2006/relationships" xmlns:p="http://schemas.openxmlformats.org/presentationml/2006/main">
   <p:cSld>
     <p:spTree>
@@ -7338,7 +11804,13 @@
       </p:grpSpPr>
       <p:sp>
         <p:nvSpPr>
-          <p:cNvPr id="2" name="Title 1"/>
+          <p:cNvPr id="2" name="Title 1">
+            <a:extLst>
+              <a:ext uri="{FF2B5EF4-FFF2-40B4-BE49-F238E27FC236}">
+                <a16:creationId xmlns:a16="http://schemas.microsoft.com/office/drawing/2014/main" id="{14CD5DEC-6454-3EA8-16AA-135F07141D3B}"/>
+              </a:ext>
+            </a:extLst>
+          </p:cNvPr>
           <p:cNvSpPr>
             <a:spLocks noGrp="1"/>
           </p:cNvSpPr>
@@ -7346,45 +11818,22 @@
             <p:ph type="title"/>
           </p:nvPr>
         </p:nvSpPr>
-        <p:spPr/>
-        <p:txBody>
-          <a:bodyPr rtlCol="0"/>
+        <p:spPr>
+          <a:xfrm>
+            <a:off x="3549621" y="2980001"/>
+            <a:ext cx="4811193" cy="1066800"/>
+          </a:xfrm>
+        </p:spPr>
+        <p:txBody>
+          <a:bodyPr>
+            <a:noAutofit/>
+          </a:bodyPr>
           <a:lstStyle/>
           <a:p>
-            <a:pPr rtl="0"/>
-            <a:r>
-              <a:rPr lang="en-GB" dirty="0"/>
-              <a:t>Lesson 3: Wrap-up</a:t>
-            </a:r>
-          </a:p>
-        </p:txBody>
-      </p:sp>
-      <p:sp>
-        <p:nvSpPr>
-          <p:cNvPr id="3" name="Text Placeholder 2"/>
-          <p:cNvSpPr>
-            <a:spLocks noGrp="1"/>
-          </p:cNvSpPr>
-          <p:nvPr>
-            <p:ph idx="1"/>
-          </p:nvPr>
-        </p:nvSpPr>
-        <p:spPr/>
-        <p:txBody>
-          <a:bodyPr rtlCol="0"/>
-          <a:lstStyle/>
-          <a:p>
-            <a:pPr rtl="0"/>
-            <a:r>
-              <a:rPr lang="en-GB" dirty="0"/>
-              <a:t>Summarise important points.</a:t>
-            </a:r>
-          </a:p>
-          <a:p>
-            <a:pPr rtl="0"/>
-            <a:r>
-              <a:rPr lang="en-GB" dirty="0"/>
-              <a:t>Allow time for questions.</a:t>
+            <a:pPr algn="ctr"/>
+            <a:r>
+              <a:rPr lang="en-US" sz="4400" dirty="0"/>
+              <a:t>Thank you for your attention</a:t>
             </a:r>
           </a:p>
         </p:txBody>
@@ -7392,211 +11841,7 @@
     </p:spTree>
     <p:extLst>
       <p:ext uri="{BB962C8B-B14F-4D97-AF65-F5344CB8AC3E}">
-        <p14:creationId xmlns:p14="http://schemas.microsoft.com/office/powerpoint/2010/main" val="1531528155"/>
-      </p:ext>
-    </p:extLst>
-  </p:cSld>
-  <p:clrMapOvr>
-    <a:masterClrMapping/>
-  </p:clrMapOvr>
-  <mc:AlternateContent xmlns:mc="http://schemas.openxmlformats.org/markup-compatibility/2006" xmlns:p14="http://schemas.microsoft.com/office/powerpoint/2010/main">
-    <mc:Choice Requires="p14">
-      <p:transition spd="med" p14:dur="700">
-        <p:fade/>
-      </p:transition>
-    </mc:Choice>
-    <mc:Fallback xmlns="">
-      <p:transition spd="med">
-        <p:fade/>
-      </p:transition>
-    </mc:Fallback>
-  </mc:AlternateContent>
-</p:sld>
-</file>
-
-<file path=ppt/slides/slide16.xml><?xml version="1.0" encoding="utf-8"?>
-<p:sld xmlns:a="http://schemas.openxmlformats.org/drawingml/2006/main" xmlns:r="http://schemas.openxmlformats.org/officeDocument/2006/relationships" xmlns:p="http://schemas.openxmlformats.org/presentationml/2006/main">
-  <p:cSld>
-    <p:spTree>
-      <p:nvGrpSpPr>
-        <p:cNvPr id="1" name=""/>
-        <p:cNvGrpSpPr/>
-        <p:nvPr/>
-      </p:nvGrpSpPr>
-      <p:grpSpPr>
-        <a:xfrm>
-          <a:off x="0" y="0"/>
-          <a:ext cx="0" cy="0"/>
-          <a:chOff x="0" y="0"/>
-          <a:chExt cx="0" cy="0"/>
-        </a:xfrm>
-      </p:grpSpPr>
-      <p:sp>
-        <p:nvSpPr>
-          <p:cNvPr id="2" name="Title 1"/>
-          <p:cNvSpPr>
-            <a:spLocks noGrp="1"/>
-          </p:cNvSpPr>
-          <p:nvPr>
-            <p:ph type="title"/>
-          </p:nvPr>
-        </p:nvSpPr>
-        <p:spPr/>
-        <p:txBody>
-          <a:bodyPr rtlCol="0"/>
-          <a:lstStyle/>
-          <a:p>
-            <a:pPr rtl="0"/>
-            <a:r>
-              <a:rPr lang="en-GB" dirty="0"/>
-              <a:t>Summary of Training</a:t>
-            </a:r>
-          </a:p>
-        </p:txBody>
-      </p:sp>
-      <p:sp>
-        <p:nvSpPr>
-          <p:cNvPr id="3" name="Content Placeholder 2"/>
-          <p:cNvSpPr>
-            <a:spLocks noGrp="1"/>
-          </p:cNvSpPr>
-          <p:nvPr>
-            <p:ph idx="1"/>
-          </p:nvPr>
-        </p:nvSpPr>
-        <p:spPr/>
-        <p:txBody>
-          <a:bodyPr rtlCol="0"/>
-          <a:lstStyle/>
-          <a:p>
-            <a:pPr rtl="0"/>
-            <a:r>
-              <a:rPr lang="en-GB" dirty="0"/>
-              <a:t>List important points from each lesson.</a:t>
-            </a:r>
-          </a:p>
-          <a:p>
-            <a:pPr rtl="0"/>
-            <a:r>
-              <a:rPr lang="en-GB" dirty="0"/>
-              <a:t>Provide resources for more information on subject.</a:t>
-            </a:r>
-          </a:p>
-          <a:p>
-            <a:pPr lvl="1" rtl="0"/>
-            <a:r>
-              <a:rPr lang="en-GB" dirty="0"/>
-              <a:t>List resources on this slide.</a:t>
-            </a:r>
-          </a:p>
-          <a:p>
-            <a:pPr lvl="1" rtl="0"/>
-            <a:r>
-              <a:rPr lang="en-GB" dirty="0"/>
-              <a:t>Provide handouts with additional resource material.</a:t>
-            </a:r>
-          </a:p>
-        </p:txBody>
-      </p:sp>
-    </p:spTree>
-    <p:extLst>
-      <p:ext uri="{BB962C8B-B14F-4D97-AF65-F5344CB8AC3E}">
-        <p14:creationId xmlns:p14="http://schemas.microsoft.com/office/powerpoint/2010/main" val="3809512885"/>
-      </p:ext>
-    </p:extLst>
-  </p:cSld>
-  <p:clrMapOvr>
-    <a:masterClrMapping/>
-  </p:clrMapOvr>
-  <mc:AlternateContent xmlns:mc="http://schemas.openxmlformats.org/markup-compatibility/2006" xmlns:p14="http://schemas.microsoft.com/office/powerpoint/2010/main">
-    <mc:Choice Requires="p14">
-      <p:transition spd="med" p14:dur="700">
-        <p:fade/>
-      </p:transition>
-    </mc:Choice>
-    <mc:Fallback xmlns="">
-      <p:transition spd="med">
-        <p:fade/>
-      </p:transition>
-    </mc:Fallback>
-  </mc:AlternateContent>
-</p:sld>
-</file>
-
-<file path=ppt/slides/slide17.xml><?xml version="1.0" encoding="utf-8"?>
-<p:sld xmlns:a="http://schemas.openxmlformats.org/drawingml/2006/main" xmlns:r="http://schemas.openxmlformats.org/officeDocument/2006/relationships" xmlns:p="http://schemas.openxmlformats.org/presentationml/2006/main">
-  <p:cSld>
-    <p:spTree>
-      <p:nvGrpSpPr>
-        <p:cNvPr id="1" name=""/>
-        <p:cNvGrpSpPr/>
-        <p:nvPr/>
-      </p:nvGrpSpPr>
-      <p:grpSpPr>
-        <a:xfrm>
-          <a:off x="0" y="0"/>
-          <a:ext cx="0" cy="0"/>
-          <a:chOff x="0" y="0"/>
-          <a:chExt cx="0" cy="0"/>
-        </a:xfrm>
-      </p:grpSpPr>
-      <p:sp>
-        <p:nvSpPr>
-          <p:cNvPr id="2" name="Title 1"/>
-          <p:cNvSpPr>
-            <a:spLocks noGrp="1"/>
-          </p:cNvSpPr>
-          <p:nvPr>
-            <p:ph type="title"/>
-          </p:nvPr>
-        </p:nvSpPr>
-        <p:spPr/>
-        <p:txBody>
-          <a:bodyPr rtlCol="0"/>
-          <a:lstStyle/>
-          <a:p>
-            <a:pPr rtl="0"/>
-            <a:r>
-              <a:rPr lang="en-GB" dirty="0"/>
-              <a:t>Assessment and Evaluation</a:t>
-            </a:r>
-          </a:p>
-        </p:txBody>
-      </p:sp>
-      <p:sp>
-        <p:nvSpPr>
-          <p:cNvPr id="3" name="Content Placeholder 2"/>
-          <p:cNvSpPr>
-            <a:spLocks noGrp="1"/>
-          </p:cNvSpPr>
-          <p:nvPr>
-            <p:ph idx="1"/>
-          </p:nvPr>
-        </p:nvSpPr>
-        <p:spPr/>
-        <p:txBody>
-          <a:bodyPr rtlCol="0"/>
-          <a:lstStyle/>
-          <a:p>
-            <a:pPr rtl="0"/>
-            <a:r>
-              <a:rPr lang="en-GB" dirty="0"/>
-              <a:t>Prepare a quiz or challenge to assess how much information participants learned.</a:t>
-            </a:r>
-          </a:p>
-          <a:p>
-            <a:pPr rtl="0"/>
-            <a:r>
-              <a:rPr lang="en-GB" dirty="0"/>
-              <a:t>Survey participants to see if they found the training beneficial.</a:t>
-            </a:r>
-          </a:p>
-        </p:txBody>
-      </p:sp>
-    </p:spTree>
-    <p:extLst>
-      <p:ext uri="{BB962C8B-B14F-4D97-AF65-F5344CB8AC3E}">
-        <p14:creationId xmlns:p14="http://schemas.microsoft.com/office/powerpoint/2010/main" val="687654895"/>
+        <p14:creationId xmlns:p14="http://schemas.microsoft.com/office/powerpoint/2010/main" val="2473898817"/>
       </p:ext>
     </p:extLst>
   </p:cSld>
@@ -7671,7 +11916,7 @@
         <p:spPr/>
         <p:txBody>
           <a:bodyPr rtlCol="0">
-            <a:normAutofit fontScale="92500" lnSpcReduction="10000"/>
+            <a:normAutofit fontScale="77500" lnSpcReduction="20000"/>
           </a:bodyPr>
           <a:lstStyle/>
           <a:p>
@@ -7686,7 +11931,7 @@
             </a:r>
             <a:r>
               <a:rPr lang="en-GB" dirty="0"/>
-              <a:t>) in the form of csv files</a:t>
+              <a:t>) in the form of csv files. Each file contains the measurements of modulus and phase of the signals obtained from two sensors (S11, S22) in a spectrum of frequencies that goes from 1GHz to 5GHz</a:t>
             </a:r>
           </a:p>
           <a:p>
@@ -7723,7 +11968,7 @@
             <a:pPr rtl="0"/>
             <a:r>
               <a:rPr lang="en-GB" dirty="0"/>
-              <a:t>The performance are evaluated with Leave-One-Subject-Out cross-validation</a:t>
+              <a:t>The performances of the models are evaluated with Leave-One-Subject-Out cross-validation</a:t>
             </a:r>
             <a:br>
               <a:rPr lang="en-GB" dirty="0"/>
@@ -7754,6 +11999,280 @@
       </p:transition>
     </mc:Fallback>
   </mc:AlternateContent>
+  <p:timing>
+    <p:tnLst>
+      <p:par>
+        <p:cTn id="1" dur="indefinite" restart="never" nodeType="tmRoot">
+          <p:childTnLst>
+            <p:seq concurrent="1" nextAc="seek">
+              <p:cTn id="2" dur="indefinite" nodeType="mainSeq">
+                <p:childTnLst>
+                  <p:par>
+                    <p:cTn id="3" fill="hold">
+                      <p:stCondLst>
+                        <p:cond delay="indefinite"/>
+                      </p:stCondLst>
+                      <p:childTnLst>
+                        <p:par>
+                          <p:cTn id="4" fill="hold">
+                            <p:stCondLst>
+                              <p:cond delay="0"/>
+                            </p:stCondLst>
+                            <p:childTnLst>
+                              <p:par>
+                                <p:cTn id="5" presetID="10" presetClass="entr" presetSubtype="0" fill="hold" nodeType="clickEffect">
+                                  <p:stCondLst>
+                                    <p:cond delay="0"/>
+                                  </p:stCondLst>
+                                  <p:childTnLst>
+                                    <p:set>
+                                      <p:cBhvr>
+                                        <p:cTn id="6" dur="1" fill="hold">
+                                          <p:stCondLst>
+                                            <p:cond delay="0"/>
+                                          </p:stCondLst>
+                                        </p:cTn>
+                                        <p:tgtEl>
+                                          <p:spTgt spid="3">
+                                            <p:txEl>
+                                              <p:pRg st="0" end="0"/>
+                                            </p:txEl>
+                                          </p:spTgt>
+                                        </p:tgtEl>
+                                        <p:attrNameLst>
+                                          <p:attrName>style.visibility</p:attrName>
+                                        </p:attrNameLst>
+                                      </p:cBhvr>
+                                      <p:to>
+                                        <p:strVal val="visible"/>
+                                      </p:to>
+                                    </p:set>
+                                    <p:animEffect transition="in" filter="fade">
+                                      <p:cBhvr>
+                                        <p:cTn id="7" dur="500"/>
+                                        <p:tgtEl>
+                                          <p:spTgt spid="3">
+                                            <p:txEl>
+                                              <p:pRg st="0" end="0"/>
+                                            </p:txEl>
+                                          </p:spTgt>
+                                        </p:tgtEl>
+                                      </p:cBhvr>
+                                    </p:animEffect>
+                                  </p:childTnLst>
+                                </p:cTn>
+                              </p:par>
+                            </p:childTnLst>
+                          </p:cTn>
+                        </p:par>
+                      </p:childTnLst>
+                    </p:cTn>
+                  </p:par>
+                  <p:par>
+                    <p:cTn id="8" fill="hold">
+                      <p:stCondLst>
+                        <p:cond delay="indefinite"/>
+                      </p:stCondLst>
+                      <p:childTnLst>
+                        <p:par>
+                          <p:cTn id="9" fill="hold">
+                            <p:stCondLst>
+                              <p:cond delay="0"/>
+                            </p:stCondLst>
+                            <p:childTnLst>
+                              <p:par>
+                                <p:cTn id="10" presetID="10" presetClass="entr" presetSubtype="0" fill="hold" nodeType="clickEffect">
+                                  <p:stCondLst>
+                                    <p:cond delay="0"/>
+                                  </p:stCondLst>
+                                  <p:childTnLst>
+                                    <p:set>
+                                      <p:cBhvr>
+                                        <p:cTn id="11" dur="1" fill="hold">
+                                          <p:stCondLst>
+                                            <p:cond delay="0"/>
+                                          </p:stCondLst>
+                                        </p:cTn>
+                                        <p:tgtEl>
+                                          <p:spTgt spid="3">
+                                            <p:txEl>
+                                              <p:pRg st="2" end="2"/>
+                                            </p:txEl>
+                                          </p:spTgt>
+                                        </p:tgtEl>
+                                        <p:attrNameLst>
+                                          <p:attrName>style.visibility</p:attrName>
+                                        </p:attrNameLst>
+                                      </p:cBhvr>
+                                      <p:to>
+                                        <p:strVal val="visible"/>
+                                      </p:to>
+                                    </p:set>
+                                    <p:animEffect transition="in" filter="fade">
+                                      <p:cBhvr>
+                                        <p:cTn id="12" dur="500"/>
+                                        <p:tgtEl>
+                                          <p:spTgt spid="3">
+                                            <p:txEl>
+                                              <p:pRg st="2" end="2"/>
+                                            </p:txEl>
+                                          </p:spTgt>
+                                        </p:tgtEl>
+                                      </p:cBhvr>
+                                    </p:animEffect>
+                                  </p:childTnLst>
+                                </p:cTn>
+                              </p:par>
+                            </p:childTnLst>
+                          </p:cTn>
+                        </p:par>
+                      </p:childTnLst>
+                    </p:cTn>
+                  </p:par>
+                  <p:par>
+                    <p:cTn id="13" fill="hold">
+                      <p:stCondLst>
+                        <p:cond delay="indefinite"/>
+                      </p:stCondLst>
+                      <p:childTnLst>
+                        <p:par>
+                          <p:cTn id="14" fill="hold">
+                            <p:stCondLst>
+                              <p:cond delay="0"/>
+                            </p:stCondLst>
+                            <p:childTnLst>
+                              <p:par>
+                                <p:cTn id="15" presetID="10" presetClass="entr" presetSubtype="0" fill="hold" nodeType="clickEffect">
+                                  <p:stCondLst>
+                                    <p:cond delay="0"/>
+                                  </p:stCondLst>
+                                  <p:childTnLst>
+                                    <p:set>
+                                      <p:cBhvr>
+                                        <p:cTn id="16" dur="1" fill="hold">
+                                          <p:stCondLst>
+                                            <p:cond delay="0"/>
+                                          </p:stCondLst>
+                                        </p:cTn>
+                                        <p:tgtEl>
+                                          <p:spTgt spid="3">
+                                            <p:txEl>
+                                              <p:pRg st="4" end="4"/>
+                                            </p:txEl>
+                                          </p:spTgt>
+                                        </p:tgtEl>
+                                        <p:attrNameLst>
+                                          <p:attrName>style.visibility</p:attrName>
+                                        </p:attrNameLst>
+                                      </p:cBhvr>
+                                      <p:to>
+                                        <p:strVal val="visible"/>
+                                      </p:to>
+                                    </p:set>
+                                    <p:animEffect transition="in" filter="fade">
+                                      <p:cBhvr>
+                                        <p:cTn id="17" dur="500"/>
+                                        <p:tgtEl>
+                                          <p:spTgt spid="3">
+                                            <p:txEl>
+                                              <p:pRg st="4" end="4"/>
+                                            </p:txEl>
+                                          </p:spTgt>
+                                        </p:tgtEl>
+                                      </p:cBhvr>
+                                    </p:animEffect>
+                                  </p:childTnLst>
+                                </p:cTn>
+                              </p:par>
+                            </p:childTnLst>
+                          </p:cTn>
+                        </p:par>
+                      </p:childTnLst>
+                    </p:cTn>
+                  </p:par>
+                  <p:par>
+                    <p:cTn id="18" fill="hold">
+                      <p:stCondLst>
+                        <p:cond delay="indefinite"/>
+                      </p:stCondLst>
+                      <p:childTnLst>
+                        <p:par>
+                          <p:cTn id="19" fill="hold">
+                            <p:stCondLst>
+                              <p:cond delay="0"/>
+                            </p:stCondLst>
+                            <p:childTnLst>
+                              <p:par>
+                                <p:cTn id="20" presetID="10" presetClass="entr" presetSubtype="0" fill="hold" nodeType="clickEffect">
+                                  <p:stCondLst>
+                                    <p:cond delay="0"/>
+                                  </p:stCondLst>
+                                  <p:childTnLst>
+                                    <p:set>
+                                      <p:cBhvr>
+                                        <p:cTn id="21" dur="1" fill="hold">
+                                          <p:stCondLst>
+                                            <p:cond delay="0"/>
+                                          </p:stCondLst>
+                                        </p:cTn>
+                                        <p:tgtEl>
+                                          <p:spTgt spid="3">
+                                            <p:txEl>
+                                              <p:pRg st="5" end="5"/>
+                                            </p:txEl>
+                                          </p:spTgt>
+                                        </p:tgtEl>
+                                        <p:attrNameLst>
+                                          <p:attrName>style.visibility</p:attrName>
+                                        </p:attrNameLst>
+                                      </p:cBhvr>
+                                      <p:to>
+                                        <p:strVal val="visible"/>
+                                      </p:to>
+                                    </p:set>
+                                    <p:animEffect transition="in" filter="fade">
+                                      <p:cBhvr>
+                                        <p:cTn id="22" dur="500"/>
+                                        <p:tgtEl>
+                                          <p:spTgt spid="3">
+                                            <p:txEl>
+                                              <p:pRg st="5" end="5"/>
+                                            </p:txEl>
+                                          </p:spTgt>
+                                        </p:tgtEl>
+                                      </p:cBhvr>
+                                    </p:animEffect>
+                                  </p:childTnLst>
+                                </p:cTn>
+                              </p:par>
+                            </p:childTnLst>
+                          </p:cTn>
+                        </p:par>
+                      </p:childTnLst>
+                    </p:cTn>
+                  </p:par>
+                </p:childTnLst>
+              </p:cTn>
+              <p:prevCondLst>
+                <p:cond evt="onPrev" delay="0">
+                  <p:tgtEl>
+                    <p:sldTgt/>
+                  </p:tgtEl>
+                </p:cond>
+              </p:prevCondLst>
+              <p:nextCondLst>
+                <p:cond evt="onNext" delay="0">
+                  <p:tgtEl>
+                    <p:sldTgt/>
+                  </p:tgtEl>
+                </p:cond>
+              </p:nextCondLst>
+            </p:seq>
+          </p:childTnLst>
+        </p:cTn>
+      </p:par>
+    </p:tnLst>
+  </p:timing>
 </p:sld>
 </file>
 
@@ -7859,6 +12378,89 @@
       </p:transition>
     </mc:Fallback>
   </mc:AlternateContent>
+  <p:timing>
+    <p:tnLst>
+      <p:par>
+        <p:cTn id="1" dur="indefinite" restart="never" nodeType="tmRoot">
+          <p:childTnLst>
+            <p:seq concurrent="1" nextAc="seek">
+              <p:cTn id="2" dur="indefinite" nodeType="mainSeq">
+                <p:childTnLst>
+                  <p:par>
+                    <p:cTn id="3" fill="hold">
+                      <p:stCondLst>
+                        <p:cond delay="indefinite"/>
+                      </p:stCondLst>
+                      <p:childTnLst>
+                        <p:par>
+                          <p:cTn id="4" fill="hold">
+                            <p:stCondLst>
+                              <p:cond delay="0"/>
+                            </p:stCondLst>
+                            <p:childTnLst>
+                              <p:par>
+                                <p:cTn id="5" presetID="10" presetClass="entr" presetSubtype="0" fill="hold" nodeType="clickEffect">
+                                  <p:stCondLst>
+                                    <p:cond delay="0"/>
+                                  </p:stCondLst>
+                                  <p:childTnLst>
+                                    <p:set>
+                                      <p:cBhvr>
+                                        <p:cTn id="6" dur="1" fill="hold">
+                                          <p:stCondLst>
+                                            <p:cond delay="0"/>
+                                          </p:stCondLst>
+                                        </p:cTn>
+                                        <p:tgtEl>
+                                          <p:spTgt spid="9"/>
+                                        </p:tgtEl>
+                                        <p:attrNameLst>
+                                          <p:attrName>style.visibility</p:attrName>
+                                        </p:attrNameLst>
+                                      </p:cBhvr>
+                                      <p:to>
+                                        <p:strVal val="visible"/>
+                                      </p:to>
+                                    </p:set>
+                                    <p:animEffect transition="in" filter="fade">
+                                      <p:cBhvr>
+                                        <p:cTn id="7" dur="500"/>
+                                        <p:tgtEl>
+                                          <p:spTgt spid="9"/>
+                                        </p:tgtEl>
+                                      </p:cBhvr>
+                                    </p:animEffect>
+                                  </p:childTnLst>
+                                </p:cTn>
+                              </p:par>
+                            </p:childTnLst>
+                          </p:cTn>
+                        </p:par>
+                      </p:childTnLst>
+                    </p:cTn>
+                  </p:par>
+                </p:childTnLst>
+              </p:cTn>
+              <p:prevCondLst>
+                <p:cond evt="onPrev" delay="0">
+                  <p:tgtEl>
+                    <p:sldTgt/>
+                  </p:tgtEl>
+                </p:cond>
+              </p:prevCondLst>
+              <p:nextCondLst>
+                <p:cond evt="onNext" delay="0">
+                  <p:tgtEl>
+                    <p:sldTgt/>
+                  </p:tgtEl>
+                </p:cond>
+              </p:nextCondLst>
+            </p:seq>
+          </p:childTnLst>
+        </p:cTn>
+      </p:par>
+    </p:tnLst>
+  </p:timing>
 </p:sld>
 </file>
 
@@ -7952,18 +12554,101 @@
   <p:clrMapOvr>
     <a:masterClrMapping/>
   </p:clrMapOvr>
-  <mc:AlternateContent xmlns:mc="http://schemas.openxmlformats.org/markup-compatibility/2006">
-    <mc:Choice xmlns:p14="http://schemas.microsoft.com/office/powerpoint/2010/main" Requires="p14">
+  <mc:AlternateContent xmlns:mc="http://schemas.openxmlformats.org/markup-compatibility/2006" xmlns:p14="http://schemas.microsoft.com/office/powerpoint/2010/main">
+    <mc:Choice Requires="p14">
       <p:transition spd="med" p14:dur="700">
         <p:fade/>
       </p:transition>
     </mc:Choice>
-    <mc:Fallback>
+    <mc:Fallback xmlns="">
       <p:transition spd="med">
         <p:fade/>
       </p:transition>
     </mc:Fallback>
   </mc:AlternateContent>
+  <p:timing>
+    <p:tnLst>
+      <p:par>
+        <p:cTn id="1" dur="indefinite" restart="never" nodeType="tmRoot">
+          <p:childTnLst>
+            <p:seq concurrent="1" nextAc="seek">
+              <p:cTn id="2" dur="indefinite" nodeType="mainSeq">
+                <p:childTnLst>
+                  <p:par>
+                    <p:cTn id="3" fill="hold">
+                      <p:stCondLst>
+                        <p:cond delay="indefinite"/>
+                      </p:stCondLst>
+                      <p:childTnLst>
+                        <p:par>
+                          <p:cTn id="4" fill="hold">
+                            <p:stCondLst>
+                              <p:cond delay="0"/>
+                            </p:stCondLst>
+                            <p:childTnLst>
+                              <p:par>
+                                <p:cTn id="5" presetID="10" presetClass="entr" presetSubtype="0" fill="hold" nodeType="clickEffect">
+                                  <p:stCondLst>
+                                    <p:cond delay="0"/>
+                                  </p:stCondLst>
+                                  <p:childTnLst>
+                                    <p:set>
+                                      <p:cBhvr>
+                                        <p:cTn id="6" dur="1" fill="hold">
+                                          <p:stCondLst>
+                                            <p:cond delay="0"/>
+                                          </p:stCondLst>
+                                        </p:cTn>
+                                        <p:tgtEl>
+                                          <p:spTgt spid="11"/>
+                                        </p:tgtEl>
+                                        <p:attrNameLst>
+                                          <p:attrName>style.visibility</p:attrName>
+                                        </p:attrNameLst>
+                                      </p:cBhvr>
+                                      <p:to>
+                                        <p:strVal val="visible"/>
+                                      </p:to>
+                                    </p:set>
+                                    <p:animEffect transition="in" filter="fade">
+                                      <p:cBhvr>
+                                        <p:cTn id="7" dur="500"/>
+                                        <p:tgtEl>
+                                          <p:spTgt spid="11"/>
+                                        </p:tgtEl>
+                                      </p:cBhvr>
+                                    </p:animEffect>
+                                  </p:childTnLst>
+                                </p:cTn>
+                              </p:par>
+                            </p:childTnLst>
+                          </p:cTn>
+                        </p:par>
+                      </p:childTnLst>
+                    </p:cTn>
+                  </p:par>
+                </p:childTnLst>
+              </p:cTn>
+              <p:prevCondLst>
+                <p:cond evt="onPrev" delay="0">
+                  <p:tgtEl>
+                    <p:sldTgt/>
+                  </p:tgtEl>
+                </p:cond>
+              </p:prevCondLst>
+              <p:nextCondLst>
+                <p:cond evt="onNext" delay="0">
+                  <p:tgtEl>
+                    <p:sldTgt/>
+                  </p:tgtEl>
+                </p:cond>
+              </p:nextCondLst>
+            </p:seq>
+          </p:childTnLst>
+        </p:cTn>
+      </p:par>
+    </p:tnLst>
+  </p:timing>
 </p:sld>
 </file>
 
@@ -8165,18 +12850,228 @@
   <p:clrMapOvr>
     <a:masterClrMapping/>
   </p:clrMapOvr>
-  <mc:AlternateContent xmlns:mc="http://schemas.openxmlformats.org/markup-compatibility/2006">
-    <mc:Choice xmlns:p14="http://schemas.microsoft.com/office/powerpoint/2010/main" Requires="p14">
+  <mc:AlternateContent xmlns:mc="http://schemas.openxmlformats.org/markup-compatibility/2006" xmlns:p14="http://schemas.microsoft.com/office/powerpoint/2010/main">
+    <mc:Choice Requires="p14">
       <p:transition spd="med" p14:dur="700">
         <p:fade/>
       </p:transition>
     </mc:Choice>
-    <mc:Fallback>
+    <mc:Fallback xmlns="">
       <p:transition spd="med">
         <p:fade/>
       </p:transition>
     </mc:Fallback>
   </mc:AlternateContent>
+  <p:timing>
+    <p:tnLst>
+      <p:par>
+        <p:cTn id="1" dur="indefinite" restart="never" nodeType="tmRoot">
+          <p:childTnLst>
+            <p:seq concurrent="1" nextAc="seek">
+              <p:cTn id="2" dur="indefinite" nodeType="mainSeq">
+                <p:childTnLst>
+                  <p:par>
+                    <p:cTn id="3" fill="hold">
+                      <p:stCondLst>
+                        <p:cond delay="indefinite"/>
+                      </p:stCondLst>
+                      <p:childTnLst>
+                        <p:par>
+                          <p:cTn id="4" fill="hold">
+                            <p:stCondLst>
+                              <p:cond delay="0"/>
+                            </p:stCondLst>
+                            <p:childTnLst>
+                              <p:par>
+                                <p:cTn id="5" presetID="10" presetClass="entr" presetSubtype="0" fill="hold" nodeType="clickEffect">
+                                  <p:stCondLst>
+                                    <p:cond delay="0"/>
+                                  </p:stCondLst>
+                                  <p:childTnLst>
+                                    <p:set>
+                                      <p:cBhvr>
+                                        <p:cTn id="6" dur="1" fill="hold">
+                                          <p:stCondLst>
+                                            <p:cond delay="0"/>
+                                          </p:stCondLst>
+                                        </p:cTn>
+                                        <p:tgtEl>
+                                          <p:spTgt spid="6"/>
+                                        </p:tgtEl>
+                                        <p:attrNameLst>
+                                          <p:attrName>style.visibility</p:attrName>
+                                        </p:attrNameLst>
+                                      </p:cBhvr>
+                                      <p:to>
+                                        <p:strVal val="visible"/>
+                                      </p:to>
+                                    </p:set>
+                                    <p:animEffect transition="in" filter="fade">
+                                      <p:cBhvr>
+                                        <p:cTn id="7" dur="500"/>
+                                        <p:tgtEl>
+                                          <p:spTgt spid="6"/>
+                                        </p:tgtEl>
+                                      </p:cBhvr>
+                                    </p:animEffect>
+                                  </p:childTnLst>
+                                </p:cTn>
+                              </p:par>
+                              <p:par>
+                                <p:cTn id="8" presetID="10" presetClass="entr" presetSubtype="0" fill="hold" grpId="0" nodeType="withEffect">
+                                  <p:stCondLst>
+                                    <p:cond delay="0"/>
+                                  </p:stCondLst>
+                                  <p:childTnLst>
+                                    <p:set>
+                                      <p:cBhvr>
+                                        <p:cTn id="9" dur="1" fill="hold">
+                                          <p:stCondLst>
+                                            <p:cond delay="0"/>
+                                          </p:stCondLst>
+                                        </p:cTn>
+                                        <p:tgtEl>
+                                          <p:spTgt spid="7"/>
+                                        </p:tgtEl>
+                                        <p:attrNameLst>
+                                          <p:attrName>style.visibility</p:attrName>
+                                        </p:attrNameLst>
+                                      </p:cBhvr>
+                                      <p:to>
+                                        <p:strVal val="visible"/>
+                                      </p:to>
+                                    </p:set>
+                                    <p:animEffect transition="in" filter="fade">
+                                      <p:cBhvr>
+                                        <p:cTn id="10" dur="500"/>
+                                        <p:tgtEl>
+                                          <p:spTgt spid="7"/>
+                                        </p:tgtEl>
+                                      </p:cBhvr>
+                                    </p:animEffect>
+                                  </p:childTnLst>
+                                </p:cTn>
+                              </p:par>
+                            </p:childTnLst>
+                          </p:cTn>
+                        </p:par>
+                      </p:childTnLst>
+                    </p:cTn>
+                  </p:par>
+                  <p:par>
+                    <p:cTn id="11" fill="hold">
+                      <p:stCondLst>
+                        <p:cond delay="indefinite"/>
+                      </p:stCondLst>
+                      <p:childTnLst>
+                        <p:par>
+                          <p:cTn id="12" fill="hold">
+                            <p:stCondLst>
+                              <p:cond delay="0"/>
+                            </p:stCondLst>
+                            <p:childTnLst>
+                              <p:par>
+                                <p:cTn id="13" presetID="10" presetClass="entr" presetSubtype="0" fill="hold" nodeType="clickEffect">
+                                  <p:stCondLst>
+                                    <p:cond delay="0"/>
+                                  </p:stCondLst>
+                                  <p:childTnLst>
+                                    <p:set>
+                                      <p:cBhvr>
+                                        <p:cTn id="14" dur="1" fill="hold">
+                                          <p:stCondLst>
+                                            <p:cond delay="0"/>
+                                          </p:stCondLst>
+                                        </p:cTn>
+                                        <p:tgtEl>
+                                          <p:spTgt spid="12"/>
+                                        </p:tgtEl>
+                                        <p:attrNameLst>
+                                          <p:attrName>style.visibility</p:attrName>
+                                        </p:attrNameLst>
+                                      </p:cBhvr>
+                                      <p:to>
+                                        <p:strVal val="visible"/>
+                                      </p:to>
+                                    </p:set>
+                                    <p:animEffect transition="in" filter="fade">
+                                      <p:cBhvr>
+                                        <p:cTn id="15" dur="500"/>
+                                        <p:tgtEl>
+                                          <p:spTgt spid="12"/>
+                                        </p:tgtEl>
+                                      </p:cBhvr>
+                                    </p:animEffect>
+                                  </p:childTnLst>
+                                </p:cTn>
+                              </p:par>
+                              <p:par>
+                                <p:cTn id="16" presetID="10" presetClass="entr" presetSubtype="0" fill="hold" grpId="0" nodeType="withEffect">
+                                  <p:stCondLst>
+                                    <p:cond delay="0"/>
+                                  </p:stCondLst>
+                                  <p:childTnLst>
+                                    <p:set>
+                                      <p:cBhvr>
+                                        <p:cTn id="17" dur="1" fill="hold">
+                                          <p:stCondLst>
+                                            <p:cond delay="0"/>
+                                          </p:stCondLst>
+                                        </p:cTn>
+                                        <p:tgtEl>
+                                          <p:spTgt spid="15"/>
+                                        </p:tgtEl>
+                                        <p:attrNameLst>
+                                          <p:attrName>style.visibility</p:attrName>
+                                        </p:attrNameLst>
+                                      </p:cBhvr>
+                                      <p:to>
+                                        <p:strVal val="visible"/>
+                                      </p:to>
+                                    </p:set>
+                                    <p:animEffect transition="in" filter="fade">
+                                      <p:cBhvr>
+                                        <p:cTn id="18" dur="500"/>
+                                        <p:tgtEl>
+                                          <p:spTgt spid="15"/>
+                                        </p:tgtEl>
+                                      </p:cBhvr>
+                                    </p:animEffect>
+                                  </p:childTnLst>
+                                </p:cTn>
+                              </p:par>
+                            </p:childTnLst>
+                          </p:cTn>
+                        </p:par>
+                      </p:childTnLst>
+                    </p:cTn>
+                  </p:par>
+                </p:childTnLst>
+              </p:cTn>
+              <p:prevCondLst>
+                <p:cond evt="onPrev" delay="0">
+                  <p:tgtEl>
+                    <p:sldTgt/>
+                  </p:tgtEl>
+                </p:cond>
+              </p:prevCondLst>
+              <p:nextCondLst>
+                <p:cond evt="onNext" delay="0">
+                  <p:tgtEl>
+                    <p:sldTgt/>
+                  </p:tgtEl>
+                </p:cond>
+              </p:nextCondLst>
+            </p:seq>
+          </p:childTnLst>
+        </p:cTn>
+      </p:par>
+    </p:tnLst>
+    <p:bldLst>
+      <p:bldP spid="7" grpId="0"/>
+      <p:bldP spid="15" grpId="0"/>
+    </p:bldLst>
+  </p:timing>
 </p:sld>
 </file>
 
@@ -8233,7 +13128,7 @@
         <p:spPr/>
         <p:txBody>
           <a:bodyPr rtlCol="0">
-            <a:normAutofit/>
+            <a:normAutofit lnSpcReduction="10000"/>
           </a:bodyPr>
           <a:lstStyle/>
           <a:p>
@@ -8244,12 +13139,6 @@
               <a:rPr lang="en-GB" dirty="0"/>
               <a:t>Given a tester and a position, his/her list of csv files, relative to that position, are analysed.</a:t>
             </a:r>
-          </a:p>
-          <a:p>
-            <a:pPr marL="109728" indent="0" rtl="0">
-              <a:buNone/>
-            </a:pPr>
-            <a:endParaRPr lang="en-GB" dirty="0"/>
           </a:p>
           <a:p>
             <a:pPr marL="109728" indent="0" rtl="0">
@@ -8292,29 +13181,28 @@
             <a:endParaRPr lang="en-GB" dirty="0"/>
           </a:p>
           <a:p>
-            <a:pPr marL="916686" lvl="1" indent="-514350">
-              <a:buFont typeface="+mj-lt"/>
-              <a:buAutoNum type="arabicPeriod"/>
+            <a:pPr marL="109728" indent="0">
+              <a:buNone/>
             </a:pPr>
             <a:r>
-              <a:rPr lang="en-GB" sz="2000" dirty="0"/>
-              <a:t>These values are saved in a </a:t>
-            </a:r>
-            <a:r>
-              <a:rPr lang="en-GB" sz="2000" dirty="0" err="1"/>
+              <a:rPr lang="en-GB" dirty="0"/>
+              <a:t>For every tester and position, these values are concatenated in a </a:t>
+            </a:r>
+            <a:r>
+              <a:rPr lang="en-GB" dirty="0" err="1"/>
               <a:t>dataframe</a:t>
             </a:r>
             <a:r>
-              <a:rPr lang="en-GB" sz="2000" dirty="0"/>
+              <a:rPr lang="en-GB" dirty="0"/>
               <a:t> (at the end there will be one of this </a:t>
             </a:r>
             <a:r>
-              <a:rPr lang="en-GB" sz="2000" dirty="0" err="1"/>
+              <a:rPr lang="en-GB" dirty="0" err="1"/>
               <a:t>dataframes</a:t>
             </a:r>
             <a:r>
-              <a:rPr lang="en-GB" sz="2000" dirty="0"/>
-              <a:t> for each possible position)</a:t>
+              <a:rPr lang="en-GB" dirty="0"/>
+              <a:t> for each possible position for each tester)</a:t>
             </a:r>
           </a:p>
           <a:p>
@@ -8355,6 +13243,384 @@
       </p:transition>
     </mc:Fallback>
   </mc:AlternateContent>
+  <p:timing>
+    <p:tnLst>
+      <p:par>
+        <p:cTn id="1" dur="indefinite" restart="never" nodeType="tmRoot">
+          <p:childTnLst>
+            <p:seq concurrent="1" nextAc="seek">
+              <p:cTn id="2" dur="indefinite" nodeType="mainSeq">
+                <p:childTnLst>
+                  <p:par>
+                    <p:cTn id="3" fill="hold">
+                      <p:stCondLst>
+                        <p:cond delay="indefinite"/>
+                      </p:stCondLst>
+                      <p:childTnLst>
+                        <p:par>
+                          <p:cTn id="4" fill="hold">
+                            <p:stCondLst>
+                              <p:cond delay="0"/>
+                            </p:stCondLst>
+                            <p:childTnLst>
+                              <p:par>
+                                <p:cTn id="5" presetID="10" presetClass="entr" presetSubtype="0" fill="hold" nodeType="clickEffect">
+                                  <p:stCondLst>
+                                    <p:cond delay="0"/>
+                                  </p:stCondLst>
+                                  <p:childTnLst>
+                                    <p:set>
+                                      <p:cBhvr>
+                                        <p:cTn id="6" dur="1" fill="hold">
+                                          <p:stCondLst>
+                                            <p:cond delay="0"/>
+                                          </p:stCondLst>
+                                        </p:cTn>
+                                        <p:tgtEl>
+                                          <p:spTgt spid="3">
+                                            <p:txEl>
+                                              <p:pRg st="0" end="0"/>
+                                            </p:txEl>
+                                          </p:spTgt>
+                                        </p:tgtEl>
+                                        <p:attrNameLst>
+                                          <p:attrName>style.visibility</p:attrName>
+                                        </p:attrNameLst>
+                                      </p:cBhvr>
+                                      <p:to>
+                                        <p:strVal val="visible"/>
+                                      </p:to>
+                                    </p:set>
+                                    <p:animEffect transition="in" filter="fade">
+                                      <p:cBhvr>
+                                        <p:cTn id="7" dur="500"/>
+                                        <p:tgtEl>
+                                          <p:spTgt spid="3">
+                                            <p:txEl>
+                                              <p:pRg st="0" end="0"/>
+                                            </p:txEl>
+                                          </p:spTgt>
+                                        </p:tgtEl>
+                                      </p:cBhvr>
+                                    </p:animEffect>
+                                  </p:childTnLst>
+                                </p:cTn>
+                              </p:par>
+                              <p:par>
+                                <p:cTn id="8" presetID="10" presetClass="entr" presetSubtype="0" fill="hold" nodeType="withEffect">
+                                  <p:stCondLst>
+                                    <p:cond delay="0"/>
+                                  </p:stCondLst>
+                                  <p:childTnLst>
+                                    <p:set>
+                                      <p:cBhvr>
+                                        <p:cTn id="9" dur="1" fill="hold">
+                                          <p:stCondLst>
+                                            <p:cond delay="0"/>
+                                          </p:stCondLst>
+                                        </p:cTn>
+                                        <p:tgtEl>
+                                          <p:spTgt spid="3">
+                                            <p:txEl>
+                                              <p:pRg st="1" end="1"/>
+                                            </p:txEl>
+                                          </p:spTgt>
+                                        </p:tgtEl>
+                                        <p:attrNameLst>
+                                          <p:attrName>style.visibility</p:attrName>
+                                        </p:attrNameLst>
+                                      </p:cBhvr>
+                                      <p:to>
+                                        <p:strVal val="visible"/>
+                                      </p:to>
+                                    </p:set>
+                                    <p:animEffect transition="in" filter="fade">
+                                      <p:cBhvr>
+                                        <p:cTn id="10" dur="500"/>
+                                        <p:tgtEl>
+                                          <p:spTgt spid="3">
+                                            <p:txEl>
+                                              <p:pRg st="1" end="1"/>
+                                            </p:txEl>
+                                          </p:spTgt>
+                                        </p:tgtEl>
+                                      </p:cBhvr>
+                                    </p:animEffect>
+                                  </p:childTnLst>
+                                </p:cTn>
+                              </p:par>
+                            </p:childTnLst>
+                          </p:cTn>
+                        </p:par>
+                      </p:childTnLst>
+                    </p:cTn>
+                  </p:par>
+                  <p:par>
+                    <p:cTn id="11" fill="hold">
+                      <p:stCondLst>
+                        <p:cond delay="indefinite"/>
+                      </p:stCondLst>
+                      <p:childTnLst>
+                        <p:par>
+                          <p:cTn id="12" fill="hold">
+                            <p:stCondLst>
+                              <p:cond delay="0"/>
+                            </p:stCondLst>
+                            <p:childTnLst>
+                              <p:par>
+                                <p:cTn id="13" presetID="10" presetClass="entr" presetSubtype="0" fill="hold" nodeType="clickEffect">
+                                  <p:stCondLst>
+                                    <p:cond delay="0"/>
+                                  </p:stCondLst>
+                                  <p:childTnLst>
+                                    <p:set>
+                                      <p:cBhvr>
+                                        <p:cTn id="14" dur="1" fill="hold">
+                                          <p:stCondLst>
+                                            <p:cond delay="0"/>
+                                          </p:stCondLst>
+                                        </p:cTn>
+                                        <p:tgtEl>
+                                          <p:spTgt spid="3">
+                                            <p:txEl>
+                                              <p:pRg st="2" end="2"/>
+                                            </p:txEl>
+                                          </p:spTgt>
+                                        </p:tgtEl>
+                                        <p:attrNameLst>
+                                          <p:attrName>style.visibility</p:attrName>
+                                        </p:attrNameLst>
+                                      </p:cBhvr>
+                                      <p:to>
+                                        <p:strVal val="visible"/>
+                                      </p:to>
+                                    </p:set>
+                                    <p:animEffect transition="in" filter="fade">
+                                      <p:cBhvr>
+                                        <p:cTn id="15" dur="500"/>
+                                        <p:tgtEl>
+                                          <p:spTgt spid="3">
+                                            <p:txEl>
+                                              <p:pRg st="2" end="2"/>
+                                            </p:txEl>
+                                          </p:spTgt>
+                                        </p:tgtEl>
+                                      </p:cBhvr>
+                                    </p:animEffect>
+                                  </p:childTnLst>
+                                </p:cTn>
+                              </p:par>
+                            </p:childTnLst>
+                          </p:cTn>
+                        </p:par>
+                      </p:childTnLst>
+                    </p:cTn>
+                  </p:par>
+                  <p:par>
+                    <p:cTn id="16" fill="hold">
+                      <p:stCondLst>
+                        <p:cond delay="indefinite"/>
+                      </p:stCondLst>
+                      <p:childTnLst>
+                        <p:par>
+                          <p:cTn id="17" fill="hold">
+                            <p:stCondLst>
+                              <p:cond delay="0"/>
+                            </p:stCondLst>
+                            <p:childTnLst>
+                              <p:par>
+                                <p:cTn id="18" presetID="10" presetClass="entr" presetSubtype="0" fill="hold" nodeType="clickEffect">
+                                  <p:stCondLst>
+                                    <p:cond delay="0"/>
+                                  </p:stCondLst>
+                                  <p:childTnLst>
+                                    <p:set>
+                                      <p:cBhvr>
+                                        <p:cTn id="19" dur="1" fill="hold">
+                                          <p:stCondLst>
+                                            <p:cond delay="0"/>
+                                          </p:stCondLst>
+                                        </p:cTn>
+                                        <p:tgtEl>
+                                          <p:spTgt spid="3">
+                                            <p:txEl>
+                                              <p:pRg st="3" end="3"/>
+                                            </p:txEl>
+                                          </p:spTgt>
+                                        </p:tgtEl>
+                                        <p:attrNameLst>
+                                          <p:attrName>style.visibility</p:attrName>
+                                        </p:attrNameLst>
+                                      </p:cBhvr>
+                                      <p:to>
+                                        <p:strVal val="visible"/>
+                                      </p:to>
+                                    </p:set>
+                                    <p:animEffect transition="in" filter="fade">
+                                      <p:cBhvr>
+                                        <p:cTn id="20" dur="500"/>
+                                        <p:tgtEl>
+                                          <p:spTgt spid="3">
+                                            <p:txEl>
+                                              <p:pRg st="3" end="3"/>
+                                            </p:txEl>
+                                          </p:spTgt>
+                                        </p:tgtEl>
+                                      </p:cBhvr>
+                                    </p:animEffect>
+                                  </p:childTnLst>
+                                </p:cTn>
+                              </p:par>
+                            </p:childTnLst>
+                          </p:cTn>
+                        </p:par>
+                      </p:childTnLst>
+                    </p:cTn>
+                  </p:par>
+                  <p:par>
+                    <p:cTn id="21" fill="hold">
+                      <p:stCondLst>
+                        <p:cond delay="indefinite"/>
+                      </p:stCondLst>
+                      <p:childTnLst>
+                        <p:par>
+                          <p:cTn id="22" fill="hold">
+                            <p:stCondLst>
+                              <p:cond delay="0"/>
+                            </p:stCondLst>
+                            <p:childTnLst>
+                              <p:par>
+                                <p:cTn id="23" presetID="10" presetClass="entr" presetSubtype="0" fill="hold" nodeType="clickEffect">
+                                  <p:stCondLst>
+                                    <p:cond delay="0"/>
+                                  </p:stCondLst>
+                                  <p:childTnLst>
+                                    <p:set>
+                                      <p:cBhvr>
+                                        <p:cTn id="24" dur="1" fill="hold">
+                                          <p:stCondLst>
+                                            <p:cond delay="0"/>
+                                          </p:stCondLst>
+                                        </p:cTn>
+                                        <p:tgtEl>
+                                          <p:spTgt spid="3">
+                                            <p:txEl>
+                                              <p:pRg st="4" end="4"/>
+                                            </p:txEl>
+                                          </p:spTgt>
+                                        </p:tgtEl>
+                                        <p:attrNameLst>
+                                          <p:attrName>style.visibility</p:attrName>
+                                        </p:attrNameLst>
+                                      </p:cBhvr>
+                                      <p:to>
+                                        <p:strVal val="visible"/>
+                                      </p:to>
+                                    </p:set>
+                                    <p:animEffect transition="in" filter="fade">
+                                      <p:cBhvr>
+                                        <p:cTn id="25" dur="500"/>
+                                        <p:tgtEl>
+                                          <p:spTgt spid="3">
+                                            <p:txEl>
+                                              <p:pRg st="4" end="4"/>
+                                            </p:txEl>
+                                          </p:spTgt>
+                                        </p:tgtEl>
+                                      </p:cBhvr>
+                                    </p:animEffect>
+                                  </p:childTnLst>
+                                </p:cTn>
+                              </p:par>
+                            </p:childTnLst>
+                          </p:cTn>
+                        </p:par>
+                      </p:childTnLst>
+                    </p:cTn>
+                  </p:par>
+                  <p:par>
+                    <p:cTn id="26" fill="hold">
+                      <p:stCondLst>
+                        <p:cond delay="indefinite"/>
+                      </p:stCondLst>
+                      <p:childTnLst>
+                        <p:par>
+                          <p:cTn id="27" fill="hold">
+                            <p:stCondLst>
+                              <p:cond delay="0"/>
+                            </p:stCondLst>
+                            <p:childTnLst>
+                              <p:par>
+                                <p:cTn id="28" presetID="10" presetClass="entr" presetSubtype="0" fill="hold" nodeType="clickEffect">
+                                  <p:stCondLst>
+                                    <p:cond delay="0"/>
+                                  </p:stCondLst>
+                                  <p:childTnLst>
+                                    <p:set>
+                                      <p:cBhvr>
+                                        <p:cTn id="29" dur="1" fill="hold">
+                                          <p:stCondLst>
+                                            <p:cond delay="0"/>
+                                          </p:stCondLst>
+                                        </p:cTn>
+                                        <p:tgtEl>
+                                          <p:spTgt spid="3">
+                                            <p:txEl>
+                                              <p:pRg st="5" end="5"/>
+                                            </p:txEl>
+                                          </p:spTgt>
+                                        </p:tgtEl>
+                                        <p:attrNameLst>
+                                          <p:attrName>style.visibility</p:attrName>
+                                        </p:attrNameLst>
+                                      </p:cBhvr>
+                                      <p:to>
+                                        <p:strVal val="visible"/>
+                                      </p:to>
+                                    </p:set>
+                                    <p:animEffect transition="in" filter="fade">
+                                      <p:cBhvr>
+                                        <p:cTn id="30" dur="500"/>
+                                        <p:tgtEl>
+                                          <p:spTgt spid="3">
+                                            <p:txEl>
+                                              <p:pRg st="5" end="5"/>
+                                            </p:txEl>
+                                          </p:spTgt>
+                                        </p:tgtEl>
+                                      </p:cBhvr>
+                                    </p:animEffect>
+                                  </p:childTnLst>
+                                </p:cTn>
+                              </p:par>
+                            </p:childTnLst>
+                          </p:cTn>
+                        </p:par>
+                      </p:childTnLst>
+                    </p:cTn>
+                  </p:par>
+                </p:childTnLst>
+              </p:cTn>
+              <p:prevCondLst>
+                <p:cond evt="onPrev" delay="0">
+                  <p:tgtEl>
+                    <p:sldTgt/>
+                  </p:tgtEl>
+                </p:cond>
+              </p:prevCondLst>
+              <p:nextCondLst>
+                <p:cond evt="onNext" delay="0">
+                  <p:tgtEl>
+                    <p:sldTgt/>
+                  </p:tgtEl>
+                </p:cond>
+              </p:nextCondLst>
+            </p:seq>
+          </p:childTnLst>
+        </p:cTn>
+      </p:par>
+    </p:tnLst>
+  </p:timing>
 </p:sld>
 </file>
 
@@ -8438,7 +13704,7 @@
             </a:pPr>
             <a:r>
               <a:rPr lang="en-GB" sz="2000" dirty="0"/>
-              <a:t>The first 150 files from each tester-position pair are discarded </a:t>
+              <a:t>The first and last 150 files from each tester-position pair are discarded </a:t>
             </a:r>
           </a:p>
           <a:p>
@@ -8489,18 +13755,353 @@
   <p:clrMapOvr>
     <a:masterClrMapping/>
   </p:clrMapOvr>
-  <mc:AlternateContent xmlns:mc="http://schemas.openxmlformats.org/markup-compatibility/2006">
-    <mc:Choice xmlns:p14="http://schemas.microsoft.com/office/powerpoint/2010/main" Requires="p14">
+  <mc:AlternateContent xmlns:mc="http://schemas.openxmlformats.org/markup-compatibility/2006" xmlns:p14="http://schemas.microsoft.com/office/powerpoint/2010/main">
+    <mc:Choice Requires="p14">
       <p:transition spd="med" p14:dur="700">
         <p:fade/>
       </p:transition>
     </mc:Choice>
-    <mc:Fallback>
+    <mc:Fallback xmlns="">
       <p:transition spd="med">
         <p:fade/>
       </p:transition>
     </mc:Fallback>
   </mc:AlternateContent>
+  <p:timing>
+    <p:tnLst>
+      <p:par>
+        <p:cTn id="1" dur="indefinite" restart="never" nodeType="tmRoot">
+          <p:childTnLst>
+            <p:seq concurrent="1" nextAc="seek">
+              <p:cTn id="2" dur="indefinite" nodeType="mainSeq">
+                <p:childTnLst>
+                  <p:par>
+                    <p:cTn id="3" fill="hold">
+                      <p:stCondLst>
+                        <p:cond delay="indefinite"/>
+                      </p:stCondLst>
+                      <p:childTnLst>
+                        <p:par>
+                          <p:cTn id="4" fill="hold">
+                            <p:stCondLst>
+                              <p:cond delay="0"/>
+                            </p:stCondLst>
+                            <p:childTnLst>
+                              <p:par>
+                                <p:cTn id="5" presetID="10" presetClass="entr" presetSubtype="0" fill="hold" nodeType="clickEffect">
+                                  <p:stCondLst>
+                                    <p:cond delay="0"/>
+                                  </p:stCondLst>
+                                  <p:childTnLst>
+                                    <p:set>
+                                      <p:cBhvr>
+                                        <p:cTn id="6" dur="1" fill="hold">
+                                          <p:stCondLst>
+                                            <p:cond delay="0"/>
+                                          </p:stCondLst>
+                                        </p:cTn>
+                                        <p:tgtEl>
+                                          <p:spTgt spid="3">
+                                            <p:txEl>
+                                              <p:pRg st="0" end="0"/>
+                                            </p:txEl>
+                                          </p:spTgt>
+                                        </p:tgtEl>
+                                        <p:attrNameLst>
+                                          <p:attrName>style.visibility</p:attrName>
+                                        </p:attrNameLst>
+                                      </p:cBhvr>
+                                      <p:to>
+                                        <p:strVal val="visible"/>
+                                      </p:to>
+                                    </p:set>
+                                    <p:animEffect transition="in" filter="fade">
+                                      <p:cBhvr>
+                                        <p:cTn id="7" dur="500"/>
+                                        <p:tgtEl>
+                                          <p:spTgt spid="3">
+                                            <p:txEl>
+                                              <p:pRg st="0" end="0"/>
+                                            </p:txEl>
+                                          </p:spTgt>
+                                        </p:tgtEl>
+                                      </p:cBhvr>
+                                    </p:animEffect>
+                                  </p:childTnLst>
+                                </p:cTn>
+                              </p:par>
+                            </p:childTnLst>
+                          </p:cTn>
+                        </p:par>
+                      </p:childTnLst>
+                    </p:cTn>
+                  </p:par>
+                  <p:par>
+                    <p:cTn id="8" fill="hold">
+                      <p:stCondLst>
+                        <p:cond delay="indefinite"/>
+                      </p:stCondLst>
+                      <p:childTnLst>
+                        <p:par>
+                          <p:cTn id="9" fill="hold">
+                            <p:stCondLst>
+                              <p:cond delay="0"/>
+                            </p:stCondLst>
+                            <p:childTnLst>
+                              <p:par>
+                                <p:cTn id="10" presetID="10" presetClass="entr" presetSubtype="0" fill="hold" nodeType="clickEffect">
+                                  <p:stCondLst>
+                                    <p:cond delay="0"/>
+                                  </p:stCondLst>
+                                  <p:childTnLst>
+                                    <p:set>
+                                      <p:cBhvr>
+                                        <p:cTn id="11" dur="1" fill="hold">
+                                          <p:stCondLst>
+                                            <p:cond delay="0"/>
+                                          </p:stCondLst>
+                                        </p:cTn>
+                                        <p:tgtEl>
+                                          <p:spTgt spid="3">
+                                            <p:txEl>
+                                              <p:pRg st="1" end="1"/>
+                                            </p:txEl>
+                                          </p:spTgt>
+                                        </p:tgtEl>
+                                        <p:attrNameLst>
+                                          <p:attrName>style.visibility</p:attrName>
+                                        </p:attrNameLst>
+                                      </p:cBhvr>
+                                      <p:to>
+                                        <p:strVal val="visible"/>
+                                      </p:to>
+                                    </p:set>
+                                    <p:animEffect transition="in" filter="fade">
+                                      <p:cBhvr>
+                                        <p:cTn id="12" dur="500"/>
+                                        <p:tgtEl>
+                                          <p:spTgt spid="3">
+                                            <p:txEl>
+                                              <p:pRg st="1" end="1"/>
+                                            </p:txEl>
+                                          </p:spTgt>
+                                        </p:tgtEl>
+                                      </p:cBhvr>
+                                    </p:animEffect>
+                                  </p:childTnLst>
+                                </p:cTn>
+                              </p:par>
+                            </p:childTnLst>
+                          </p:cTn>
+                        </p:par>
+                      </p:childTnLst>
+                    </p:cTn>
+                  </p:par>
+                  <p:par>
+                    <p:cTn id="13" fill="hold">
+                      <p:stCondLst>
+                        <p:cond delay="indefinite"/>
+                      </p:stCondLst>
+                      <p:childTnLst>
+                        <p:par>
+                          <p:cTn id="14" fill="hold">
+                            <p:stCondLst>
+                              <p:cond delay="0"/>
+                            </p:stCondLst>
+                            <p:childTnLst>
+                              <p:par>
+                                <p:cTn id="15" presetID="10" presetClass="entr" presetSubtype="0" fill="hold" nodeType="clickEffect">
+                                  <p:stCondLst>
+                                    <p:cond delay="0"/>
+                                  </p:stCondLst>
+                                  <p:childTnLst>
+                                    <p:set>
+                                      <p:cBhvr>
+                                        <p:cTn id="16" dur="1" fill="hold">
+                                          <p:stCondLst>
+                                            <p:cond delay="0"/>
+                                          </p:stCondLst>
+                                        </p:cTn>
+                                        <p:tgtEl>
+                                          <p:spTgt spid="3">
+                                            <p:txEl>
+                                              <p:pRg st="2" end="2"/>
+                                            </p:txEl>
+                                          </p:spTgt>
+                                        </p:tgtEl>
+                                        <p:attrNameLst>
+                                          <p:attrName>style.visibility</p:attrName>
+                                        </p:attrNameLst>
+                                      </p:cBhvr>
+                                      <p:to>
+                                        <p:strVal val="visible"/>
+                                      </p:to>
+                                    </p:set>
+                                    <p:animEffect transition="in" filter="fade">
+                                      <p:cBhvr>
+                                        <p:cTn id="17" dur="500"/>
+                                        <p:tgtEl>
+                                          <p:spTgt spid="3">
+                                            <p:txEl>
+                                              <p:pRg st="2" end="2"/>
+                                            </p:txEl>
+                                          </p:spTgt>
+                                        </p:tgtEl>
+                                      </p:cBhvr>
+                                    </p:animEffect>
+                                  </p:childTnLst>
+                                </p:cTn>
+                              </p:par>
+                            </p:childTnLst>
+                          </p:cTn>
+                        </p:par>
+                      </p:childTnLst>
+                    </p:cTn>
+                  </p:par>
+                  <p:par>
+                    <p:cTn id="18" fill="hold">
+                      <p:stCondLst>
+                        <p:cond delay="indefinite"/>
+                      </p:stCondLst>
+                      <p:childTnLst>
+                        <p:par>
+                          <p:cTn id="19" fill="hold">
+                            <p:stCondLst>
+                              <p:cond delay="0"/>
+                            </p:stCondLst>
+                            <p:childTnLst>
+                              <p:par>
+                                <p:cTn id="20" presetID="10" presetClass="entr" presetSubtype="0" fill="hold" nodeType="clickEffect">
+                                  <p:stCondLst>
+                                    <p:cond delay="0"/>
+                                  </p:stCondLst>
+                                  <p:childTnLst>
+                                    <p:set>
+                                      <p:cBhvr>
+                                        <p:cTn id="21" dur="1" fill="hold">
+                                          <p:stCondLst>
+                                            <p:cond delay="0"/>
+                                          </p:stCondLst>
+                                        </p:cTn>
+                                        <p:tgtEl>
+                                          <p:spTgt spid="3">
+                                            <p:txEl>
+                                              <p:pRg st="3" end="3"/>
+                                            </p:txEl>
+                                          </p:spTgt>
+                                        </p:tgtEl>
+                                        <p:attrNameLst>
+                                          <p:attrName>style.visibility</p:attrName>
+                                        </p:attrNameLst>
+                                      </p:cBhvr>
+                                      <p:to>
+                                        <p:strVal val="visible"/>
+                                      </p:to>
+                                    </p:set>
+                                    <p:animEffect transition="in" filter="fade">
+                                      <p:cBhvr>
+                                        <p:cTn id="22" dur="500"/>
+                                        <p:tgtEl>
+                                          <p:spTgt spid="3">
+                                            <p:txEl>
+                                              <p:pRg st="3" end="3"/>
+                                            </p:txEl>
+                                          </p:spTgt>
+                                        </p:tgtEl>
+                                      </p:cBhvr>
+                                    </p:animEffect>
+                                  </p:childTnLst>
+                                </p:cTn>
+                              </p:par>
+                            </p:childTnLst>
+                          </p:cTn>
+                        </p:par>
+                      </p:childTnLst>
+                    </p:cTn>
+                  </p:par>
+                  <p:par>
+                    <p:cTn id="23" fill="hold">
+                      <p:stCondLst>
+                        <p:cond delay="indefinite"/>
+                      </p:stCondLst>
+                      <p:childTnLst>
+                        <p:par>
+                          <p:cTn id="24" fill="hold">
+                            <p:stCondLst>
+                              <p:cond delay="0"/>
+                            </p:stCondLst>
+                            <p:childTnLst>
+                              <p:par>
+                                <p:cTn id="25" presetID="10" presetClass="entr" presetSubtype="0" fill="hold" nodeType="clickEffect">
+                                  <p:stCondLst>
+                                    <p:cond delay="0"/>
+                                  </p:stCondLst>
+                                  <p:childTnLst>
+                                    <p:set>
+                                      <p:cBhvr>
+                                        <p:cTn id="26" dur="1" fill="hold">
+                                          <p:stCondLst>
+                                            <p:cond delay="0"/>
+                                          </p:stCondLst>
+                                        </p:cTn>
+                                        <p:tgtEl>
+                                          <p:spTgt spid="3">
+                                            <p:txEl>
+                                              <p:pRg st="5" end="5"/>
+                                            </p:txEl>
+                                          </p:spTgt>
+                                        </p:tgtEl>
+                                        <p:attrNameLst>
+                                          <p:attrName>style.visibility</p:attrName>
+                                        </p:attrNameLst>
+                                      </p:cBhvr>
+                                      <p:to>
+                                        <p:strVal val="visible"/>
+                                      </p:to>
+                                    </p:set>
+                                    <p:animEffect transition="in" filter="fade">
+                                      <p:cBhvr>
+                                        <p:cTn id="27" dur="500"/>
+                                        <p:tgtEl>
+                                          <p:spTgt spid="3">
+                                            <p:txEl>
+                                              <p:pRg st="5" end="5"/>
+                                            </p:txEl>
+                                          </p:spTgt>
+                                        </p:tgtEl>
+                                      </p:cBhvr>
+                                    </p:animEffect>
+                                  </p:childTnLst>
+                                </p:cTn>
+                              </p:par>
+                            </p:childTnLst>
+                          </p:cTn>
+                        </p:par>
+                      </p:childTnLst>
+                    </p:cTn>
+                  </p:par>
+                </p:childTnLst>
+              </p:cTn>
+              <p:prevCondLst>
+                <p:cond evt="onPrev" delay="0">
+                  <p:tgtEl>
+                    <p:sldTgt/>
+                  </p:tgtEl>
+                </p:cond>
+              </p:prevCondLst>
+              <p:nextCondLst>
+                <p:cond evt="onNext" delay="0">
+                  <p:tgtEl>
+                    <p:sldTgt/>
+                  </p:tgtEl>
+                </p:cond>
+              </p:nextCondLst>
+            </p:seq>
+          </p:childTnLst>
+        </p:cTn>
+      </p:par>
+    </p:tnLst>
+  </p:timing>
 </p:sld>
 </file>
 
@@ -8531,7 +14132,12 @@
             <p:ph type="title"/>
           </p:nvPr>
         </p:nvSpPr>
-        <p:spPr/>
+        <p:spPr>
+          <a:xfrm>
+            <a:off x="609600" y="654655"/>
+            <a:ext cx="10972800" cy="1066800"/>
+          </a:xfrm>
+        </p:spPr>
         <p:txBody>
           <a:bodyPr rtlCol="0"/>
           <a:lstStyle/>
@@ -8539,68 +14145,153 @@
             <a:pPr rtl="0"/>
             <a:r>
               <a:rPr lang="en-GB" dirty="0"/>
-              <a:t>Lesson 1: Content</a:t>
-            </a:r>
-          </a:p>
-        </p:txBody>
-      </p:sp>
-      <p:sp>
-        <p:nvSpPr>
-          <p:cNvPr id="6" name="Text Placeholder 5"/>
-          <p:cNvSpPr>
-            <a:spLocks noGrp="1"/>
-          </p:cNvSpPr>
+              <a:t>Preprocessing (III)</a:t>
+            </a:r>
+          </a:p>
+        </p:txBody>
+      </p:sp>
+      <p:pic>
+        <p:nvPicPr>
+          <p:cNvPr id="4" name="Content Placeholder 3" descr="A graph with numbers and symbols&#10;&#10;Description automatically generated with medium confidence">
+            <a:extLst>
+              <a:ext uri="{FF2B5EF4-FFF2-40B4-BE49-F238E27FC236}">
+                <a16:creationId xmlns:a16="http://schemas.microsoft.com/office/drawing/2014/main" id="{ECB24767-D068-8F13-7925-16B9AF8467E7}"/>
+              </a:ext>
+            </a:extLst>
+          </p:cNvPr>
+          <p:cNvPicPr>
+            <a:picLocks noGrp="1" noChangeAspect="1"/>
+          </p:cNvPicPr>
           <p:nvPr>
             <p:ph sz="half" idx="1"/>
           </p:nvPr>
-        </p:nvSpPr>
-        <p:spPr/>
-        <p:txBody>
-          <a:bodyPr rtlCol="0"/>
-          <a:lstStyle/>
-          <a:p>
-            <a:pPr rtl="0"/>
-            <a:r>
-              <a:rPr lang="en-GB" dirty="0"/>
-              <a:t>Add text here. </a:t>
-            </a:r>
-          </a:p>
-          <a:p>
-            <a:pPr rtl="0"/>
-            <a:r>
-              <a:rPr lang="en-GB" dirty="0"/>
-              <a:t>To add a picture, chart or other content in the right column, click the appropriate icon.</a:t>
-            </a:r>
-          </a:p>
-          <a:p>
-            <a:pPr rtl="0"/>
-            <a:r>
-              <a:rPr lang="en-GB" dirty="0"/>
-              <a:t>To add a slide, click New Slide on the Insert menu, or press CTRL+M.</a:t>
-            </a:r>
-          </a:p>
-        </p:txBody>
-      </p:sp>
-      <p:sp>
-        <p:nvSpPr>
-          <p:cNvPr id="3" name="Content Placeholder 2"/>
-          <p:cNvSpPr>
-            <a:spLocks noGrp="1"/>
-          </p:cNvSpPr>
+        </p:nvPicPr>
+        <p:blipFill>
+          <a:blip r:embed="rId3" cstate="print">
+            <a:extLst>
+              <a:ext uri="{28A0092B-C50C-407E-A947-70E740481C1C}">
+                <a14:useLocalDpi xmlns:a14="http://schemas.microsoft.com/office/drawing/2010/main" val="0"/>
+              </a:ext>
+            </a:extLst>
+          </a:blip>
+          <a:stretch>
+            <a:fillRect/>
+          </a:stretch>
+        </p:blipFill>
+        <p:spPr>
+          <a:xfrm>
+            <a:off x="1532200" y="1721455"/>
+            <a:ext cx="2992534" cy="2402818"/>
+          </a:xfrm>
+        </p:spPr>
+      </p:pic>
+      <p:pic>
+        <p:nvPicPr>
+          <p:cNvPr id="7" name="Content Placeholder 6" descr="A graph with red and blue dots&#10;&#10;Description automatically generated">
+            <a:extLst>
+              <a:ext uri="{FF2B5EF4-FFF2-40B4-BE49-F238E27FC236}">
+                <a16:creationId xmlns:a16="http://schemas.microsoft.com/office/drawing/2014/main" id="{59693AEB-87F9-50F1-A258-F6267942FE3B}"/>
+              </a:ext>
+            </a:extLst>
+          </p:cNvPr>
+          <p:cNvPicPr>
+            <a:picLocks noGrp="1" noChangeAspect="1"/>
+          </p:cNvPicPr>
           <p:nvPr>
             <p:ph sz="half" idx="2"/>
           </p:nvPr>
-        </p:nvSpPr>
-        <p:spPr/>
-        <p:txBody>
-          <a:bodyPr rtlCol="0"/>
-          <a:lstStyle/>
-          <a:p>
-            <a:pPr rtl="0"/>
-            <a:endParaRPr lang="en-GB" dirty="0"/>
-          </a:p>
-        </p:txBody>
-      </p:sp>
+        </p:nvPicPr>
+        <p:blipFill>
+          <a:blip r:embed="rId4" cstate="print">
+            <a:extLst>
+              <a:ext uri="{28A0092B-C50C-407E-A947-70E740481C1C}">
+                <a14:useLocalDpi xmlns:a14="http://schemas.microsoft.com/office/drawing/2010/main" val="0"/>
+              </a:ext>
+            </a:extLst>
+          </a:blip>
+          <a:stretch>
+            <a:fillRect/>
+          </a:stretch>
+        </p:blipFill>
+        <p:spPr>
+          <a:xfrm>
+            <a:off x="3580439" y="4181558"/>
+            <a:ext cx="3096042" cy="2487418"/>
+          </a:xfrm>
+        </p:spPr>
+      </p:pic>
+      <p:pic>
+        <p:nvPicPr>
+          <p:cNvPr id="10" name="Picture 9" descr="A graph with numbers and dots&#10;&#10;Description automatically generated with medium confidence">
+            <a:extLst>
+              <a:ext uri="{FF2B5EF4-FFF2-40B4-BE49-F238E27FC236}">
+                <a16:creationId xmlns:a16="http://schemas.microsoft.com/office/drawing/2014/main" id="{A7453D76-D1CC-9BFD-6540-9FE175178236}"/>
+              </a:ext>
+            </a:extLst>
+          </p:cNvPr>
+          <p:cNvPicPr>
+            <a:picLocks noChangeAspect="1"/>
+          </p:cNvPicPr>
+          <p:nvPr/>
+        </p:nvPicPr>
+        <p:blipFill>
+          <a:blip r:embed="rId5" cstate="print">
+            <a:extLst>
+              <a:ext uri="{28A0092B-C50C-407E-A947-70E740481C1C}">
+                <a14:useLocalDpi xmlns:a14="http://schemas.microsoft.com/office/drawing/2010/main" val="0"/>
+              </a:ext>
+            </a:extLst>
+          </a:blip>
+          <a:stretch>
+            <a:fillRect/>
+          </a:stretch>
+        </p:blipFill>
+        <p:spPr>
+          <a:xfrm>
+            <a:off x="5665849" y="1730246"/>
+            <a:ext cx="2992534" cy="2394027"/>
+          </a:xfrm>
+          <a:prstGeom prst="rect">
+            <a:avLst/>
+          </a:prstGeom>
+        </p:spPr>
+      </p:pic>
+      <p:pic>
+        <p:nvPicPr>
+          <p:cNvPr id="12" name="Picture 11" descr="A graph of different colored dots&#10;&#10;Description automatically generated">
+            <a:extLst>
+              <a:ext uri="{FF2B5EF4-FFF2-40B4-BE49-F238E27FC236}">
+                <a16:creationId xmlns:a16="http://schemas.microsoft.com/office/drawing/2014/main" id="{BC44DAA3-6CBB-FCE5-01B2-722E748F2B75}"/>
+              </a:ext>
+            </a:extLst>
+          </p:cNvPr>
+          <p:cNvPicPr>
+            <a:picLocks noChangeAspect="1"/>
+          </p:cNvPicPr>
+          <p:nvPr/>
+        </p:nvPicPr>
+        <p:blipFill>
+          <a:blip r:embed="rId6" cstate="print">
+            <a:extLst>
+              <a:ext uri="{28A0092B-C50C-407E-A947-70E740481C1C}">
+                <a14:useLocalDpi xmlns:a14="http://schemas.microsoft.com/office/drawing/2010/main" val="0"/>
+              </a:ext>
+            </a:extLst>
+          </a:blip>
+          <a:stretch>
+            <a:fillRect/>
+          </a:stretch>
+        </p:blipFill>
+        <p:spPr>
+          <a:xfrm>
+            <a:off x="7704078" y="4181558"/>
+            <a:ext cx="2992534" cy="2344923"/>
+          </a:xfrm>
+          <a:prstGeom prst="rect">
+            <a:avLst/>
+          </a:prstGeom>
+        </p:spPr>
+      </p:pic>
     </p:spTree>
     <p:extLst>
       <p:ext uri="{BB962C8B-B14F-4D97-AF65-F5344CB8AC3E}">
@@ -8623,6 +14314,194 @@
       </p:transition>
     </mc:Fallback>
   </mc:AlternateContent>
+  <p:timing>
+    <p:tnLst>
+      <p:par>
+        <p:cTn id="1" dur="indefinite" restart="never" nodeType="tmRoot">
+          <p:childTnLst>
+            <p:seq concurrent="1" nextAc="seek">
+              <p:cTn id="2" dur="indefinite" nodeType="mainSeq">
+                <p:childTnLst>
+                  <p:par>
+                    <p:cTn id="3" fill="hold">
+                      <p:stCondLst>
+                        <p:cond delay="indefinite"/>
+                      </p:stCondLst>
+                      <p:childTnLst>
+                        <p:par>
+                          <p:cTn id="4" fill="hold">
+                            <p:stCondLst>
+                              <p:cond delay="0"/>
+                            </p:stCondLst>
+                            <p:childTnLst>
+                              <p:par>
+                                <p:cTn id="5" presetID="10" presetClass="entr" presetSubtype="0" fill="hold" nodeType="clickEffect">
+                                  <p:stCondLst>
+                                    <p:cond delay="0"/>
+                                  </p:stCondLst>
+                                  <p:childTnLst>
+                                    <p:set>
+                                      <p:cBhvr>
+                                        <p:cTn id="6" dur="1" fill="hold">
+                                          <p:stCondLst>
+                                            <p:cond delay="0"/>
+                                          </p:stCondLst>
+                                        </p:cTn>
+                                        <p:tgtEl>
+                                          <p:spTgt spid="4"/>
+                                        </p:tgtEl>
+                                        <p:attrNameLst>
+                                          <p:attrName>style.visibility</p:attrName>
+                                        </p:attrNameLst>
+                                      </p:cBhvr>
+                                      <p:to>
+                                        <p:strVal val="visible"/>
+                                      </p:to>
+                                    </p:set>
+                                    <p:animEffect transition="in" filter="fade">
+                                      <p:cBhvr>
+                                        <p:cTn id="7" dur="500"/>
+                                        <p:tgtEl>
+                                          <p:spTgt spid="4"/>
+                                        </p:tgtEl>
+                                      </p:cBhvr>
+                                    </p:animEffect>
+                                  </p:childTnLst>
+                                </p:cTn>
+                              </p:par>
+                              <p:par>
+                                <p:cTn id="8" presetID="10" presetClass="entr" presetSubtype="0" fill="hold" nodeType="withEffect">
+                                  <p:stCondLst>
+                                    <p:cond delay="0"/>
+                                  </p:stCondLst>
+                                  <p:childTnLst>
+                                    <p:set>
+                                      <p:cBhvr>
+                                        <p:cTn id="9" dur="1" fill="hold">
+                                          <p:stCondLst>
+                                            <p:cond delay="0"/>
+                                          </p:stCondLst>
+                                        </p:cTn>
+                                        <p:tgtEl>
+                                          <p:spTgt spid="7"/>
+                                        </p:tgtEl>
+                                        <p:attrNameLst>
+                                          <p:attrName>style.visibility</p:attrName>
+                                        </p:attrNameLst>
+                                      </p:cBhvr>
+                                      <p:to>
+                                        <p:strVal val="visible"/>
+                                      </p:to>
+                                    </p:set>
+                                    <p:animEffect transition="in" filter="fade">
+                                      <p:cBhvr>
+                                        <p:cTn id="10" dur="500"/>
+                                        <p:tgtEl>
+                                          <p:spTgt spid="7"/>
+                                        </p:tgtEl>
+                                      </p:cBhvr>
+                                    </p:animEffect>
+                                  </p:childTnLst>
+                                </p:cTn>
+                              </p:par>
+                              <p:par>
+                                <p:cTn id="11" presetID="10" presetClass="entr" presetSubtype="0" fill="hold" nodeType="withEffect">
+                                  <p:stCondLst>
+                                    <p:cond delay="0"/>
+                                  </p:stCondLst>
+                                  <p:childTnLst>
+                                    <p:set>
+                                      <p:cBhvr>
+                                        <p:cTn id="12" dur="1" fill="hold">
+                                          <p:stCondLst>
+                                            <p:cond delay="0"/>
+                                          </p:stCondLst>
+                                        </p:cTn>
+                                        <p:tgtEl>
+                                          <p:spTgt spid="10"/>
+                                        </p:tgtEl>
+                                        <p:attrNameLst>
+                                          <p:attrName>style.visibility</p:attrName>
+                                        </p:attrNameLst>
+                                      </p:cBhvr>
+                                      <p:to>
+                                        <p:strVal val="visible"/>
+                                      </p:to>
+                                    </p:set>
+                                    <p:animEffect transition="in" filter="fade">
+                                      <p:cBhvr>
+                                        <p:cTn id="13" dur="500"/>
+                                        <p:tgtEl>
+                                          <p:spTgt spid="10"/>
+                                        </p:tgtEl>
+                                      </p:cBhvr>
+                                    </p:animEffect>
+                                  </p:childTnLst>
+                                </p:cTn>
+                              </p:par>
+                              <p:par>
+                                <p:cTn id="14" presetID="10" presetClass="entr" presetSubtype="0" fill="hold" nodeType="withEffect">
+                                  <p:stCondLst>
+                                    <p:cond delay="0"/>
+                                  </p:stCondLst>
+                                  <p:childTnLst>
+                                    <p:set>
+                                      <p:cBhvr>
+                                        <p:cTn id="15" dur="1" fill="hold">
+                                          <p:stCondLst>
+                                            <p:cond delay="0"/>
+                                          </p:stCondLst>
+                                        </p:cTn>
+                                        <p:tgtEl>
+                                          <p:spTgt spid="12"/>
+                                        </p:tgtEl>
+                                        <p:attrNameLst>
+                                          <p:attrName>style.visibility</p:attrName>
+                                        </p:attrNameLst>
+                                      </p:cBhvr>
+                                      <p:to>
+                                        <p:strVal val="visible"/>
+                                      </p:to>
+                                    </p:set>
+                                    <p:animEffect transition="in" filter="fade">
+                                      <p:cBhvr>
+                                        <p:cTn id="16" dur="500"/>
+                                        <p:tgtEl>
+                                          <p:spTgt spid="12"/>
+                                        </p:tgtEl>
+                                      </p:cBhvr>
+                                    </p:animEffect>
+                                  </p:childTnLst>
+                                </p:cTn>
+                              </p:par>
+                            </p:childTnLst>
+                          </p:cTn>
+                        </p:par>
+                      </p:childTnLst>
+                    </p:cTn>
+                  </p:par>
+                </p:childTnLst>
+              </p:cTn>
+              <p:prevCondLst>
+                <p:cond evt="onPrev" delay="0">
+                  <p:tgtEl>
+                    <p:sldTgt/>
+                  </p:tgtEl>
+                </p:cond>
+              </p:prevCondLst>
+              <p:nextCondLst>
+                <p:cond evt="onNext" delay="0">
+                  <p:tgtEl>
+                    <p:sldTgt/>
+                  </p:tgtEl>
+                </p:cond>
+              </p:nextCondLst>
+            </p:seq>
+          </p:childTnLst>
+        </p:cTn>
+      </p:par>
+    </p:tnLst>
+  </p:timing>
 </p:sld>
 </file>
 
@@ -8645,7 +14524,13 @@
       </p:grpSpPr>
       <p:sp>
         <p:nvSpPr>
-          <p:cNvPr id="2" name="Title 1"/>
+          <p:cNvPr id="2" name="Title 1">
+            <a:extLst>
+              <a:ext uri="{FF2B5EF4-FFF2-40B4-BE49-F238E27FC236}">
+                <a16:creationId xmlns:a16="http://schemas.microsoft.com/office/drawing/2014/main" id="{477D645E-02B6-A084-00A6-EE78AA9A1141}"/>
+              </a:ext>
+            </a:extLst>
+          </p:cNvPr>
           <p:cNvSpPr>
             <a:spLocks noGrp="1"/>
           </p:cNvSpPr>
@@ -8655,43 +14540,98 @@
         </p:nvSpPr>
         <p:spPr/>
         <p:txBody>
-          <a:bodyPr rtlCol="0"/>
+          <a:bodyPr/>
           <a:lstStyle/>
           <a:p>
-            <a:pPr rtl="0"/>
-            <a:r>
-              <a:rPr lang="en-GB" dirty="0"/>
-              <a:t>Lesson 1: Wrap-up</a:t>
-            </a:r>
-          </a:p>
-        </p:txBody>
-      </p:sp>
-      <p:sp>
-        <p:nvSpPr>
-          <p:cNvPr id="3" name="Content Placeholder 2"/>
+            <a:r>
+              <a:rPr lang="en-US" dirty="0"/>
+              <a:t>Leave-One-Subject-Out</a:t>
+            </a:r>
+          </a:p>
+        </p:txBody>
+      </p:sp>
+      <p:sp>
+        <p:nvSpPr>
+          <p:cNvPr id="3" name="Content Placeholder 2">
+            <a:extLst>
+              <a:ext uri="{FF2B5EF4-FFF2-40B4-BE49-F238E27FC236}">
+                <a16:creationId xmlns:a16="http://schemas.microsoft.com/office/drawing/2014/main" id="{D0386E8B-930C-23FA-3091-3006C5C15150}"/>
+              </a:ext>
+            </a:extLst>
+          </p:cNvPr>
           <p:cNvSpPr>
             <a:spLocks noGrp="1"/>
           </p:cNvSpPr>
           <p:nvPr>
-            <p:ph idx="1"/>
+            <p:ph sz="half" idx="1"/>
           </p:nvPr>
         </p:nvSpPr>
-        <p:spPr/>
-        <p:txBody>
-          <a:bodyPr rtlCol="0"/>
+        <p:spPr>
+          <a:xfrm>
+            <a:off x="609600" y="2249425"/>
+            <a:ext cx="10711738" cy="4341875"/>
+          </a:xfrm>
+        </p:spPr>
+        <p:txBody>
+          <a:bodyPr/>
           <a:lstStyle/>
           <a:p>
-            <a:pPr rtl="0"/>
-            <a:r>
-              <a:rPr lang="en-GB" dirty="0"/>
-              <a:t>Summarise important points.</a:t>
-            </a:r>
-          </a:p>
-          <a:p>
-            <a:pPr rtl="0"/>
-            <a:r>
-              <a:rPr lang="en-GB" dirty="0"/>
-              <a:t>Allow time for questions.</a:t>
+            <a:pPr marL="109728" indent="0">
+              <a:buNone/>
+            </a:pPr>
+            <a:r>
+              <a:rPr lang="en-US" dirty="0"/>
+              <a:t>As cross-validation method Leave-One-Subject-Out was chosen. </a:t>
+            </a:r>
+          </a:p>
+          <a:p>
+            <a:pPr marL="109728" indent="0">
+              <a:buNone/>
+            </a:pPr>
+            <a:endParaRPr lang="en-US" dirty="0"/>
+          </a:p>
+          <a:p>
+            <a:pPr marL="109728" indent="0">
+              <a:buNone/>
+            </a:pPr>
+            <a:r>
+              <a:rPr lang="en-US" dirty="0"/>
+              <a:t>This type of validation consists in:</a:t>
+            </a:r>
+          </a:p>
+          <a:p>
+            <a:pPr marL="859536" lvl="1" indent="-457200">
+              <a:buFont typeface="+mj-lt"/>
+              <a:buAutoNum type="arabicPeriod"/>
+            </a:pPr>
+            <a:r>
+              <a:rPr lang="en-US" dirty="0"/>
+              <a:t>training the model using all but one subject </a:t>
+            </a:r>
+          </a:p>
+          <a:p>
+            <a:pPr marL="859536" lvl="1" indent="-457200">
+              <a:buFont typeface="+mj-lt"/>
+              <a:buAutoNum type="arabicPeriod"/>
+            </a:pPr>
+            <a:r>
+              <a:rPr lang="en-US" dirty="0"/>
+              <a:t>evaluating the model using the removed subject</a:t>
+            </a:r>
+          </a:p>
+          <a:p>
+            <a:pPr marL="109728" indent="0">
+              <a:buNone/>
+            </a:pPr>
+            <a:endParaRPr lang="en-US" dirty="0"/>
+          </a:p>
+          <a:p>
+            <a:pPr marL="109728" indent="0">
+              <a:buNone/>
+            </a:pPr>
+            <a:r>
+              <a:rPr lang="en-US" dirty="0"/>
+              <a:t>This is useful in this project because, given the nature of the acquisitions (100-200 seconds of continuative monitoring), there may be correlation between consecutive windows.</a:t>
             </a:r>
           </a:p>
         </p:txBody>
@@ -8699,7 +14639,7 @@
     </p:spTree>
     <p:extLst>
       <p:ext uri="{BB962C8B-B14F-4D97-AF65-F5344CB8AC3E}">
-        <p14:creationId xmlns:p14="http://schemas.microsoft.com/office/powerpoint/2010/main" val="3514341159"/>
+        <p14:creationId xmlns:p14="http://schemas.microsoft.com/office/powerpoint/2010/main" val="2039325043"/>
       </p:ext>
     </p:extLst>
   </p:cSld>
@@ -8718,6 +14658,323 @@
       </p:transition>
     </mc:Fallback>
   </mc:AlternateContent>
+  <p:timing>
+    <p:tnLst>
+      <p:par>
+        <p:cTn id="1" dur="indefinite" restart="never" nodeType="tmRoot">
+          <p:childTnLst>
+            <p:seq concurrent="1" nextAc="seek">
+              <p:cTn id="2" dur="indefinite" nodeType="mainSeq">
+                <p:childTnLst>
+                  <p:par>
+                    <p:cTn id="3" fill="hold">
+                      <p:stCondLst>
+                        <p:cond delay="indefinite"/>
+                      </p:stCondLst>
+                      <p:childTnLst>
+                        <p:par>
+                          <p:cTn id="4" fill="hold">
+                            <p:stCondLst>
+                              <p:cond delay="0"/>
+                            </p:stCondLst>
+                            <p:childTnLst>
+                              <p:par>
+                                <p:cTn id="5" presetID="10" presetClass="entr" presetSubtype="0" fill="hold" nodeType="clickEffect">
+                                  <p:stCondLst>
+                                    <p:cond delay="0"/>
+                                  </p:stCondLst>
+                                  <p:childTnLst>
+                                    <p:set>
+                                      <p:cBhvr>
+                                        <p:cTn id="6" dur="1" fill="hold">
+                                          <p:stCondLst>
+                                            <p:cond delay="0"/>
+                                          </p:stCondLst>
+                                        </p:cTn>
+                                        <p:tgtEl>
+                                          <p:spTgt spid="3">
+                                            <p:txEl>
+                                              <p:pRg st="0" end="0"/>
+                                            </p:txEl>
+                                          </p:spTgt>
+                                        </p:tgtEl>
+                                        <p:attrNameLst>
+                                          <p:attrName>style.visibility</p:attrName>
+                                        </p:attrNameLst>
+                                      </p:cBhvr>
+                                      <p:to>
+                                        <p:strVal val="visible"/>
+                                      </p:to>
+                                    </p:set>
+                                    <p:animEffect transition="in" filter="fade">
+                                      <p:cBhvr>
+                                        <p:cTn id="7" dur="500"/>
+                                        <p:tgtEl>
+                                          <p:spTgt spid="3">
+                                            <p:txEl>
+                                              <p:pRg st="0" end="0"/>
+                                            </p:txEl>
+                                          </p:spTgt>
+                                        </p:tgtEl>
+                                      </p:cBhvr>
+                                    </p:animEffect>
+                                  </p:childTnLst>
+                                </p:cTn>
+                              </p:par>
+                              <p:par>
+                                <p:cTn id="8" presetID="10" presetClass="entr" presetSubtype="0" fill="hold" nodeType="withEffect">
+                                  <p:stCondLst>
+                                    <p:cond delay="0"/>
+                                  </p:stCondLst>
+                                  <p:childTnLst>
+                                    <p:set>
+                                      <p:cBhvr>
+                                        <p:cTn id="9" dur="1" fill="hold">
+                                          <p:stCondLst>
+                                            <p:cond delay="0"/>
+                                          </p:stCondLst>
+                                        </p:cTn>
+                                        <p:tgtEl>
+                                          <p:spTgt spid="3">
+                                            <p:txEl>
+                                              <p:pRg st="2" end="2"/>
+                                            </p:txEl>
+                                          </p:spTgt>
+                                        </p:tgtEl>
+                                        <p:attrNameLst>
+                                          <p:attrName>style.visibility</p:attrName>
+                                        </p:attrNameLst>
+                                      </p:cBhvr>
+                                      <p:to>
+                                        <p:strVal val="visible"/>
+                                      </p:to>
+                                    </p:set>
+                                    <p:animEffect transition="in" filter="fade">
+                                      <p:cBhvr>
+                                        <p:cTn id="10" dur="500"/>
+                                        <p:tgtEl>
+                                          <p:spTgt spid="3">
+                                            <p:txEl>
+                                              <p:pRg st="2" end="2"/>
+                                            </p:txEl>
+                                          </p:spTgt>
+                                        </p:tgtEl>
+                                      </p:cBhvr>
+                                    </p:animEffect>
+                                  </p:childTnLst>
+                                </p:cTn>
+                              </p:par>
+                            </p:childTnLst>
+                          </p:cTn>
+                        </p:par>
+                      </p:childTnLst>
+                    </p:cTn>
+                  </p:par>
+                  <p:par>
+                    <p:cTn id="11" fill="hold">
+                      <p:stCondLst>
+                        <p:cond delay="indefinite"/>
+                      </p:stCondLst>
+                      <p:childTnLst>
+                        <p:par>
+                          <p:cTn id="12" fill="hold">
+                            <p:stCondLst>
+                              <p:cond delay="0"/>
+                            </p:stCondLst>
+                            <p:childTnLst>
+                              <p:par>
+                                <p:cTn id="13" presetID="10" presetClass="entr" presetSubtype="0" fill="hold" nodeType="clickEffect">
+                                  <p:stCondLst>
+                                    <p:cond delay="0"/>
+                                  </p:stCondLst>
+                                  <p:childTnLst>
+                                    <p:set>
+                                      <p:cBhvr>
+                                        <p:cTn id="14" dur="1" fill="hold">
+                                          <p:stCondLst>
+                                            <p:cond delay="0"/>
+                                          </p:stCondLst>
+                                        </p:cTn>
+                                        <p:tgtEl>
+                                          <p:spTgt spid="3">
+                                            <p:txEl>
+                                              <p:pRg st="3" end="3"/>
+                                            </p:txEl>
+                                          </p:spTgt>
+                                        </p:tgtEl>
+                                        <p:attrNameLst>
+                                          <p:attrName>style.visibility</p:attrName>
+                                        </p:attrNameLst>
+                                      </p:cBhvr>
+                                      <p:to>
+                                        <p:strVal val="visible"/>
+                                      </p:to>
+                                    </p:set>
+                                    <p:animEffect transition="in" filter="fade">
+                                      <p:cBhvr>
+                                        <p:cTn id="15" dur="500"/>
+                                        <p:tgtEl>
+                                          <p:spTgt spid="3">
+                                            <p:txEl>
+                                              <p:pRg st="3" end="3"/>
+                                            </p:txEl>
+                                          </p:spTgt>
+                                        </p:tgtEl>
+                                      </p:cBhvr>
+                                    </p:animEffect>
+                                  </p:childTnLst>
+                                </p:cTn>
+                              </p:par>
+                            </p:childTnLst>
+                          </p:cTn>
+                        </p:par>
+                      </p:childTnLst>
+                    </p:cTn>
+                  </p:par>
+                  <p:par>
+                    <p:cTn id="16" fill="hold">
+                      <p:stCondLst>
+                        <p:cond delay="indefinite"/>
+                      </p:stCondLst>
+                      <p:childTnLst>
+                        <p:par>
+                          <p:cTn id="17" fill="hold">
+                            <p:stCondLst>
+                              <p:cond delay="0"/>
+                            </p:stCondLst>
+                            <p:childTnLst>
+                              <p:par>
+                                <p:cTn id="18" presetID="10" presetClass="entr" presetSubtype="0" fill="hold" nodeType="clickEffect">
+                                  <p:stCondLst>
+                                    <p:cond delay="0"/>
+                                  </p:stCondLst>
+                                  <p:childTnLst>
+                                    <p:set>
+                                      <p:cBhvr>
+                                        <p:cTn id="19" dur="1" fill="hold">
+                                          <p:stCondLst>
+                                            <p:cond delay="0"/>
+                                          </p:stCondLst>
+                                        </p:cTn>
+                                        <p:tgtEl>
+                                          <p:spTgt spid="3">
+                                            <p:txEl>
+                                              <p:pRg st="4" end="4"/>
+                                            </p:txEl>
+                                          </p:spTgt>
+                                        </p:tgtEl>
+                                        <p:attrNameLst>
+                                          <p:attrName>style.visibility</p:attrName>
+                                        </p:attrNameLst>
+                                      </p:cBhvr>
+                                      <p:to>
+                                        <p:strVal val="visible"/>
+                                      </p:to>
+                                    </p:set>
+                                    <p:animEffect transition="in" filter="fade">
+                                      <p:cBhvr>
+                                        <p:cTn id="20" dur="500"/>
+                                        <p:tgtEl>
+                                          <p:spTgt spid="3">
+                                            <p:txEl>
+                                              <p:pRg st="4" end="4"/>
+                                            </p:txEl>
+                                          </p:spTgt>
+                                        </p:tgtEl>
+                                      </p:cBhvr>
+                                    </p:animEffect>
+                                  </p:childTnLst>
+                                </p:cTn>
+                              </p:par>
+                            </p:childTnLst>
+                          </p:cTn>
+                        </p:par>
+                      </p:childTnLst>
+                    </p:cTn>
+                  </p:par>
+                  <p:par>
+                    <p:cTn id="21" fill="hold">
+                      <p:stCondLst>
+                        <p:cond delay="indefinite"/>
+                      </p:stCondLst>
+                      <p:childTnLst>
+                        <p:par>
+                          <p:cTn id="22" fill="hold">
+                            <p:stCondLst>
+                              <p:cond delay="0"/>
+                            </p:stCondLst>
+                            <p:childTnLst>
+                              <p:par>
+                                <p:cTn id="23" presetID="10" presetClass="entr" presetSubtype="0" fill="hold" nodeType="clickEffect">
+                                  <p:stCondLst>
+                                    <p:cond delay="0"/>
+                                  </p:stCondLst>
+                                  <p:childTnLst>
+                                    <p:set>
+                                      <p:cBhvr>
+                                        <p:cTn id="24" dur="1" fill="hold">
+                                          <p:stCondLst>
+                                            <p:cond delay="0"/>
+                                          </p:stCondLst>
+                                        </p:cTn>
+                                        <p:tgtEl>
+                                          <p:spTgt spid="3">
+                                            <p:txEl>
+                                              <p:pRg st="6" end="6"/>
+                                            </p:txEl>
+                                          </p:spTgt>
+                                        </p:tgtEl>
+                                        <p:attrNameLst>
+                                          <p:attrName>style.visibility</p:attrName>
+                                        </p:attrNameLst>
+                                      </p:cBhvr>
+                                      <p:to>
+                                        <p:strVal val="visible"/>
+                                      </p:to>
+                                    </p:set>
+                                    <p:animEffect transition="in" filter="fade">
+                                      <p:cBhvr>
+                                        <p:cTn id="25" dur="500"/>
+                                        <p:tgtEl>
+                                          <p:spTgt spid="3">
+                                            <p:txEl>
+                                              <p:pRg st="6" end="6"/>
+                                            </p:txEl>
+                                          </p:spTgt>
+                                        </p:tgtEl>
+                                      </p:cBhvr>
+                                    </p:animEffect>
+                                  </p:childTnLst>
+                                </p:cTn>
+                              </p:par>
+                            </p:childTnLst>
+                          </p:cTn>
+                        </p:par>
+                      </p:childTnLst>
+                    </p:cTn>
+                  </p:par>
+                </p:childTnLst>
+              </p:cTn>
+              <p:prevCondLst>
+                <p:cond evt="onPrev" delay="0">
+                  <p:tgtEl>
+                    <p:sldTgt/>
+                  </p:tgtEl>
+                </p:cond>
+              </p:prevCondLst>
+              <p:nextCondLst>
+                <p:cond evt="onNext" delay="0">
+                  <p:tgtEl>
+                    <p:sldTgt/>
+                  </p:tgtEl>
+                </p:cond>
+              </p:nextCondLst>
+            </p:seq>
+          </p:childTnLst>
+        </p:cTn>
+      </p:par>
+    </p:tnLst>
+  </p:timing>
 </p:sld>
 </file>
 

--- a/Docs/Presentation.pptx
+++ b/Docs/Presentation.pptx
@@ -7209,13 +7209,13 @@
   <p:clrMapOvr>
     <a:masterClrMapping/>
   </p:clrMapOvr>
-  <mc:AlternateContent xmlns:mc="http://schemas.openxmlformats.org/markup-compatibility/2006">
-    <mc:Choice xmlns:p14="http://schemas.microsoft.com/office/powerpoint/2010/main" Requires="p14">
+  <mc:AlternateContent xmlns:mc="http://schemas.openxmlformats.org/markup-compatibility/2006" xmlns:p14="http://schemas.microsoft.com/office/powerpoint/2010/main">
+    <mc:Choice Requires="p14">
       <p:transition spd="med" p14:dur="700">
         <p:fade/>
       </p:transition>
     </mc:Choice>
-    <mc:Fallback>
+    <mc:Fallback xmlns="">
       <p:transition spd="med">
         <p:fade/>
       </p:transition>
@@ -7703,13 +7703,13 @@
   <p:clrMapOvr>
     <a:masterClrMapping/>
   </p:clrMapOvr>
-  <mc:AlternateContent xmlns:mc="http://schemas.openxmlformats.org/markup-compatibility/2006">
-    <mc:Choice xmlns:p14="http://schemas.microsoft.com/office/powerpoint/2010/main" Requires="p14">
+  <mc:AlternateContent xmlns:mc="http://schemas.openxmlformats.org/markup-compatibility/2006" xmlns:p14="http://schemas.microsoft.com/office/powerpoint/2010/main">
+    <mc:Choice Requires="p14">
       <p:transition spd="med" p14:dur="700">
         <p:fade/>
       </p:transition>
     </mc:Choice>
-    <mc:Fallback>
+    <mc:Fallback xmlns="">
       <p:transition spd="med">
         <p:fade/>
       </p:transition>
@@ -8225,13 +8225,13 @@
   <p:clrMapOvr>
     <a:masterClrMapping/>
   </p:clrMapOvr>
-  <mc:AlternateContent xmlns:mc="http://schemas.openxmlformats.org/markup-compatibility/2006">
-    <mc:Choice xmlns:p14="http://schemas.microsoft.com/office/powerpoint/2010/main" Requires="p14">
+  <mc:AlternateContent xmlns:mc="http://schemas.openxmlformats.org/markup-compatibility/2006" xmlns:p14="http://schemas.microsoft.com/office/powerpoint/2010/main">
+    <mc:Choice Requires="p14">
       <p:transition spd="med" p14:dur="700">
         <p:fade/>
       </p:transition>
     </mc:Choice>
-    <mc:Fallback>
+    <mc:Fallback xmlns="">
       <p:transition spd="med">
         <p:fade/>
       </p:transition>
@@ -8432,7 +8432,11 @@
               <a:buNone/>
             </a:pPr>
             <a:r>
-              <a:rPr lang="en-US" dirty="0"/>
+              <a:rPr lang="en-US" dirty="0">
+                <a:solidFill>
+                  <a:schemeClr val="tx1"/>
+                </a:solidFill>
+              </a:rPr>
               <a:t>The mean f-scores are all slightly less than 0.75, even if the performances are not constant between testers.</a:t>
             </a:r>
           </a:p>
@@ -8441,8 +8445,12 @@
               <a:buNone/>
             </a:pPr>
             <a:r>
-              <a:rPr lang="en-US" dirty="0"/>
-              <a:t>There are always some testers the perform well and the other that don’t do that.</a:t>
+              <a:rPr lang="en-US" dirty="0">
+                <a:solidFill>
+                  <a:schemeClr val="tx1"/>
+                </a:solidFill>
+              </a:rPr>
+              <a:t>There are always some testers the perform well and others that perform not so well.</a:t>
             </a:r>
           </a:p>
         </p:txBody>
@@ -8896,7 +8904,11 @@
               <a:buNone/>
             </a:pPr>
             <a:r>
-              <a:rPr lang="en-GB" dirty="0"/>
+              <a:rPr lang="en-GB" dirty="0">
+                <a:solidFill>
+                  <a:schemeClr val="tx1"/>
+                </a:solidFill>
+              </a:rPr>
               <a:t>The evaluation of the model was carried out using the Wilcoxon signed rank test. </a:t>
             </a:r>
           </a:p>
@@ -8905,7 +8917,11 @@
               <a:buNone/>
             </a:pPr>
             <a:r>
-              <a:rPr lang="en-GB" dirty="0"/>
+              <a:rPr lang="en-GB" dirty="0">
+                <a:solidFill>
+                  <a:schemeClr val="tx1"/>
+                </a:solidFill>
+              </a:rPr>
               <a:t>The inputs for the test are the results of 200 iteration of each one of the best models (KNN, Random Forest, AdaBoost with Random Forest). This results in a total of 800 values for each model.</a:t>
             </a:r>
           </a:p>
@@ -9373,7 +9389,7 @@
           <a:p>
             <a:r>
               <a:rPr lang="en-US" dirty="0"/>
-              <a:t>The Wilcoxon test tells that the difference between the performances AdaBoost and Random Forest is significant. Given that the mean value of AdaBoost is higher than the one of Random Forest we can conclude that the first model is better.</a:t>
+              <a:t>The Wilcoxon test tells that the difference between the performances of AdaBoost and Random Forest is significant. Given that the mean value of AdaBoost is higher than the one of Random Forest we can conclude that the first model is better.</a:t>
             </a:r>
           </a:p>
         </p:txBody>
@@ -9414,7 +9430,7 @@
           <a:p>
             <a:r>
               <a:rPr lang="en-GB" dirty="0"/>
-              <a:t>Results. So the null hypothesis cannot be rejected. </a:t>
+              <a:t>results. The null hypothesis cannot be rejected. </a:t>
             </a:r>
             <a:endParaRPr lang="en-US" dirty="0"/>
           </a:p>
@@ -9789,7 +9805,11 @@
               <a:buNone/>
             </a:pPr>
             <a:r>
-              <a:rPr lang="en-GB" dirty="0"/>
+              <a:rPr lang="en-GB" dirty="0">
+                <a:solidFill>
+                  <a:schemeClr val="tx1"/>
+                </a:solidFill>
+              </a:rPr>
               <a:t>It is possible to extract from the AdaBoost classifier the trees that it is composed of to understand why the performances for some testers are not good.</a:t>
             </a:r>
           </a:p>
@@ -11832,7 +11852,11 @@
           <a:p>
             <a:pPr algn="ctr"/>
             <a:r>
-              <a:rPr lang="en-US" sz="4400" dirty="0"/>
+              <a:rPr lang="en-US" sz="4400" dirty="0">
+                <a:solidFill>
+                  <a:schemeClr val="tx1"/>
+                </a:solidFill>
+              </a:rPr>
               <a:t>Thank you for your attention</a:t>
             </a:r>
           </a:p>
@@ -11922,15 +11946,27 @@
           <a:p>
             <a:pPr rtl="0"/>
             <a:r>
-              <a:rPr lang="en-GB" dirty="0"/>
+              <a:rPr lang="en-GB" dirty="0">
+                <a:solidFill>
+                  <a:schemeClr val="tx1"/>
+                </a:solidFill>
+              </a:rPr>
               <a:t>The samples comes from four testers (Leo, Lorenzo, Carlotta, Irene) and from three positions (Right, Left, </a:t>
             </a:r>
             <a:r>
-              <a:rPr lang="en-GB" dirty="0" err="1"/>
+              <a:rPr lang="en-GB" dirty="0" err="1">
+                <a:solidFill>
+                  <a:schemeClr val="tx1"/>
+                </a:solidFill>
+              </a:rPr>
               <a:t>Centered</a:t>
             </a:r>
             <a:r>
-              <a:rPr lang="en-GB" dirty="0"/>
+              <a:rPr lang="en-GB" dirty="0">
+                <a:solidFill>
+                  <a:schemeClr val="tx1"/>
+                </a:solidFill>
+              </a:rPr>
               <a:t>) in the form of csv files. Each file contains the measurements of modulus and phase of the signals obtained from two sensors (S11, S22) in a spectrum of frequencies that goes from 1GHz to 5GHz</a:t>
             </a:r>
           </a:p>
@@ -11940,34 +11976,62 @@
                 <a:spcPts val="0"/>
               </a:spcBef>
             </a:pPr>
-            <a:endParaRPr lang="en-GB" dirty="0"/>
+            <a:endParaRPr lang="en-GB" dirty="0">
+              <a:solidFill>
+                <a:schemeClr val="tx1"/>
+              </a:solidFill>
+            </a:endParaRPr>
           </a:p>
           <a:p>
             <a:pPr rtl="0"/>
             <a:r>
-              <a:rPr lang="en-GB" dirty="0"/>
+              <a:rPr lang="en-GB" dirty="0">
+                <a:solidFill>
+                  <a:schemeClr val="tx1"/>
+                </a:solidFill>
+              </a:rPr>
               <a:t>From each file (time instant) we extract the peak frequency and the corresponding value of modulus and phase for each sensor </a:t>
             </a:r>
           </a:p>
           <a:p>
             <a:pPr rtl="0"/>
-            <a:endParaRPr lang="en-GB" dirty="0"/>
+            <a:endParaRPr lang="en-GB" dirty="0">
+              <a:solidFill>
+                <a:schemeClr val="tx1"/>
+              </a:solidFill>
+            </a:endParaRPr>
           </a:p>
           <a:p>
             <a:pPr rtl="0"/>
             <a:r>
-              <a:rPr lang="en-GB" dirty="0"/>
+              <a:rPr lang="en-GB" dirty="0">
+                <a:solidFill>
+                  <a:schemeClr val="tx1"/>
+                </a:solidFill>
+              </a:rPr>
               <a:t>Some aggregate statistics of the 6 numerical characteristics are saved for each window together with the tester’s weight</a:t>
             </a:r>
             <a:br>
-              <a:rPr lang="en-GB" dirty="0"/>
+              <a:rPr lang="en-GB" dirty="0">
+                <a:solidFill>
+                  <a:schemeClr val="tx1"/>
+                </a:solidFill>
+              </a:rPr>
             </a:br>
-            <a:endParaRPr lang="en-GB" dirty="0"/>
+            <a:endParaRPr lang="en-GB" dirty="0">
+              <a:solidFill>
+                <a:schemeClr val="tx1"/>
+              </a:solidFill>
+            </a:endParaRPr>
           </a:p>
           <a:p>
             <a:pPr rtl="0"/>
             <a:r>
-              <a:rPr lang="en-GB" dirty="0"/>
+              <a:rPr lang="en-GB" dirty="0">
+                <a:solidFill>
+                  <a:schemeClr val="tx1"/>
+                </a:solidFill>
+              </a:rPr>
               <a:t>The performances of the models are evaluated with Leave-One-Subject-Out cross-validation</a:t>
             </a:r>
             <a:br>
@@ -13136,8 +13200,12 @@
               <a:buNone/>
             </a:pPr>
             <a:r>
-              <a:rPr lang="en-GB" dirty="0"/>
-              <a:t>Given a tester and a position, his/her list of csv files, relative to that position, are analysed.</a:t>
+              <a:rPr lang="en-GB" dirty="0">
+                <a:solidFill>
+                  <a:schemeClr val="tx1"/>
+                </a:solidFill>
+              </a:rPr>
+              <a:t>Given a tester and a position, his/her list of csv files, relative to that acquisition, are analysed.</a:t>
             </a:r>
           </a:p>
           <a:p>
@@ -13145,7 +13213,11 @@
               <a:buNone/>
             </a:pPr>
             <a:r>
-              <a:rPr lang="en-GB" dirty="0"/>
+              <a:rPr lang="en-GB" dirty="0">
+                <a:solidFill>
+                  <a:schemeClr val="tx1"/>
+                </a:solidFill>
+              </a:rPr>
               <a:t>For every file, the following steps are performed:</a:t>
             </a:r>
           </a:p>
@@ -13155,7 +13227,11 @@
               <a:buAutoNum type="arabicPeriod"/>
             </a:pPr>
             <a:r>
-              <a:rPr lang="en-GB" sz="2000" dirty="0"/>
+              <a:rPr lang="en-GB" sz="2000" dirty="0">
+                <a:solidFill>
+                  <a:schemeClr val="tx1"/>
+                </a:solidFill>
+              </a:rPr>
               <a:t>The signal is smoothed using E.M.A. </a:t>
             </a:r>
           </a:p>
@@ -13165,7 +13241,11 @@
               <a:buAutoNum type="arabicPeriod"/>
             </a:pPr>
             <a:r>
-              <a:rPr lang="en-GB" sz="2000" dirty="0"/>
+              <a:rPr lang="en-GB" sz="2000" dirty="0">
+                <a:solidFill>
+                  <a:schemeClr val="tx1"/>
+                </a:solidFill>
+              </a:rPr>
               <a:t>The peak of ‘S11(DB)’ is extracted, together with the corresponding values of phase and frequency</a:t>
             </a:r>
           </a:p>
@@ -13175,33 +13255,61 @@
               <a:buAutoNum type="arabicPeriod"/>
             </a:pPr>
             <a:r>
-              <a:rPr lang="en-GB" sz="2000" dirty="0"/>
+              <a:rPr lang="en-GB" sz="2000" dirty="0">
+                <a:solidFill>
+                  <a:schemeClr val="tx1"/>
+                </a:solidFill>
+              </a:rPr>
               <a:t>The peak of ‘S22(DB)’ is extracted, together with the corresponding values of phase and frequency</a:t>
             </a:r>
-            <a:endParaRPr lang="en-GB" dirty="0"/>
+            <a:endParaRPr lang="en-GB" dirty="0">
+              <a:solidFill>
+                <a:schemeClr val="tx1"/>
+              </a:solidFill>
+            </a:endParaRPr>
           </a:p>
           <a:p>
             <a:pPr marL="109728" indent="0">
               <a:buNone/>
             </a:pPr>
             <a:r>
-              <a:rPr lang="en-GB" dirty="0"/>
+              <a:rPr lang="en-GB" dirty="0">
+                <a:solidFill>
+                  <a:schemeClr val="tx1"/>
+                </a:solidFill>
+              </a:rPr>
               <a:t>For every tester and position, these values are concatenated in a </a:t>
             </a:r>
             <a:r>
-              <a:rPr lang="en-GB" dirty="0" err="1"/>
+              <a:rPr lang="en-GB" dirty="0" err="1">
+                <a:solidFill>
+                  <a:schemeClr val="tx1"/>
+                </a:solidFill>
+              </a:rPr>
               <a:t>dataframe</a:t>
             </a:r>
             <a:r>
-              <a:rPr lang="en-GB" dirty="0"/>
+              <a:rPr lang="en-GB" dirty="0">
+                <a:solidFill>
+                  <a:schemeClr val="tx1"/>
+                </a:solidFill>
+              </a:rPr>
               <a:t> (at the end there will be one of this </a:t>
             </a:r>
             <a:r>
-              <a:rPr lang="en-GB" dirty="0" err="1"/>
+              <a:rPr lang="en-GB" dirty="0" err="1">
+                <a:solidFill>
+                  <a:schemeClr val="tx1"/>
+                </a:solidFill>
+              </a:rPr>
               <a:t>dataframes</a:t>
             </a:r>
             <a:r>
-              <a:rPr lang="en-GB" dirty="0"/>
+              <a:rPr lang="en-GB" dirty="0">
+                <a:solidFill>
+                  <a:schemeClr val="tx1"/>
+                </a:solidFill>
+              </a:rPr>
               <a:t> for each possible position for each tester)</a:t>
             </a:r>
           </a:p>
@@ -13685,15 +13793,27 @@
               <a:buNone/>
             </a:pPr>
             <a:r>
-              <a:rPr lang="en-GB" dirty="0"/>
+              <a:rPr lang="en-GB" dirty="0">
+                <a:solidFill>
+                  <a:schemeClr val="tx1"/>
+                </a:solidFill>
+              </a:rPr>
               <a:t>Given one of this </a:t>
             </a:r>
             <a:r>
-              <a:rPr lang="en-GB" dirty="0" err="1"/>
+              <a:rPr lang="en-GB" dirty="0" err="1">
+                <a:solidFill>
+                  <a:schemeClr val="tx1"/>
+                </a:solidFill>
+              </a:rPr>
               <a:t>dataframes</a:t>
             </a:r>
             <a:r>
-              <a:rPr lang="en-GB" dirty="0"/>
+              <a:rPr lang="en-GB" dirty="0">
+                <a:solidFill>
+                  <a:schemeClr val="tx1"/>
+                </a:solidFill>
+              </a:rPr>
               <a:t>, the following steps are performed:</a:t>
             </a:r>
           </a:p>
@@ -13703,7 +13823,11 @@
               <a:buAutoNum type="arabicPeriod"/>
             </a:pPr>
             <a:r>
-              <a:rPr lang="en-GB" sz="2000" dirty="0"/>
+              <a:rPr lang="en-GB" sz="2000" dirty="0">
+                <a:solidFill>
+                  <a:schemeClr val="tx1"/>
+                </a:solidFill>
+              </a:rPr>
               <a:t>The first and last 150 files from each tester-position pair are discarded </a:t>
             </a:r>
           </a:p>
@@ -13713,7 +13837,11 @@
               <a:buAutoNum type="arabicPeriod"/>
             </a:pPr>
             <a:r>
-              <a:rPr lang="en-GB" sz="2000" dirty="0"/>
+              <a:rPr lang="en-GB" sz="2000" dirty="0">
+                <a:solidFill>
+                  <a:schemeClr val="tx1"/>
+                </a:solidFill>
+              </a:rPr>
               <a:t>The data are aggregated using windows with width equal to 50 files and a step size of 10 (there is overlapping) </a:t>
             </a:r>
           </a:p>
@@ -13723,7 +13851,11 @@
               <a:buAutoNum type="arabicPeriod"/>
             </a:pPr>
             <a:r>
-              <a:rPr lang="en-GB" sz="2000" dirty="0"/>
+              <a:rPr lang="en-GB" sz="2000" dirty="0">
+                <a:solidFill>
+                  <a:schemeClr val="tx1"/>
+                </a:solidFill>
+              </a:rPr>
               <a:t>The mean and variance of every previously extracted features is saved</a:t>
             </a:r>
           </a:p>
@@ -13732,14 +13864,22 @@
               <a:buFont typeface="+mj-lt"/>
               <a:buAutoNum type="arabicPeriod"/>
             </a:pPr>
-            <a:endParaRPr lang="en-GB" sz="2000" dirty="0"/>
+            <a:endParaRPr lang="en-GB" sz="2000" dirty="0">
+              <a:solidFill>
+                <a:schemeClr val="tx1"/>
+              </a:solidFill>
+            </a:endParaRPr>
           </a:p>
           <a:p>
             <a:pPr marL="109728" indent="0">
               <a:buNone/>
             </a:pPr>
             <a:r>
-              <a:rPr lang="en-GB" sz="2400" dirty="0"/>
+              <a:rPr lang="en-GB" sz="2400" dirty="0">
+                <a:solidFill>
+                  <a:schemeClr val="tx1"/>
+                </a:solidFill>
+              </a:rPr>
               <a:t>Every tester will end up with three datasets of windows data. These datasets are then merged to obtain the final dataset for the tester.</a:t>
             </a:r>
           </a:p>
@@ -14580,7 +14720,11 @@
               <a:buNone/>
             </a:pPr>
             <a:r>
-              <a:rPr lang="en-US" dirty="0"/>
+              <a:rPr lang="en-US" dirty="0">
+                <a:solidFill>
+                  <a:schemeClr val="tx1"/>
+                </a:solidFill>
+              </a:rPr>
               <a:t>As cross-validation method Leave-One-Subject-Out was chosen. </a:t>
             </a:r>
           </a:p>
@@ -14588,14 +14732,22 @@
             <a:pPr marL="109728" indent="0">
               <a:buNone/>
             </a:pPr>
-            <a:endParaRPr lang="en-US" dirty="0"/>
+            <a:endParaRPr lang="en-US" dirty="0">
+              <a:solidFill>
+                <a:schemeClr val="tx1"/>
+              </a:solidFill>
+            </a:endParaRPr>
           </a:p>
           <a:p>
             <a:pPr marL="109728" indent="0">
               <a:buNone/>
             </a:pPr>
             <a:r>
-              <a:rPr lang="en-US" dirty="0"/>
+              <a:rPr lang="en-US" dirty="0">
+                <a:solidFill>
+                  <a:schemeClr val="tx1"/>
+                </a:solidFill>
+              </a:rPr>
               <a:t>This type of validation consists in:</a:t>
             </a:r>
           </a:p>
@@ -14605,7 +14757,11 @@
               <a:buAutoNum type="arabicPeriod"/>
             </a:pPr>
             <a:r>
-              <a:rPr lang="en-US" dirty="0"/>
+              <a:rPr lang="en-US" dirty="0">
+                <a:solidFill>
+                  <a:schemeClr val="tx1"/>
+                </a:solidFill>
+              </a:rPr>
               <a:t>training the model using all but one subject </a:t>
             </a:r>
           </a:p>
@@ -14615,7 +14771,11 @@
               <a:buAutoNum type="arabicPeriod"/>
             </a:pPr>
             <a:r>
-              <a:rPr lang="en-US" dirty="0"/>
+              <a:rPr lang="en-US" dirty="0">
+                <a:solidFill>
+                  <a:schemeClr val="tx1"/>
+                </a:solidFill>
+              </a:rPr>
               <a:t>evaluating the model using the removed subject</a:t>
             </a:r>
           </a:p>
@@ -14623,14 +14783,22 @@
             <a:pPr marL="109728" indent="0">
               <a:buNone/>
             </a:pPr>
-            <a:endParaRPr lang="en-US" dirty="0"/>
+            <a:endParaRPr lang="en-US" dirty="0">
+              <a:solidFill>
+                <a:schemeClr val="tx1"/>
+              </a:solidFill>
+            </a:endParaRPr>
           </a:p>
           <a:p>
             <a:pPr marL="109728" indent="0">
               <a:buNone/>
             </a:pPr>
             <a:r>
-              <a:rPr lang="en-US" dirty="0"/>
+              <a:rPr lang="en-US" dirty="0">
+                <a:solidFill>
+                  <a:schemeClr val="tx1"/>
+                </a:solidFill>
+              </a:rPr>
               <a:t>This is useful in this project because, given the nature of the acquisitions (100-200 seconds of continuative monitoring), there may be correlation between consecutive windows.</a:t>
             </a:r>
           </a:p>

--- a/Docs/Presentation.pptx
+++ b/Docs/Presentation.pptx
@@ -7585,7 +7585,7 @@
             </a:r>
             <a:r>
               <a:rPr lang="en-US" dirty="0"/>
-              <a:t> classifier estimator a series of 83 random forest classifier is chosen. The parameters of the random forest classifiers are chosen as before.</a:t>
+              <a:t> classifier estimator the same Random Forest classifier is chosen, with the same parameters chosen before.</a:t>
             </a:r>
           </a:p>
           <a:p>

--- a/Docs/Presentation.pptx
+++ b/Docs/Presentation.pptx
@@ -243,7 +243,7 @@
             <a:pPr rtl="0"/>
             <a:fld id="{BE3387C1-8EFB-44F7-8485-D662F1CF7333}" type="datetime1">
               <a:rPr lang="en-GB" smtClean="0"/>
-              <a:t>13/01/2024</a:t>
+              <a:t>14/01/2024</a:t>
             </a:fld>
             <a:endParaRPr lang="en-GB" dirty="0"/>
           </a:p>
@@ -413,7 +413,7 @@
             <a:pPr rtl="0"/>
             <a:fld id="{88D6434E-09F1-48C0-A525-B5A7008B7802}" type="datetime1">
               <a:rPr lang="en-GB" noProof="0" smtClean="0"/>
-              <a:t>13/01/2024</a:t>
+              <a:t>14/01/2024</a:t>
             </a:fld>
             <a:endParaRPr lang="en-GB" noProof="0" dirty="0"/>
           </a:p>
@@ -2678,7 +2678,7 @@
             <a:pPr rtl="0"/>
             <a:fld id="{B4AAD351-6347-4318-B935-1E0F1B6A61D6}" type="datetime1">
               <a:rPr lang="en-GB" noProof="0" smtClean="0"/>
-              <a:t>13/01/2024</a:t>
+              <a:t>14/01/2024</a:t>
             </a:fld>
             <a:endParaRPr lang="en-GB" noProof="0" dirty="0"/>
           </a:p>
@@ -2887,7 +2887,7 @@
             <a:pPr rtl="0"/>
             <a:fld id="{D2EB87B0-5071-4BC9-A19F-C3269318028C}" type="datetime1">
               <a:rPr lang="en-GB" noProof="0" smtClean="0"/>
-              <a:t>13/01/2024</a:t>
+              <a:t>14/01/2024</a:t>
             </a:fld>
             <a:endParaRPr lang="en-GB" noProof="0" dirty="0"/>
           </a:p>
@@ -3093,7 +3093,7 @@
             <a:pPr rtl="0"/>
             <a:fld id="{54B4CBB3-9133-42BF-BC20-6F6E1888C21F}" type="datetime1">
               <a:rPr lang="en-GB" noProof="0" smtClean="0"/>
-              <a:t>13/01/2024</a:t>
+              <a:t>14/01/2024</a:t>
             </a:fld>
             <a:endParaRPr lang="en-GB" noProof="0" dirty="0"/>
           </a:p>
@@ -3292,7 +3292,7 @@
             <a:pPr rtl="0"/>
             <a:fld id="{71F23539-3F81-4F1E-A9B7-5CE0C1986E23}" type="datetime1">
               <a:rPr lang="en-GB" noProof="0" smtClean="0"/>
-              <a:t>13/01/2024</a:t>
+              <a:t>14/01/2024</a:t>
             </a:fld>
             <a:endParaRPr lang="en-GB" noProof="0" dirty="0"/>
           </a:p>
@@ -3531,7 +3531,7 @@
             <a:pPr rtl="0"/>
             <a:fld id="{56854DA5-E4EE-42EA-9BC9-3160B1480769}" type="datetime1">
               <a:rPr lang="en-GB" noProof="0" smtClean="0"/>
-              <a:t>13/01/2024</a:t>
+              <a:t>14/01/2024</a:t>
             </a:fld>
             <a:endParaRPr lang="en-GB" noProof="0" dirty="0"/>
           </a:p>
@@ -3814,7 +3814,7 @@
             <a:pPr rtl="0"/>
             <a:fld id="{E9A1BF5D-7537-4BA8-9976-6302714DE26C}" type="datetime1">
               <a:rPr lang="en-GB" noProof="0" smtClean="0"/>
-              <a:t>13/01/2024</a:t>
+              <a:t>14/01/2024</a:t>
             </a:fld>
             <a:endParaRPr lang="en-GB" noProof="0" dirty="0"/>
           </a:p>
@@ -4260,7 +4260,7 @@
             <a:pPr rtl="0"/>
             <a:fld id="{8F8E4797-21F6-4D41-B035-97FEABB63BCE}" type="datetime1">
               <a:rPr lang="en-GB" noProof="0" smtClean="0"/>
-              <a:t>13/01/2024</a:t>
+              <a:t>14/01/2024</a:t>
             </a:fld>
             <a:endParaRPr lang="en-GB" noProof="0" dirty="0"/>
           </a:p>
@@ -4420,7 +4420,7 @@
             <a:pPr rtl="0"/>
             <a:fld id="{4EC45D07-A3FD-40EE-BB45-F5E3D0F2E1C8}" type="datetime1">
               <a:rPr lang="en-GB" noProof="0" smtClean="0"/>
-              <a:t>13/01/2024</a:t>
+              <a:t>14/01/2024</a:t>
             </a:fld>
             <a:endParaRPr lang="en-GB" noProof="0" dirty="0"/>
           </a:p>
@@ -4538,7 +4538,7 @@
             <a:pPr rtl="0"/>
             <a:fld id="{30FFDAF9-DFA9-4947-9568-03347A66D233}" type="datetime1">
               <a:rPr lang="en-GB" noProof="0" smtClean="0"/>
-              <a:t>13/01/2024</a:t>
+              <a:t>14/01/2024</a:t>
             </a:fld>
             <a:endParaRPr lang="en-GB" noProof="0" dirty="0"/>
           </a:p>
@@ -4806,7 +4806,7 @@
             <a:pPr rtl="0"/>
             <a:fld id="{D89D711C-098E-40E1-BE23-CFCA1FAB8359}" type="datetime1">
               <a:rPr lang="en-GB" noProof="0" smtClean="0"/>
-              <a:t>13/01/2024</a:t>
+              <a:t>14/01/2024</a:t>
             </a:fld>
             <a:endParaRPr lang="en-GB" noProof="0" dirty="0"/>
           </a:p>
@@ -5075,7 +5075,7 @@
             <a:pPr rtl="0"/>
             <a:fld id="{9A9A7A2F-7C81-4F05-8B4D-4983D3740BAF}" type="datetime1">
               <a:rPr lang="en-GB" noProof="0" smtClean="0"/>
-              <a:t>13/01/2024</a:t>
+              <a:t>14/01/2024</a:t>
             </a:fld>
             <a:endParaRPr lang="en-GB" noProof="0" dirty="0"/>
           </a:p>
@@ -5943,7 +5943,7 @@
             <a:pPr rtl="0"/>
             <a:fld id="{8B045440-74F0-4B44-BEF6-1040C3E911E1}" type="datetime1">
               <a:rPr lang="en-GB" noProof="0" smtClean="0"/>
-              <a:t>13/01/2024</a:t>
+              <a:t>14/01/2024</a:t>
             </a:fld>
             <a:endParaRPr lang="en-GB" noProof="0" dirty="0"/>
           </a:p>
@@ -7623,42 +7623,6 @@
       </p:sp>
       <p:pic>
         <p:nvPicPr>
-          <p:cNvPr id="14" name="Picture 13" descr="A black screen with many colorful text&#10;&#10;Description automatically generated">
-            <a:extLst>
-              <a:ext uri="{FF2B5EF4-FFF2-40B4-BE49-F238E27FC236}">
-                <a16:creationId xmlns:a16="http://schemas.microsoft.com/office/drawing/2014/main" id="{DF26D484-DB8D-3339-5FF0-49AD8C20FB87}"/>
-              </a:ext>
-            </a:extLst>
-          </p:cNvPr>
-          <p:cNvPicPr>
-            <a:picLocks noChangeAspect="1"/>
-          </p:cNvPicPr>
-          <p:nvPr/>
-        </p:nvPicPr>
-        <p:blipFill>
-          <a:blip r:embed="rId3" cstate="print">
-            <a:extLst>
-              <a:ext uri="{28A0092B-C50C-407E-A947-70E740481C1C}">
-                <a14:useLocalDpi xmlns:a14="http://schemas.microsoft.com/office/drawing/2010/main" val="0"/>
-              </a:ext>
-            </a:extLst>
-          </a:blip>
-          <a:stretch>
-            <a:fillRect/>
-          </a:stretch>
-        </p:blipFill>
-        <p:spPr>
-          <a:xfrm>
-            <a:off x="512556" y="2394648"/>
-            <a:ext cx="8080745" cy="2068702"/>
-          </a:xfrm>
-          <a:prstGeom prst="rect">
-            <a:avLst/>
-          </a:prstGeom>
-        </p:spPr>
-      </p:pic>
-      <p:pic>
-        <p:nvPicPr>
           <p:cNvPr id="16" name="Picture 15" descr="A black background with white numbers&#10;&#10;Description automatically generated">
             <a:extLst>
               <a:ext uri="{FF2B5EF4-FFF2-40B4-BE49-F238E27FC236}">
@@ -7672,7 +7636,7 @@
           <p:nvPr/>
         </p:nvPicPr>
         <p:blipFill>
-          <a:blip r:embed="rId4">
+          <a:blip r:embed="rId3">
             <a:extLst>
               <a:ext uri="{28A0092B-C50C-407E-A947-70E740481C1C}">
                 <a14:useLocalDpi xmlns:a14="http://schemas.microsoft.com/office/drawing/2010/main" val="0"/>
@@ -7687,6 +7651,42 @@
           <a:xfrm>
             <a:off x="8895821" y="3199915"/>
             <a:ext cx="2899233" cy="458169"/>
+          </a:xfrm>
+          <a:prstGeom prst="rect">
+            <a:avLst/>
+          </a:prstGeom>
+        </p:spPr>
+      </p:pic>
+      <p:pic>
+        <p:nvPicPr>
+          <p:cNvPr id="4" name="Picture 3" descr="A black screen with many colorful text&#10;&#10;Description automatically generated">
+            <a:extLst>
+              <a:ext uri="{FF2B5EF4-FFF2-40B4-BE49-F238E27FC236}">
+                <a16:creationId xmlns:a16="http://schemas.microsoft.com/office/drawing/2014/main" id="{367AB319-0D96-A825-0CDE-DB3732C2684D}"/>
+              </a:ext>
+            </a:extLst>
+          </p:cNvPr>
+          <p:cNvPicPr>
+            <a:picLocks noChangeAspect="1"/>
+          </p:cNvPicPr>
+          <p:nvPr/>
+        </p:nvPicPr>
+        <p:blipFill>
+          <a:blip r:embed="rId4" cstate="print">
+            <a:extLst>
+              <a:ext uri="{28A0092B-C50C-407E-A947-70E740481C1C}">
+                <a14:useLocalDpi xmlns:a14="http://schemas.microsoft.com/office/drawing/2010/main" val="0"/>
+              </a:ext>
+            </a:extLst>
+          </a:blip>
+          <a:stretch>
+            <a:fillRect/>
+          </a:stretch>
+        </p:blipFill>
+        <p:spPr>
+          <a:xfrm>
+            <a:off x="532763" y="2435721"/>
+            <a:ext cx="8245199" cy="1986558"/>
           </a:xfrm>
           <a:prstGeom prst="rect">
             <a:avLst/>
@@ -7727,6 +7727,9 @@
                     <p:cTn id="3" fill="hold">
                       <p:stCondLst>
                         <p:cond delay="indefinite"/>
+                        <p:cond evt="onBegin" delay="0">
+                          <p:tn val="2"/>
+                        </p:cond>
                       </p:stCondLst>
                       <p:childTnLst>
                         <p:par>
@@ -7736,7 +7739,7 @@
                             </p:stCondLst>
                             <p:childTnLst>
                               <p:par>
-                                <p:cTn id="5" presetID="10" presetClass="entr" presetSubtype="0" fill="hold" nodeType="clickEffect">
+                                <p:cTn id="5" presetID="10" presetClass="entr" presetSubtype="0" fill="hold" nodeType="withEffect">
                                   <p:stCondLst>
                                     <p:cond delay="0"/>
                                   </p:stCondLst>
@@ -7744,41 +7747,6 @@
                                     <p:set>
                                       <p:cBhvr>
                                         <p:cTn id="6" dur="1" fill="hold">
-                                          <p:stCondLst>
-                                            <p:cond delay="0"/>
-                                          </p:stCondLst>
-                                        </p:cTn>
-                                        <p:tgtEl>
-                                          <p:spTgt spid="14"/>
-                                        </p:tgtEl>
-                                        <p:attrNameLst>
-                                          <p:attrName>style.visibility</p:attrName>
-                                        </p:attrNameLst>
-                                      </p:cBhvr>
-                                      <p:to>
-                                        <p:strVal val="visible"/>
-                                      </p:to>
-                                    </p:set>
-                                    <p:animEffect transition="in" filter="fade">
-                                      <p:cBhvr>
-                                        <p:cTn id="7" dur="500"/>
-                                        <p:tgtEl>
-                                          <p:spTgt spid="14"/>
-                                        </p:tgtEl>
-                                      </p:cBhvr>
-                                    </p:animEffect>
-                                  </p:childTnLst>
-                                </p:cTn>
-                              </p:par>
-                              <p:par>
-                                <p:cTn id="8" presetID="10" presetClass="entr" presetSubtype="0" fill="hold" nodeType="withEffect">
-                                  <p:stCondLst>
-                                    <p:cond delay="0"/>
-                                  </p:stCondLst>
-                                  <p:childTnLst>
-                                    <p:set>
-                                      <p:cBhvr>
-                                        <p:cTn id="9" dur="1" fill="hold">
                                           <p:stCondLst>
                                             <p:cond delay="0"/>
                                           </p:stCondLst>
@@ -7796,7 +7764,7 @@
                                     </p:set>
                                     <p:animEffect transition="in" filter="fade">
                                       <p:cBhvr>
-                                        <p:cTn id="10" dur="500"/>
+                                        <p:cTn id="7" dur="500"/>
                                         <p:tgtEl>
                                           <p:spTgt spid="16"/>
                                         </p:tgtEl>
@@ -7812,26 +7780,26 @@
                     </p:cTn>
                   </p:par>
                   <p:par>
-                    <p:cTn id="11" fill="hold">
+                    <p:cTn id="8" fill="hold">
                       <p:stCondLst>
                         <p:cond delay="indefinite"/>
                       </p:stCondLst>
                       <p:childTnLst>
                         <p:par>
-                          <p:cTn id="12" fill="hold">
+                          <p:cTn id="9" fill="hold">
                             <p:stCondLst>
                               <p:cond delay="0"/>
                             </p:stCondLst>
                             <p:childTnLst>
                               <p:par>
-                                <p:cTn id="13" presetID="10" presetClass="entr" presetSubtype="0" fill="hold" nodeType="clickEffect">
+                                <p:cTn id="10" presetID="10" presetClass="entr" presetSubtype="0" fill="hold" nodeType="clickEffect">
                                   <p:stCondLst>
                                     <p:cond delay="0"/>
                                   </p:stCondLst>
                                   <p:childTnLst>
                                     <p:set>
                                       <p:cBhvr>
-                                        <p:cTn id="14" dur="1" fill="hold">
+                                        <p:cTn id="11" dur="1" fill="hold">
                                           <p:stCondLst>
                                             <p:cond delay="0"/>
                                           </p:stCondLst>
@@ -7853,7 +7821,7 @@
                                     </p:set>
                                     <p:animEffect transition="in" filter="fade">
                                       <p:cBhvr>
-                                        <p:cTn id="15" dur="500"/>
+                                        <p:cTn id="12" dur="500"/>
                                         <p:tgtEl>
                                           <p:spTgt spid="10">
                                             <p:txEl>
@@ -7873,26 +7841,26 @@
                     </p:cTn>
                   </p:par>
                   <p:par>
-                    <p:cTn id="16" fill="hold">
+                    <p:cTn id="13" fill="hold">
                       <p:stCondLst>
                         <p:cond delay="indefinite"/>
                       </p:stCondLst>
                       <p:childTnLst>
                         <p:par>
-                          <p:cTn id="17" fill="hold">
+                          <p:cTn id="14" fill="hold">
                             <p:stCondLst>
                               <p:cond delay="0"/>
                             </p:stCondLst>
                             <p:childTnLst>
                               <p:par>
-                                <p:cTn id="18" presetID="10" presetClass="entr" presetSubtype="0" fill="hold" nodeType="clickEffect">
+                                <p:cTn id="15" presetID="10" presetClass="entr" presetSubtype="0" fill="hold" nodeType="clickEffect">
                                   <p:stCondLst>
                                     <p:cond delay="0"/>
                                   </p:stCondLst>
                                   <p:childTnLst>
                                     <p:set>
                                       <p:cBhvr>
-                                        <p:cTn id="19" dur="1" fill="hold">
+                                        <p:cTn id="16" dur="1" fill="hold">
                                           <p:stCondLst>
                                             <p:cond delay="0"/>
                                           </p:stCondLst>
@@ -7914,7 +7882,7 @@
                                     </p:set>
                                     <p:animEffect transition="in" filter="fade">
                                       <p:cBhvr>
-                                        <p:cTn id="20" dur="500"/>
+                                        <p:cTn id="17" dur="500"/>
                                         <p:tgtEl>
                                           <p:spTgt spid="10">
                                             <p:txEl>
@@ -7928,14 +7896,14 @@
                                 </p:cTn>
                               </p:par>
                               <p:par>
-                                <p:cTn id="21" presetID="10" presetClass="entr" presetSubtype="0" fill="hold" nodeType="withEffect">
+                                <p:cTn id="18" presetID="10" presetClass="entr" presetSubtype="0" fill="hold" nodeType="withEffect">
                                   <p:stCondLst>
                                     <p:cond delay="0"/>
                                   </p:stCondLst>
                                   <p:childTnLst>
                                     <p:set>
                                       <p:cBhvr>
-                                        <p:cTn id="22" dur="1" fill="hold">
+                                        <p:cTn id="19" dur="1" fill="hold">
                                           <p:stCondLst>
                                             <p:cond delay="0"/>
                                           </p:stCondLst>
@@ -7957,7 +7925,7 @@
                                     </p:set>
                                     <p:animEffect transition="in" filter="fade">
                                       <p:cBhvr>
-                                        <p:cTn id="23" dur="500"/>
+                                        <p:cTn id="20" dur="500"/>
                                         <p:tgtEl>
                                           <p:spTgt spid="10">
                                             <p:txEl>

--- a/Docs/Presentation.pptx
+++ b/Docs/Presentation.pptx
@@ -243,7 +243,7 @@
             <a:pPr rtl="0"/>
             <a:fld id="{BE3387C1-8EFB-44F7-8485-D662F1CF7333}" type="datetime1">
               <a:rPr lang="en-GB" smtClean="0"/>
-              <a:t>14/01/2024</a:t>
+              <a:t>15/01/2024</a:t>
             </a:fld>
             <a:endParaRPr lang="en-GB" dirty="0"/>
           </a:p>
@@ -413,7 +413,7 @@
             <a:pPr rtl="0"/>
             <a:fld id="{88D6434E-09F1-48C0-A525-B5A7008B7802}" type="datetime1">
               <a:rPr lang="en-GB" noProof="0" smtClean="0"/>
-              <a:t>14/01/2024</a:t>
+              <a:t>15/01/2024</a:t>
             </a:fld>
             <a:endParaRPr lang="en-GB" noProof="0" dirty="0"/>
           </a:p>
@@ -2678,7 +2678,7 @@
             <a:pPr rtl="0"/>
             <a:fld id="{B4AAD351-6347-4318-B935-1E0F1B6A61D6}" type="datetime1">
               <a:rPr lang="en-GB" noProof="0" smtClean="0"/>
-              <a:t>14/01/2024</a:t>
+              <a:t>15/01/2024</a:t>
             </a:fld>
             <a:endParaRPr lang="en-GB" noProof="0" dirty="0"/>
           </a:p>
@@ -2887,7 +2887,7 @@
             <a:pPr rtl="0"/>
             <a:fld id="{D2EB87B0-5071-4BC9-A19F-C3269318028C}" type="datetime1">
               <a:rPr lang="en-GB" noProof="0" smtClean="0"/>
-              <a:t>14/01/2024</a:t>
+              <a:t>15/01/2024</a:t>
             </a:fld>
             <a:endParaRPr lang="en-GB" noProof="0" dirty="0"/>
           </a:p>
@@ -3093,7 +3093,7 @@
             <a:pPr rtl="0"/>
             <a:fld id="{54B4CBB3-9133-42BF-BC20-6F6E1888C21F}" type="datetime1">
               <a:rPr lang="en-GB" noProof="0" smtClean="0"/>
-              <a:t>14/01/2024</a:t>
+              <a:t>15/01/2024</a:t>
             </a:fld>
             <a:endParaRPr lang="en-GB" noProof="0" dirty="0"/>
           </a:p>
@@ -3292,7 +3292,7 @@
             <a:pPr rtl="0"/>
             <a:fld id="{71F23539-3F81-4F1E-A9B7-5CE0C1986E23}" type="datetime1">
               <a:rPr lang="en-GB" noProof="0" smtClean="0"/>
-              <a:t>14/01/2024</a:t>
+              <a:t>15/01/2024</a:t>
             </a:fld>
             <a:endParaRPr lang="en-GB" noProof="0" dirty="0"/>
           </a:p>
@@ -3531,7 +3531,7 @@
             <a:pPr rtl="0"/>
             <a:fld id="{56854DA5-E4EE-42EA-9BC9-3160B1480769}" type="datetime1">
               <a:rPr lang="en-GB" noProof="0" smtClean="0"/>
-              <a:t>14/01/2024</a:t>
+              <a:t>15/01/2024</a:t>
             </a:fld>
             <a:endParaRPr lang="en-GB" noProof="0" dirty="0"/>
           </a:p>
@@ -3814,7 +3814,7 @@
             <a:pPr rtl="0"/>
             <a:fld id="{E9A1BF5D-7537-4BA8-9976-6302714DE26C}" type="datetime1">
               <a:rPr lang="en-GB" noProof="0" smtClean="0"/>
-              <a:t>14/01/2024</a:t>
+              <a:t>15/01/2024</a:t>
             </a:fld>
             <a:endParaRPr lang="en-GB" noProof="0" dirty="0"/>
           </a:p>
@@ -4260,7 +4260,7 @@
             <a:pPr rtl="0"/>
             <a:fld id="{8F8E4797-21F6-4D41-B035-97FEABB63BCE}" type="datetime1">
               <a:rPr lang="en-GB" noProof="0" smtClean="0"/>
-              <a:t>14/01/2024</a:t>
+              <a:t>15/01/2024</a:t>
             </a:fld>
             <a:endParaRPr lang="en-GB" noProof="0" dirty="0"/>
           </a:p>
@@ -4420,7 +4420,7 @@
             <a:pPr rtl="0"/>
             <a:fld id="{4EC45D07-A3FD-40EE-BB45-F5E3D0F2E1C8}" type="datetime1">
               <a:rPr lang="en-GB" noProof="0" smtClean="0"/>
-              <a:t>14/01/2024</a:t>
+              <a:t>15/01/2024</a:t>
             </a:fld>
             <a:endParaRPr lang="en-GB" noProof="0" dirty="0"/>
           </a:p>
@@ -4538,7 +4538,7 @@
             <a:pPr rtl="0"/>
             <a:fld id="{30FFDAF9-DFA9-4947-9568-03347A66D233}" type="datetime1">
               <a:rPr lang="en-GB" noProof="0" smtClean="0"/>
-              <a:t>14/01/2024</a:t>
+              <a:t>15/01/2024</a:t>
             </a:fld>
             <a:endParaRPr lang="en-GB" noProof="0" dirty="0"/>
           </a:p>
@@ -4806,7 +4806,7 @@
             <a:pPr rtl="0"/>
             <a:fld id="{D89D711C-098E-40E1-BE23-CFCA1FAB8359}" type="datetime1">
               <a:rPr lang="en-GB" noProof="0" smtClean="0"/>
-              <a:t>14/01/2024</a:t>
+              <a:t>15/01/2024</a:t>
             </a:fld>
             <a:endParaRPr lang="en-GB" noProof="0" dirty="0"/>
           </a:p>
@@ -5075,7 +5075,7 @@
             <a:pPr rtl="0"/>
             <a:fld id="{9A9A7A2F-7C81-4F05-8B4D-4983D3740BAF}" type="datetime1">
               <a:rPr lang="en-GB" noProof="0" smtClean="0"/>
-              <a:t>14/01/2024</a:t>
+              <a:t>15/01/2024</a:t>
             </a:fld>
             <a:endParaRPr lang="en-GB" noProof="0" dirty="0"/>
           </a:p>
@@ -5943,7 +5943,7 @@
             <a:pPr rtl="0"/>
             <a:fld id="{8B045440-74F0-4B44-BEF6-1040C3E911E1}" type="datetime1">
               <a:rPr lang="en-GB" noProof="0" smtClean="0"/>
-              <a:t>14/01/2024</a:t>
+              <a:t>15/01/2024</a:t>
             </a:fld>
             <a:endParaRPr lang="en-GB" noProof="0" dirty="0"/>
           </a:p>
@@ -11958,8 +11958,21 @@
                   <a:schemeClr val="tx1"/>
                 </a:solidFill>
               </a:rPr>
-              <a:t>From each file (time instant) we extract the peak frequency and the corresponding value of modulus and phase for each sensor </a:t>
-            </a:r>
+              <a:t>From each file (time instant) we extract the peak frequency and the corresponding value of modulus and phase for each sensor. Those files are then grouped together </a:t>
+            </a:r>
+            <a:r>
+              <a:rPr lang="en-GB">
+                <a:solidFill>
+                  <a:schemeClr val="tx1"/>
+                </a:solidFill>
+              </a:rPr>
+              <a:t>in time windows</a:t>
+            </a:r>
+            <a:endParaRPr lang="en-GB" dirty="0">
+              <a:solidFill>
+                <a:schemeClr val="tx1"/>
+              </a:solidFill>
+            </a:endParaRPr>
           </a:p>
           <a:p>
             <a:pPr rtl="0"/>

--- a/Docs/Presentation.pptx
+++ b/Docs/Presentation.pptx
@@ -6522,41 +6522,6 @@
       </p:sp>
       <p:pic>
         <p:nvPicPr>
-          <p:cNvPr id="7" name="Content Placeholder 6" descr="A number on a black background&#10;&#10;Description automatically generated">
-            <a:extLst>
-              <a:ext uri="{FF2B5EF4-FFF2-40B4-BE49-F238E27FC236}">
-                <a16:creationId xmlns:a16="http://schemas.microsoft.com/office/drawing/2014/main" id="{E902FB72-72DA-027D-C4FB-999CCC0ECD45}"/>
-              </a:ext>
-            </a:extLst>
-          </p:cNvPr>
-          <p:cNvPicPr>
-            <a:picLocks noGrp="1" noChangeAspect="1"/>
-          </p:cNvPicPr>
-          <p:nvPr>
-            <p:ph idx="1"/>
-          </p:nvPr>
-        </p:nvPicPr>
-        <p:blipFill>
-          <a:blip r:embed="rId3">
-            <a:extLst>
-              <a:ext uri="{28A0092B-C50C-407E-A947-70E740481C1C}">
-                <a14:useLocalDpi xmlns:a14="http://schemas.microsoft.com/office/drawing/2010/main" val="0"/>
-              </a:ext>
-            </a:extLst>
-          </a:blip>
-          <a:stretch>
-            <a:fillRect/>
-          </a:stretch>
-        </p:blipFill>
-        <p:spPr>
-          <a:xfrm>
-            <a:off x="1578671" y="5149402"/>
-            <a:ext cx="2692049" cy="433285"/>
-          </a:xfrm>
-        </p:spPr>
-      </p:pic>
-      <p:pic>
-        <p:nvPicPr>
           <p:cNvPr id="5" name="Picture 4" descr="A screen shot of a computer code&#10;&#10;Description automatically generated">
             <a:extLst>
               <a:ext uri="{FF2B5EF4-FFF2-40B4-BE49-F238E27FC236}">
@@ -6570,7 +6535,7 @@
           <p:nvPr/>
         </p:nvPicPr>
         <p:blipFill>
-          <a:blip r:embed="rId4" cstate="print">
+          <a:blip r:embed="rId3" cstate="print">
             <a:extLst>
               <a:ext uri="{28A0092B-C50C-407E-A947-70E740481C1C}">
                 <a14:useLocalDpi xmlns:a14="http://schemas.microsoft.com/office/drawing/2010/main" val="0"/>
@@ -6665,6 +6630,41 @@
           </a:p>
         </p:txBody>
       </p:sp>
+      <p:pic>
+        <p:nvPicPr>
+          <p:cNvPr id="13" name="Content Placeholder 12" descr="A number on a black background&#10;&#10;Description automatically generated">
+            <a:extLst>
+              <a:ext uri="{FF2B5EF4-FFF2-40B4-BE49-F238E27FC236}">
+                <a16:creationId xmlns:a16="http://schemas.microsoft.com/office/drawing/2014/main" id="{76071D49-ACEE-7894-08D0-15D4673BD5C5}"/>
+              </a:ext>
+            </a:extLst>
+          </p:cNvPr>
+          <p:cNvPicPr>
+            <a:picLocks noGrp="1" noChangeAspect="1"/>
+          </p:cNvPicPr>
+          <p:nvPr>
+            <p:ph idx="1"/>
+          </p:nvPr>
+        </p:nvPicPr>
+        <p:blipFill>
+          <a:blip r:embed="rId4">
+            <a:extLst>
+              <a:ext uri="{28A0092B-C50C-407E-A947-70E740481C1C}">
+                <a14:useLocalDpi xmlns:a14="http://schemas.microsoft.com/office/drawing/2010/main" val="0"/>
+              </a:ext>
+            </a:extLst>
+          </a:blip>
+          <a:stretch>
+            <a:fillRect/>
+          </a:stretch>
+        </p:blipFill>
+        <p:spPr>
+          <a:xfrm>
+            <a:off x="1502486" y="4987996"/>
+            <a:ext cx="2983575" cy="480206"/>
+          </a:xfrm>
+        </p:spPr>
+      </p:pic>
     </p:spTree>
     <p:extLst>
       <p:ext uri="{BB962C8B-B14F-4D97-AF65-F5344CB8AC3E}">
@@ -6756,7 +6756,7 @@
                                           </p:stCondLst>
                                         </p:cTn>
                                         <p:tgtEl>
-                                          <p:spTgt spid="7"/>
+                                          <p:spTgt spid="13"/>
                                         </p:tgtEl>
                                         <p:attrNameLst>
                                           <p:attrName>style.visibility</p:attrName>
@@ -6770,7 +6770,7 @@
                                       <p:cBhvr>
                                         <p:cTn id="10" dur="500"/>
                                         <p:tgtEl>
-                                          <p:spTgt spid="7"/>
+                                          <p:spTgt spid="13"/>
                                         </p:tgtEl>
                                       </p:cBhvr>
                                     </p:animEffect>
@@ -7165,10 +7165,10 @@
       </p:pic>
       <p:pic>
         <p:nvPicPr>
-          <p:cNvPr id="12" name="Picture 11" descr="A black background with white numbers&#10;&#10;Description automatically generated">
+          <p:cNvPr id="6" name="Picture 5" descr="A black background with white numbers&#10;&#10;Description automatically generated">
             <a:extLst>
               <a:ext uri="{FF2B5EF4-FFF2-40B4-BE49-F238E27FC236}">
-                <a16:creationId xmlns:a16="http://schemas.microsoft.com/office/drawing/2014/main" id="{A3E75A46-9D31-FC30-8CAF-FF81C3C1B7B4}"/>
+                <a16:creationId xmlns:a16="http://schemas.microsoft.com/office/drawing/2014/main" id="{F232038F-3EC6-93AB-3418-785D1A8815E1}"/>
               </a:ext>
             </a:extLst>
           </p:cNvPr>
@@ -7191,8 +7191,8 @@
         </p:blipFill>
         <p:spPr>
           <a:xfrm>
-            <a:off x="8410019" y="3055604"/>
-            <a:ext cx="2702873" cy="544660"/>
+            <a:off x="8117954" y="3086420"/>
+            <a:ext cx="3402016" cy="493841"/>
           </a:xfrm>
           <a:prstGeom prst="rect">
             <a:avLst/>
@@ -7290,7 +7290,7 @@
                                           </p:stCondLst>
                                         </p:cTn>
                                         <p:tgtEl>
-                                          <p:spTgt spid="12"/>
+                                          <p:spTgt spid="6"/>
                                         </p:tgtEl>
                                         <p:attrNameLst>
                                           <p:attrName>style.visibility</p:attrName>
@@ -7304,7 +7304,7 @@
                                       <p:cBhvr>
                                         <p:cTn id="10" dur="500"/>
                                         <p:tgtEl>
-                                          <p:spTgt spid="12"/>
+                                          <p:spTgt spid="6"/>
                                         </p:tgtEl>
                                       </p:cBhvr>
                                     </p:animEffect>
@@ -7623,42 +7623,6 @@
       </p:sp>
       <p:pic>
         <p:nvPicPr>
-          <p:cNvPr id="16" name="Picture 15" descr="A black background with white numbers&#10;&#10;Description automatically generated">
-            <a:extLst>
-              <a:ext uri="{FF2B5EF4-FFF2-40B4-BE49-F238E27FC236}">
-                <a16:creationId xmlns:a16="http://schemas.microsoft.com/office/drawing/2014/main" id="{AA4CD5BE-3C08-5A7E-D5B8-BBFFE7A9D24D}"/>
-              </a:ext>
-            </a:extLst>
-          </p:cNvPr>
-          <p:cNvPicPr>
-            <a:picLocks noChangeAspect="1"/>
-          </p:cNvPicPr>
-          <p:nvPr/>
-        </p:nvPicPr>
-        <p:blipFill>
-          <a:blip r:embed="rId3">
-            <a:extLst>
-              <a:ext uri="{28A0092B-C50C-407E-A947-70E740481C1C}">
-                <a14:useLocalDpi xmlns:a14="http://schemas.microsoft.com/office/drawing/2010/main" val="0"/>
-              </a:ext>
-            </a:extLst>
-          </a:blip>
-          <a:stretch>
-            <a:fillRect/>
-          </a:stretch>
-        </p:blipFill>
-        <p:spPr>
-          <a:xfrm>
-            <a:off x="8895821" y="3199915"/>
-            <a:ext cx="2899233" cy="458169"/>
-          </a:xfrm>
-          <a:prstGeom prst="rect">
-            <a:avLst/>
-          </a:prstGeom>
-        </p:spPr>
-      </p:pic>
-      <p:pic>
-        <p:nvPicPr>
           <p:cNvPr id="4" name="Picture 3" descr="A black screen with many colorful text&#10;&#10;Description automatically generated">
             <a:extLst>
               <a:ext uri="{FF2B5EF4-FFF2-40B4-BE49-F238E27FC236}">
@@ -7672,7 +7636,7 @@
           <p:nvPr/>
         </p:nvPicPr>
         <p:blipFill>
-          <a:blip r:embed="rId4" cstate="print">
+          <a:blip r:embed="rId3" cstate="print">
             <a:extLst>
               <a:ext uri="{28A0092B-C50C-407E-A947-70E740481C1C}">
                 <a14:useLocalDpi xmlns:a14="http://schemas.microsoft.com/office/drawing/2010/main" val="0"/>
@@ -7687,6 +7651,42 @@
           <a:xfrm>
             <a:off x="532763" y="2435721"/>
             <a:ext cx="8245199" cy="1986558"/>
+          </a:xfrm>
+          <a:prstGeom prst="rect">
+            <a:avLst/>
+          </a:prstGeom>
+        </p:spPr>
+      </p:pic>
+      <p:pic>
+        <p:nvPicPr>
+          <p:cNvPr id="5" name="Picture 4" descr="A black background with white numbers&#10;&#10;Description automatically generated">
+            <a:extLst>
+              <a:ext uri="{FF2B5EF4-FFF2-40B4-BE49-F238E27FC236}">
+                <a16:creationId xmlns:a16="http://schemas.microsoft.com/office/drawing/2014/main" id="{9DEED180-A7A6-0013-6329-5B6A690C5623}"/>
+              </a:ext>
+            </a:extLst>
+          </p:cNvPr>
+          <p:cNvPicPr>
+            <a:picLocks noChangeAspect="1"/>
+          </p:cNvPicPr>
+          <p:nvPr/>
+        </p:nvPicPr>
+        <p:blipFill>
+          <a:blip r:embed="rId4">
+            <a:extLst>
+              <a:ext uri="{28A0092B-C50C-407E-A947-70E740481C1C}">
+                <a14:useLocalDpi xmlns:a14="http://schemas.microsoft.com/office/drawing/2010/main" val="0"/>
+              </a:ext>
+            </a:extLst>
+          </a:blip>
+          <a:stretch>
+            <a:fillRect/>
+          </a:stretch>
+        </p:blipFill>
+        <p:spPr>
+          <a:xfrm>
+            <a:off x="8929588" y="3282932"/>
+            <a:ext cx="3153443" cy="433807"/>
           </a:xfrm>
           <a:prstGeom prst="rect">
             <a:avLst/>
@@ -7727,9 +7727,6 @@
                     <p:cTn id="3" fill="hold">
                       <p:stCondLst>
                         <p:cond delay="indefinite"/>
-                        <p:cond evt="onBegin" delay="0">
-                          <p:tn val="2"/>
-                        </p:cond>
                       </p:stCondLst>
                       <p:childTnLst>
                         <p:par>
@@ -7739,7 +7736,7 @@
                             </p:stCondLst>
                             <p:childTnLst>
                               <p:par>
-                                <p:cTn id="5" presetID="10" presetClass="entr" presetSubtype="0" fill="hold" nodeType="withEffect">
+                                <p:cTn id="5" presetID="10" presetClass="entr" presetSubtype="0" fill="hold" nodeType="clickEffect">
                                   <p:stCondLst>
                                     <p:cond delay="0"/>
                                   </p:stCondLst>
@@ -7752,7 +7749,7 @@
                                           </p:stCondLst>
                                         </p:cTn>
                                         <p:tgtEl>
-                                          <p:spTgt spid="16"/>
+                                          <p:spTgt spid="4"/>
                                         </p:tgtEl>
                                         <p:attrNameLst>
                                           <p:attrName>style.visibility</p:attrName>
@@ -7766,7 +7763,42 @@
                                       <p:cBhvr>
                                         <p:cTn id="7" dur="500"/>
                                         <p:tgtEl>
-                                          <p:spTgt spid="16"/>
+                                          <p:spTgt spid="4"/>
+                                        </p:tgtEl>
+                                      </p:cBhvr>
+                                    </p:animEffect>
+                                  </p:childTnLst>
+                                </p:cTn>
+                              </p:par>
+                              <p:par>
+                                <p:cTn id="8" presetID="10" presetClass="entr" presetSubtype="0" fill="hold" nodeType="withEffect">
+                                  <p:stCondLst>
+                                    <p:cond delay="0"/>
+                                  </p:stCondLst>
+                                  <p:childTnLst>
+                                    <p:set>
+                                      <p:cBhvr>
+                                        <p:cTn id="9" dur="1" fill="hold">
+                                          <p:stCondLst>
+                                            <p:cond delay="0"/>
+                                          </p:stCondLst>
+                                        </p:cTn>
+                                        <p:tgtEl>
+                                          <p:spTgt spid="5"/>
+                                        </p:tgtEl>
+                                        <p:attrNameLst>
+                                          <p:attrName>style.visibility</p:attrName>
+                                        </p:attrNameLst>
+                                      </p:cBhvr>
+                                      <p:to>
+                                        <p:strVal val="visible"/>
+                                      </p:to>
+                                    </p:set>
+                                    <p:animEffect transition="in" filter="fade">
+                                      <p:cBhvr>
+                                        <p:cTn id="10" dur="500"/>
+                                        <p:tgtEl>
+                                          <p:spTgt spid="5"/>
                                         </p:tgtEl>
                                       </p:cBhvr>
                                     </p:animEffect>
@@ -7780,26 +7812,26 @@
                     </p:cTn>
                   </p:par>
                   <p:par>
-                    <p:cTn id="8" fill="hold">
+                    <p:cTn id="11" fill="hold">
                       <p:stCondLst>
                         <p:cond delay="indefinite"/>
                       </p:stCondLst>
                       <p:childTnLst>
                         <p:par>
-                          <p:cTn id="9" fill="hold">
+                          <p:cTn id="12" fill="hold">
                             <p:stCondLst>
                               <p:cond delay="0"/>
                             </p:stCondLst>
                             <p:childTnLst>
                               <p:par>
-                                <p:cTn id="10" presetID="10" presetClass="entr" presetSubtype="0" fill="hold" nodeType="clickEffect">
+                                <p:cTn id="13" presetID="10" presetClass="entr" presetSubtype="0" fill="hold" nodeType="clickEffect">
                                   <p:stCondLst>
                                     <p:cond delay="0"/>
                                   </p:stCondLst>
                                   <p:childTnLst>
                                     <p:set>
                                       <p:cBhvr>
-                                        <p:cTn id="11" dur="1" fill="hold">
+                                        <p:cTn id="14" dur="1" fill="hold">
                                           <p:stCondLst>
                                             <p:cond delay="0"/>
                                           </p:stCondLst>
@@ -7821,7 +7853,7 @@
                                     </p:set>
                                     <p:animEffect transition="in" filter="fade">
                                       <p:cBhvr>
-                                        <p:cTn id="12" dur="500"/>
+                                        <p:cTn id="15" dur="500"/>
                                         <p:tgtEl>
                                           <p:spTgt spid="10">
                                             <p:txEl>
@@ -7841,26 +7873,26 @@
                     </p:cTn>
                   </p:par>
                   <p:par>
-                    <p:cTn id="13" fill="hold">
+                    <p:cTn id="16" fill="hold">
                       <p:stCondLst>
                         <p:cond delay="indefinite"/>
                       </p:stCondLst>
                       <p:childTnLst>
                         <p:par>
-                          <p:cTn id="14" fill="hold">
+                          <p:cTn id="17" fill="hold">
                             <p:stCondLst>
                               <p:cond delay="0"/>
                             </p:stCondLst>
                             <p:childTnLst>
                               <p:par>
-                                <p:cTn id="15" presetID="10" presetClass="entr" presetSubtype="0" fill="hold" nodeType="clickEffect">
+                                <p:cTn id="18" presetID="10" presetClass="entr" presetSubtype="0" fill="hold" nodeType="clickEffect">
                                   <p:stCondLst>
                                     <p:cond delay="0"/>
                                   </p:stCondLst>
                                   <p:childTnLst>
                                     <p:set>
                                       <p:cBhvr>
-                                        <p:cTn id="16" dur="1" fill="hold">
+                                        <p:cTn id="19" dur="1" fill="hold">
                                           <p:stCondLst>
                                             <p:cond delay="0"/>
                                           </p:stCondLst>
@@ -7882,7 +7914,7 @@
                                     </p:set>
                                     <p:animEffect transition="in" filter="fade">
                                       <p:cBhvr>
-                                        <p:cTn id="17" dur="500"/>
+                                        <p:cTn id="20" dur="500"/>
                                         <p:tgtEl>
                                           <p:spTgt spid="10">
                                             <p:txEl>
@@ -7896,14 +7928,14 @@
                                 </p:cTn>
                               </p:par>
                               <p:par>
-                                <p:cTn id="18" presetID="10" presetClass="entr" presetSubtype="0" fill="hold" nodeType="withEffect">
+                                <p:cTn id="21" presetID="10" presetClass="entr" presetSubtype="0" fill="hold" nodeType="withEffect">
                                   <p:stCondLst>
                                     <p:cond delay="0"/>
                                   </p:stCondLst>
                                   <p:childTnLst>
                                     <p:set>
                                       <p:cBhvr>
-                                        <p:cTn id="19" dur="1" fill="hold">
+                                        <p:cTn id="22" dur="1" fill="hold">
                                           <p:stCondLst>
                                             <p:cond delay="0"/>
                                           </p:stCondLst>
@@ -7925,7 +7957,7 @@
                                     </p:set>
                                     <p:animEffect transition="in" filter="fade">
                                       <p:cBhvr>
-                                        <p:cTn id="20" dur="500"/>
+                                        <p:cTn id="23" dur="500"/>
                                         <p:tgtEl>
                                           <p:spTgt spid="10">
                                             <p:txEl>
@@ -10344,10 +10376,10 @@
       </p:grpSp>
       <p:grpSp>
         <p:nvGrpSpPr>
-          <p:cNvPr id="73" name="Group 72">
+          <p:cNvPr id="3" name="Group 2">
             <a:extLst>
               <a:ext uri="{FF2B5EF4-FFF2-40B4-BE49-F238E27FC236}">
-                <a16:creationId xmlns:a16="http://schemas.microsoft.com/office/drawing/2014/main" id="{AFD1CAE8-5464-3935-021C-E62E0FCC1B5F}"/>
+                <a16:creationId xmlns:a16="http://schemas.microsoft.com/office/drawing/2014/main" id="{A9E5D4ED-84F1-5A39-42C6-0D3739282F44}"/>
               </a:ext>
             </a:extLst>
           </p:cNvPr>
@@ -10392,7 +10424,7 @@
                 </a:extLst>
               </p:cNvPr>
               <p:cNvPicPr>
-                <a:picLocks noChangeAspect="1"/>
+                <a:picLocks noGrp="1" noRot="1" noChangeAspect="1" noMove="1" noResize="1" noEditPoints="1" noAdjustHandles="1" noChangeArrowheads="1" noChangeShapeType="1" noCrop="1"/>
               </p:cNvPicPr>
               <p:nvPr/>
             </p:nvPicPr>
@@ -10717,190 +10749,6 @@
                   <a:srgbClr val="00B050"/>
                 </a:solidFill>
               </a:ln>
-            </p:spPr>
-            <p:style>
-              <a:lnRef idx="2">
-                <a:schemeClr val="accent1">
-                  <a:shade val="15000"/>
-                </a:schemeClr>
-              </a:lnRef>
-              <a:fillRef idx="1">
-                <a:schemeClr val="accent1"/>
-              </a:fillRef>
-              <a:effectRef idx="0">
-                <a:schemeClr val="accent1"/>
-              </a:effectRef>
-              <a:fontRef idx="minor">
-                <a:schemeClr val="lt1"/>
-              </a:fontRef>
-            </p:style>
-            <p:txBody>
-              <a:bodyPr rtlCol="0" anchor="ctr"/>
-              <a:lstStyle/>
-              <a:p>
-                <a:pPr algn="ctr"/>
-                <a:endParaRPr lang="en-US"/>
-              </a:p>
-            </p:txBody>
-          </p:sp>
-          <p:sp>
-            <p:nvSpPr>
-              <p:cNvPr id="38" name="Rectangle 37">
-                <a:extLst>
-                  <a:ext uri="{FF2B5EF4-FFF2-40B4-BE49-F238E27FC236}">
-                    <a16:creationId xmlns:a16="http://schemas.microsoft.com/office/drawing/2014/main" id="{58938814-74E3-32A3-63AA-55E3BEF54F1C}"/>
-                  </a:ext>
-                </a:extLst>
-              </p:cNvPr>
-              <p:cNvSpPr/>
-              <p:nvPr/>
-            </p:nvSpPr>
-            <p:spPr>
-              <a:xfrm>
-                <a:off x="10156370" y="5713939"/>
-                <a:ext cx="555170" cy="194128"/>
-              </a:xfrm>
-              <a:prstGeom prst="rect">
-                <a:avLst/>
-              </a:prstGeom>
-            </p:spPr>
-            <p:style>
-              <a:lnRef idx="2">
-                <a:schemeClr val="accent1">
-                  <a:shade val="15000"/>
-                </a:schemeClr>
-              </a:lnRef>
-              <a:fillRef idx="1">
-                <a:schemeClr val="accent1"/>
-              </a:fillRef>
-              <a:effectRef idx="0">
-                <a:schemeClr val="accent1"/>
-              </a:effectRef>
-              <a:fontRef idx="minor">
-                <a:schemeClr val="lt1"/>
-              </a:fontRef>
-            </p:style>
-            <p:txBody>
-              <a:bodyPr rtlCol="0" anchor="ctr"/>
-              <a:lstStyle/>
-              <a:p>
-                <a:pPr algn="ctr"/>
-                <a:endParaRPr lang="en-US"/>
-              </a:p>
-            </p:txBody>
-          </p:sp>
-          <p:sp>
-            <p:nvSpPr>
-              <p:cNvPr id="39" name="Rectangle 38">
-                <a:extLst>
-                  <a:ext uri="{FF2B5EF4-FFF2-40B4-BE49-F238E27FC236}">
-                    <a16:creationId xmlns:a16="http://schemas.microsoft.com/office/drawing/2014/main" id="{12877594-40C5-5387-44DC-88EAB42C17A3}"/>
-                  </a:ext>
-                </a:extLst>
-              </p:cNvPr>
-              <p:cNvSpPr/>
-              <p:nvPr/>
-            </p:nvSpPr>
-            <p:spPr>
-              <a:xfrm>
-                <a:off x="10430327" y="5519811"/>
-                <a:ext cx="281213" cy="194128"/>
-              </a:xfrm>
-              <a:prstGeom prst="rect">
-                <a:avLst/>
-              </a:prstGeom>
-            </p:spPr>
-            <p:style>
-              <a:lnRef idx="2">
-                <a:schemeClr val="accent1">
-                  <a:shade val="15000"/>
-                </a:schemeClr>
-              </a:lnRef>
-              <a:fillRef idx="1">
-                <a:schemeClr val="accent1"/>
-              </a:fillRef>
-              <a:effectRef idx="0">
-                <a:schemeClr val="accent1"/>
-              </a:effectRef>
-              <a:fontRef idx="minor">
-                <a:schemeClr val="lt1"/>
-              </a:fontRef>
-            </p:style>
-            <p:txBody>
-              <a:bodyPr rtlCol="0" anchor="ctr"/>
-              <a:lstStyle/>
-              <a:p>
-                <a:pPr algn="ctr"/>
-                <a:endParaRPr lang="en-US"/>
-              </a:p>
-            </p:txBody>
-          </p:sp>
-          <p:sp>
-            <p:nvSpPr>
-              <p:cNvPr id="40" name="Rectangle 39">
-                <a:extLst>
-                  <a:ext uri="{FF2B5EF4-FFF2-40B4-BE49-F238E27FC236}">
-                    <a16:creationId xmlns:a16="http://schemas.microsoft.com/office/drawing/2014/main" id="{E04567C8-F7E4-9471-CA92-D5D28062055F}"/>
-                  </a:ext>
-                </a:extLst>
-              </p:cNvPr>
-              <p:cNvSpPr/>
-              <p:nvPr/>
-            </p:nvSpPr>
-            <p:spPr>
-              <a:xfrm>
-                <a:off x="10430327" y="5394624"/>
-                <a:ext cx="92529" cy="125186"/>
-              </a:xfrm>
-              <a:prstGeom prst="rect">
-                <a:avLst/>
-              </a:prstGeom>
-            </p:spPr>
-            <p:style>
-              <a:lnRef idx="2">
-                <a:schemeClr val="accent1">
-                  <a:shade val="15000"/>
-                </a:schemeClr>
-              </a:lnRef>
-              <a:fillRef idx="1">
-                <a:schemeClr val="accent1"/>
-              </a:fillRef>
-              <a:effectRef idx="0">
-                <a:schemeClr val="accent1"/>
-              </a:effectRef>
-              <a:fontRef idx="minor">
-                <a:schemeClr val="lt1"/>
-              </a:fontRef>
-            </p:style>
-            <p:txBody>
-              <a:bodyPr rtlCol="0" anchor="ctr"/>
-              <a:lstStyle/>
-              <a:p>
-                <a:pPr algn="ctr"/>
-                <a:endParaRPr lang="en-US"/>
-              </a:p>
-            </p:txBody>
-          </p:sp>
-          <p:sp>
-            <p:nvSpPr>
-              <p:cNvPr id="41" name="Rectangle 40">
-                <a:extLst>
-                  <a:ext uri="{FF2B5EF4-FFF2-40B4-BE49-F238E27FC236}">
-                    <a16:creationId xmlns:a16="http://schemas.microsoft.com/office/drawing/2014/main" id="{CB02E877-290F-BB5B-4288-9CE02A71FD8E}"/>
-                  </a:ext>
-                </a:extLst>
-              </p:cNvPr>
-              <p:cNvSpPr/>
-              <p:nvPr/>
-            </p:nvSpPr>
-            <p:spPr>
-              <a:xfrm>
-                <a:off x="10522856" y="5394624"/>
-                <a:ext cx="92529" cy="125186"/>
-              </a:xfrm>
-              <a:prstGeom prst="rect">
-                <a:avLst/>
-              </a:prstGeom>
             </p:spPr>
             <p:style>
               <a:lnRef idx="2">
@@ -11718,7 +11566,7 @@
                                           </p:stCondLst>
                                         </p:cTn>
                                         <p:tgtEl>
-                                          <p:spTgt spid="73"/>
+                                          <p:spTgt spid="3"/>
                                         </p:tgtEl>
                                         <p:attrNameLst>
                                           <p:attrName>style.visibility</p:attrName>
@@ -11732,7 +11580,7 @@
                                       <p:cBhvr>
                                         <p:cTn id="18" dur="500"/>
                                         <p:tgtEl>
-                                          <p:spTgt spid="73"/>
+                                          <p:spTgt spid="3"/>
                                         </p:tgtEl>
                                       </p:cBhvr>
                                     </p:animEffect>
@@ -11919,7 +11767,7 @@
                   <a:schemeClr val="tx1"/>
                 </a:solidFill>
               </a:rPr>
-              <a:t>The samples comes from four testers (Leo, Lorenzo, Carlotta, Irene) and from three positions (Right, Left, </a:t>
+              <a:t>The samples come from four testers (Leo, Lorenzo, Carlotta, Irene) and from three positions (Right, Left, </a:t>
             </a:r>
             <a:r>
               <a:rPr lang="en-GB" dirty="0" err="1">
@@ -11958,21 +11806,8 @@
                   <a:schemeClr val="tx1"/>
                 </a:solidFill>
               </a:rPr>
-              <a:t>From each file (time instant) we extract the peak frequency and the corresponding value of modulus and phase for each sensor. Those files are then grouped together </a:t>
-            </a:r>
-            <a:r>
-              <a:rPr lang="en-GB">
-                <a:solidFill>
-                  <a:schemeClr val="tx1"/>
-                </a:solidFill>
-              </a:rPr>
-              <a:t>in time windows</a:t>
-            </a:r>
-            <a:endParaRPr lang="en-GB" dirty="0">
-              <a:solidFill>
-                <a:schemeClr val="tx1"/>
-              </a:solidFill>
-            </a:endParaRPr>
+              <a:t>From each file (time instant) we extract the peak frequency and the corresponding value of modulus and phase for each sensor. Those files are then grouped together in time windows</a:t>
+            </a:r>
           </a:p>
           <a:p>
             <a:pPr rtl="0"/>
@@ -13837,7 +13672,7 @@
                   <a:schemeClr val="tx1"/>
                 </a:solidFill>
               </a:rPr>
-              <a:t>The mean and variance of every previously extracted features is saved</a:t>
+              <a:t>The mean and variance of every previously extracted feature is saved</a:t>
             </a:r>
           </a:p>
           <a:p>
